--- a/slides/06-TuringMachines.pptx
+++ b/slides/06-TuringMachines.pptx
@@ -5,17 +5,16 @@
     <p:sldMasterId id="2147484006" r:id="rId1"/>
   </p:sldMasterIdLst>
   <p:notesMasterIdLst>
-    <p:notesMasterId r:id="rId10"/>
+    <p:notesMasterId r:id="rId9"/>
   </p:notesMasterIdLst>
   <p:sldIdLst>
     <p:sldId id="256" r:id="rId2"/>
     <p:sldId id="272" r:id="rId3"/>
     <p:sldId id="258" r:id="rId4"/>
-    <p:sldId id="367" r:id="rId5"/>
-    <p:sldId id="459" r:id="rId6"/>
-    <p:sldId id="460" r:id="rId7"/>
-    <p:sldId id="362" r:id="rId8"/>
-    <p:sldId id="363" r:id="rId9"/>
+    <p:sldId id="318" r:id="rId5"/>
+    <p:sldId id="460" r:id="rId6"/>
+    <p:sldId id="362" r:id="rId7"/>
+    <p:sldId id="363" r:id="rId8"/>
   </p:sldIdLst>
   <p:sldSz cx="12192000" cy="6858000"/>
   <p:notesSz cx="6858000" cy="9144000"/>
@@ -204,7 +203,7 @@
           <a:p>
             <a:fld id="{C5B45307-6ED4-B142-BD64-10F739779302}" type="datetimeFigureOut">
               <a:rPr lang="en-US" smtClean="0"/>
-              <a:t>7/27/23</a:t>
+              <a:t>8/16/23</a:t>
             </a:fld>
             <a:endParaRPr lang="en-US"/>
           </a:p>
@@ -555,6 +554,117 @@
 </p:notes>
 </file>
 
+<file path=ppt/notesSlides/notesSlide2.xml><?xml version="1.0" encoding="utf-8"?>
+<p:notes xmlns:a="http://schemas.openxmlformats.org/drawingml/2006/main" xmlns:r="http://schemas.openxmlformats.org/officeDocument/2006/relationships" xmlns:p="http://schemas.openxmlformats.org/presentationml/2006/main">
+  <p:cSld>
+    <p:spTree>
+      <p:nvGrpSpPr>
+        <p:cNvPr id="1" name=""/>
+        <p:cNvGrpSpPr/>
+        <p:nvPr/>
+      </p:nvGrpSpPr>
+      <p:grpSpPr>
+        <a:xfrm>
+          <a:off x="0" y="0"/>
+          <a:ext cx="0" cy="0"/>
+          <a:chOff x="0" y="0"/>
+          <a:chExt cx="0" cy="0"/>
+        </a:xfrm>
+      </p:grpSpPr>
+      <p:sp>
+        <p:nvSpPr>
+          <p:cNvPr id="7" name="Rectangle 7"/>
+          <p:cNvSpPr>
+            <a:spLocks noGrp="1" noChangeArrowheads="1"/>
+          </p:cNvSpPr>
+          <p:nvPr>
+            <p:ph type="sldNum" sz="quarter" idx="5"/>
+          </p:nvPr>
+        </p:nvSpPr>
+        <p:spPr>
+          <a:xfrm>
+            <a:off x="3884414" y="8685894"/>
+            <a:ext cx="2972098" cy="456595"/>
+          </a:xfrm>
+          <a:prstGeom prst="rect">
+            <a:avLst/>
+          </a:prstGeom>
+          <a:ln/>
+        </p:spPr>
+        <p:txBody>
+          <a:bodyPr/>
+          <a:lstStyle/>
+          <a:p>
+            <a:fld id="{51B7C5CC-8735-47F3-8FD6-DF4356A08766}" type="slidenum">
+              <a:rPr lang="en-US"/>
+              <a:pPr/>
+              <a:t>4</a:t>
+            </a:fld>
+            <a:endParaRPr lang="en-US"/>
+          </a:p>
+        </p:txBody>
+      </p:sp>
+      <p:sp>
+        <p:nvSpPr>
+          <p:cNvPr id="257026" name="Rectangle 2"/>
+          <p:cNvSpPr>
+            <a:spLocks noGrp="1" noRot="1" noChangeAspect="1" noChangeArrowheads="1" noTextEdit="1"/>
+          </p:cNvSpPr>
+          <p:nvPr>
+            <p:ph type="sldImg"/>
+          </p:nvPr>
+        </p:nvSpPr>
+        <p:spPr>
+          <a:xfrm>
+            <a:off x="381000" y="687388"/>
+            <a:ext cx="6096000" cy="3429000"/>
+          </a:xfrm>
+          <a:prstGeom prst="rect">
+            <a:avLst/>
+          </a:prstGeom>
+          <a:ln/>
+        </p:spPr>
+      </p:sp>
+      <p:sp>
+        <p:nvSpPr>
+          <p:cNvPr id="257027" name="Rectangle 3"/>
+          <p:cNvSpPr>
+            <a:spLocks noGrp="1" noChangeArrowheads="1"/>
+          </p:cNvSpPr>
+          <p:nvPr>
+            <p:ph type="body" idx="1"/>
+          </p:nvPr>
+        </p:nvSpPr>
+        <p:spPr>
+          <a:xfrm>
+            <a:off x="686099" y="4343704"/>
+            <a:ext cx="5485805" cy="4113892"/>
+          </a:xfrm>
+          <a:prstGeom prst="rect">
+            <a:avLst/>
+          </a:prstGeom>
+        </p:spPr>
+        <p:txBody>
+          <a:bodyPr/>
+          <a:lstStyle/>
+          <a:p>
+            <a:endParaRPr lang="en-US"/>
+          </a:p>
+        </p:txBody>
+      </p:sp>
+    </p:spTree>
+    <p:extLst>
+      <p:ext uri="{BB962C8B-B14F-4D97-AF65-F5344CB8AC3E}">
+        <p14:creationId xmlns:p14="http://schemas.microsoft.com/office/powerpoint/2010/main" val="857418492"/>
+      </p:ext>
+    </p:extLst>
+  </p:cSld>
+  <p:clrMapOvr>
+    <a:masterClrMapping/>
+  </p:clrMapOvr>
+</p:notes>
+</file>
+
 <file path=ppt/slideLayouts/slideLayout1.xml><?xml version="1.0" encoding="utf-8"?>
 <p:sldLayout xmlns:a="http://schemas.openxmlformats.org/drawingml/2006/main" xmlns:r="http://schemas.openxmlformats.org/officeDocument/2006/relationships" xmlns:p="http://schemas.openxmlformats.org/presentationml/2006/main" showMasterSp="0" type="title" preserve="1">
   <p:cSld name="Title Slide">
@@ -612,7 +722,7 @@
           <a:noFill/>
           <a:extLst>
             <a:ext uri="{909E8E84-426E-40dd-AFC4-6F175D3DCCD1}">
-              <a14:hiddenFill xmlns="" xmlns:a14="http://schemas.microsoft.com/office/drawing/2010/main">
+              <a14:hiddenFill xmlns:a14="http://schemas.microsoft.com/office/drawing/2010/main" xmlns="">
                 <a:solidFill>
                   <a:srgbClr val="FFFFFF"/>
                 </a:solidFill>
@@ -671,7 +781,7 @@
             </a:ln>
             <a:extLst>
               <a:ext uri="{91240B29-F687-4f45-9708-019B960494DF}">
-                <a14:hiddenLine xmlns="" xmlns:a14="http://schemas.microsoft.com/office/drawing/2010/main" w="9525">
+                <a14:hiddenLine xmlns:a14="http://schemas.microsoft.com/office/drawing/2010/main" xmlns="" w="9525">
                   <a:solidFill>
                     <a:srgbClr val="000000"/>
                   </a:solidFill>
@@ -761,7 +871,7 @@
             </a:ln>
             <a:extLst>
               <a:ext uri="{91240B29-F687-4f45-9708-019B960494DF}">
-                <a14:hiddenLine xmlns="" xmlns:a14="http://schemas.microsoft.com/office/drawing/2010/main" w="9525">
+                <a14:hiddenLine xmlns:a14="http://schemas.microsoft.com/office/drawing/2010/main" xmlns="" w="9525">
                   <a:solidFill>
                     <a:srgbClr val="000000"/>
                   </a:solidFill>
@@ -851,7 +961,7 @@
             </a:ln>
             <a:extLst>
               <a:ext uri="{91240B29-F687-4f45-9708-019B960494DF}">
-                <a14:hiddenLine xmlns="" xmlns:a14="http://schemas.microsoft.com/office/drawing/2010/main" w="9525">
+                <a14:hiddenLine xmlns:a14="http://schemas.microsoft.com/office/drawing/2010/main" xmlns="" w="9525">
                   <a:solidFill>
                     <a:srgbClr val="000000"/>
                   </a:solidFill>
@@ -885,7 +995,7 @@
             </a:ln>
             <a:extLst>
               <a:ext uri="{91240B29-F687-4f45-9708-019B960494DF}">
-                <a14:hiddenLine xmlns="" xmlns:a14="http://schemas.microsoft.com/office/drawing/2010/main" w="9525">
+                <a14:hiddenLine xmlns:a14="http://schemas.microsoft.com/office/drawing/2010/main" xmlns="" w="9525">
                   <a:solidFill>
                     <a:srgbClr val="000000"/>
                   </a:solidFill>
@@ -975,7 +1085,7 @@
             </a:ln>
             <a:extLst>
               <a:ext uri="{91240B29-F687-4f45-9708-019B960494DF}">
-                <a14:hiddenLine xmlns="" xmlns:a14="http://schemas.microsoft.com/office/drawing/2010/main" w="9525">
+                <a14:hiddenLine xmlns:a14="http://schemas.microsoft.com/office/drawing/2010/main" xmlns="" w="9525">
                   <a:solidFill>
                     <a:srgbClr val="000000"/>
                   </a:solidFill>
@@ -1037,7 +1147,7 @@
             </a:ln>
             <a:extLst>
               <a:ext uri="{91240B29-F687-4f45-9708-019B960494DF}">
-                <a14:hiddenLine xmlns="" xmlns:a14="http://schemas.microsoft.com/office/drawing/2010/main" w="9525">
+                <a14:hiddenLine xmlns:a14="http://schemas.microsoft.com/office/drawing/2010/main" xmlns="" w="9525">
                   <a:solidFill>
                     <a:srgbClr val="000000"/>
                   </a:solidFill>
@@ -1099,7 +1209,7 @@
             </a:ln>
             <a:extLst>
               <a:ext uri="{91240B29-F687-4f45-9708-019B960494DF}">
-                <a14:hiddenLine xmlns="" xmlns:a14="http://schemas.microsoft.com/office/drawing/2010/main" w="9525">
+                <a14:hiddenLine xmlns:a14="http://schemas.microsoft.com/office/drawing/2010/main" xmlns="" w="9525">
                   <a:solidFill>
                     <a:srgbClr val="000000"/>
                   </a:solidFill>
@@ -1189,7 +1299,7 @@
             </a:ln>
             <a:extLst>
               <a:ext uri="{91240B29-F687-4f45-9708-019B960494DF}">
-                <a14:hiddenLine xmlns="" xmlns:a14="http://schemas.microsoft.com/office/drawing/2010/main" w="9525">
+                <a14:hiddenLine xmlns:a14="http://schemas.microsoft.com/office/drawing/2010/main" xmlns="" w="9525">
                   <a:solidFill>
                     <a:srgbClr val="000000"/>
                   </a:solidFill>
@@ -1251,7 +1361,7 @@
             </a:ln>
             <a:extLst>
               <a:ext uri="{91240B29-F687-4f45-9708-019B960494DF}">
-                <a14:hiddenLine xmlns="" xmlns:a14="http://schemas.microsoft.com/office/drawing/2010/main" w="9525">
+                <a14:hiddenLine xmlns:a14="http://schemas.microsoft.com/office/drawing/2010/main" xmlns="" w="9525">
                   <a:solidFill>
                     <a:srgbClr val="000000"/>
                   </a:solidFill>
@@ -1313,7 +1423,7 @@
             </a:ln>
             <a:extLst>
               <a:ext uri="{91240B29-F687-4f45-9708-019B960494DF}">
-                <a14:hiddenLine xmlns="" xmlns:a14="http://schemas.microsoft.com/office/drawing/2010/main" w="9525">
+                <a14:hiddenLine xmlns:a14="http://schemas.microsoft.com/office/drawing/2010/main" xmlns="" w="9525">
                   <a:solidFill>
                     <a:srgbClr val="000000"/>
                   </a:solidFill>
@@ -1403,7 +1513,7 @@
             </a:ln>
             <a:extLst>
               <a:ext uri="{91240B29-F687-4f45-9708-019B960494DF}">
-                <a14:hiddenLine xmlns="" xmlns:a14="http://schemas.microsoft.com/office/drawing/2010/main" w="9525">
+                <a14:hiddenLine xmlns:a14="http://schemas.microsoft.com/office/drawing/2010/main" xmlns="" w="9525">
                   <a:solidFill>
                     <a:srgbClr val="000000"/>
                   </a:solidFill>
@@ -1493,7 +1603,7 @@
             </a:ln>
             <a:extLst>
               <a:ext uri="{91240B29-F687-4f45-9708-019B960494DF}">
-                <a14:hiddenLine xmlns="" xmlns:a14="http://schemas.microsoft.com/office/drawing/2010/main" w="9525">
+                <a14:hiddenLine xmlns:a14="http://schemas.microsoft.com/office/drawing/2010/main" xmlns="" w="9525">
                   <a:solidFill>
                     <a:srgbClr val="000000"/>
                   </a:solidFill>
@@ -1555,7 +1665,7 @@
             </a:ln>
             <a:extLst>
               <a:ext uri="{91240B29-F687-4f45-9708-019B960494DF}">
-                <a14:hiddenLine xmlns="" xmlns:a14="http://schemas.microsoft.com/office/drawing/2010/main" w="9525">
+                <a14:hiddenLine xmlns:a14="http://schemas.microsoft.com/office/drawing/2010/main" xmlns="" w="9525">
                   <a:solidFill>
                     <a:srgbClr val="000000"/>
                   </a:solidFill>
@@ -1665,7 +1775,7 @@
             </a:ln>
             <a:extLst>
               <a:ext uri="{91240B29-F687-4f45-9708-019B960494DF}">
-                <a14:hiddenLine xmlns="" xmlns:a14="http://schemas.microsoft.com/office/drawing/2010/main" w="9525">
+                <a14:hiddenLine xmlns:a14="http://schemas.microsoft.com/office/drawing/2010/main" xmlns="" w="9525">
                   <a:solidFill>
                     <a:srgbClr val="000000"/>
                   </a:solidFill>
@@ -1727,7 +1837,7 @@
             </a:ln>
             <a:extLst>
               <a:ext uri="{91240B29-F687-4f45-9708-019B960494DF}">
-                <a14:hiddenLine xmlns="" xmlns:a14="http://schemas.microsoft.com/office/drawing/2010/main" w="9525">
+                <a14:hiddenLine xmlns:a14="http://schemas.microsoft.com/office/drawing/2010/main" xmlns="" w="9525">
                   <a:solidFill>
                     <a:srgbClr val="000000"/>
                   </a:solidFill>
@@ -1817,7 +1927,7 @@
             </a:ln>
             <a:extLst>
               <a:ext uri="{91240B29-F687-4f45-9708-019B960494DF}">
-                <a14:hiddenLine xmlns="" xmlns:a14="http://schemas.microsoft.com/office/drawing/2010/main" w="9525">
+                <a14:hiddenLine xmlns:a14="http://schemas.microsoft.com/office/drawing/2010/main" xmlns="" w="9525">
                   <a:solidFill>
                     <a:srgbClr val="000000"/>
                   </a:solidFill>
@@ -1907,7 +2017,7 @@
             </a:ln>
             <a:extLst>
               <a:ext uri="{91240B29-F687-4f45-9708-019B960494DF}">
-                <a14:hiddenLine xmlns="" xmlns:a14="http://schemas.microsoft.com/office/drawing/2010/main" w="9525">
+                <a14:hiddenLine xmlns:a14="http://schemas.microsoft.com/office/drawing/2010/main" xmlns="" w="9525">
                   <a:solidFill>
                     <a:srgbClr val="000000"/>
                   </a:solidFill>
@@ -1969,7 +2079,7 @@
             </a:ln>
             <a:extLst>
               <a:ext uri="{91240B29-F687-4f45-9708-019B960494DF}">
-                <a14:hiddenLine xmlns="" xmlns:a14="http://schemas.microsoft.com/office/drawing/2010/main" w="9525">
+                <a14:hiddenLine xmlns:a14="http://schemas.microsoft.com/office/drawing/2010/main" xmlns="" w="9525">
                   <a:solidFill>
                     <a:srgbClr val="000000"/>
                   </a:solidFill>
@@ -2059,7 +2169,7 @@
             </a:ln>
             <a:extLst>
               <a:ext uri="{91240B29-F687-4f45-9708-019B960494DF}">
-                <a14:hiddenLine xmlns="" xmlns:a14="http://schemas.microsoft.com/office/drawing/2010/main" w="9525">
+                <a14:hiddenLine xmlns:a14="http://schemas.microsoft.com/office/drawing/2010/main" xmlns="" w="9525">
                   <a:solidFill>
                     <a:srgbClr val="000000"/>
                   </a:solidFill>
@@ -2149,7 +2259,7 @@
             </a:ln>
             <a:extLst>
               <a:ext uri="{91240B29-F687-4f45-9708-019B960494DF}">
-                <a14:hiddenLine xmlns="" xmlns:a14="http://schemas.microsoft.com/office/drawing/2010/main" w="9525">
+                <a14:hiddenLine xmlns:a14="http://schemas.microsoft.com/office/drawing/2010/main" xmlns="" w="9525">
                   <a:solidFill>
                     <a:srgbClr val="000000"/>
                   </a:solidFill>
@@ -2205,7 +2315,7 @@
             </a:ln>
             <a:extLst>
               <a:ext uri="{91240B29-F687-4f45-9708-019B960494DF}">
-                <a14:hiddenLine xmlns="" xmlns:a14="http://schemas.microsoft.com/office/drawing/2010/main" w="9525">
+                <a14:hiddenLine xmlns:a14="http://schemas.microsoft.com/office/drawing/2010/main" xmlns="" w="9525">
                   <a:solidFill>
                     <a:srgbClr val="000000"/>
                   </a:solidFill>
@@ -2295,7 +2405,7 @@
             </a:ln>
             <a:extLst>
               <a:ext uri="{91240B29-F687-4f45-9708-019B960494DF}">
-                <a14:hiddenLine xmlns="" xmlns:a14="http://schemas.microsoft.com/office/drawing/2010/main" w="9525">
+                <a14:hiddenLine xmlns:a14="http://schemas.microsoft.com/office/drawing/2010/main" xmlns="" w="9525">
                   <a:solidFill>
                     <a:srgbClr val="000000"/>
                   </a:solidFill>
@@ -2351,7 +2461,7 @@
             </a:ln>
             <a:extLst>
               <a:ext uri="{91240B29-F687-4f45-9708-019B960494DF}">
-                <a14:hiddenLine xmlns="" xmlns:a14="http://schemas.microsoft.com/office/drawing/2010/main" w="9525">
+                <a14:hiddenLine xmlns:a14="http://schemas.microsoft.com/office/drawing/2010/main" xmlns="" w="9525">
                   <a:solidFill>
                     <a:srgbClr val="000000"/>
                   </a:solidFill>
@@ -2441,7 +2551,7 @@
             </a:ln>
             <a:extLst>
               <a:ext uri="{91240B29-F687-4f45-9708-019B960494DF}">
-                <a14:hiddenLine xmlns="" xmlns:a14="http://schemas.microsoft.com/office/drawing/2010/main" w="9525">
+                <a14:hiddenLine xmlns:a14="http://schemas.microsoft.com/office/drawing/2010/main" xmlns="" w="9525">
                   <a:solidFill>
                     <a:srgbClr val="000000"/>
                   </a:solidFill>
@@ -2509,7 +2619,7 @@
             </a:ln>
             <a:extLst>
               <a:ext uri="{91240B29-F687-4f45-9708-019B960494DF}">
-                <a14:hiddenLine xmlns="" xmlns:a14="http://schemas.microsoft.com/office/drawing/2010/main" w="9525">
+                <a14:hiddenLine xmlns:a14="http://schemas.microsoft.com/office/drawing/2010/main" xmlns="" w="9525">
                   <a:solidFill>
                     <a:srgbClr val="000000"/>
                   </a:solidFill>
@@ -2599,7 +2709,7 @@
             </a:ln>
             <a:extLst>
               <a:ext uri="{91240B29-F687-4f45-9708-019B960494DF}">
-                <a14:hiddenLine xmlns="" xmlns:a14="http://schemas.microsoft.com/office/drawing/2010/main" w="9525">
+                <a14:hiddenLine xmlns:a14="http://schemas.microsoft.com/office/drawing/2010/main" xmlns="" w="9525">
                   <a:solidFill>
                     <a:srgbClr val="000000"/>
                   </a:solidFill>
@@ -2667,7 +2777,7 @@
             </a:ln>
             <a:extLst>
               <a:ext uri="{91240B29-F687-4f45-9708-019B960494DF}">
-                <a14:hiddenLine xmlns="" xmlns:a14="http://schemas.microsoft.com/office/drawing/2010/main" w="9525">
+                <a14:hiddenLine xmlns:a14="http://schemas.microsoft.com/office/drawing/2010/main" xmlns="" w="9525">
                   <a:solidFill>
                     <a:srgbClr val="000000"/>
                   </a:solidFill>
@@ -2757,7 +2867,7 @@
             </a:ln>
             <a:extLst>
               <a:ext uri="{91240B29-F687-4f45-9708-019B960494DF}">
-                <a14:hiddenLine xmlns="" xmlns:a14="http://schemas.microsoft.com/office/drawing/2010/main" w="9525">
+                <a14:hiddenLine xmlns:a14="http://schemas.microsoft.com/office/drawing/2010/main" xmlns="" w="9525">
                   <a:solidFill>
                     <a:srgbClr val="000000"/>
                   </a:solidFill>
@@ -2791,7 +2901,7 @@
             </a:ln>
             <a:extLst>
               <a:ext uri="{91240B29-F687-4f45-9708-019B960494DF}">
-                <a14:hiddenLine xmlns="" xmlns:a14="http://schemas.microsoft.com/office/drawing/2010/main" w="9525">
+                <a14:hiddenLine xmlns:a14="http://schemas.microsoft.com/office/drawing/2010/main" xmlns="" w="9525">
                   <a:solidFill>
                     <a:srgbClr val="000000"/>
                   </a:solidFill>
@@ -2881,7 +2991,7 @@
             </a:ln>
             <a:extLst>
               <a:ext uri="{91240B29-F687-4f45-9708-019B960494DF}">
-                <a14:hiddenLine xmlns="" xmlns:a14="http://schemas.microsoft.com/office/drawing/2010/main" w="9525">
+                <a14:hiddenLine xmlns:a14="http://schemas.microsoft.com/office/drawing/2010/main" xmlns="" w="9525">
                   <a:solidFill>
                     <a:srgbClr val="000000"/>
                   </a:solidFill>
@@ -2943,7 +3053,7 @@
             </a:ln>
             <a:extLst>
               <a:ext uri="{91240B29-F687-4f45-9708-019B960494DF}">
-                <a14:hiddenLine xmlns="" xmlns:a14="http://schemas.microsoft.com/office/drawing/2010/main" w="9525">
+                <a14:hiddenLine xmlns:a14="http://schemas.microsoft.com/office/drawing/2010/main" xmlns="" w="9525">
                   <a:solidFill>
                     <a:srgbClr val="000000"/>
                   </a:solidFill>
@@ -3005,7 +3115,7 @@
             </a:ln>
             <a:extLst>
               <a:ext uri="{91240B29-F687-4f45-9708-019B960494DF}">
-                <a14:hiddenLine xmlns="" xmlns:a14="http://schemas.microsoft.com/office/drawing/2010/main" w="9525">
+                <a14:hiddenLine xmlns:a14="http://schemas.microsoft.com/office/drawing/2010/main" xmlns="" w="9525">
                   <a:solidFill>
                     <a:srgbClr val="000000"/>
                   </a:solidFill>
@@ -3095,7 +3205,7 @@
             </a:ln>
             <a:extLst>
               <a:ext uri="{91240B29-F687-4f45-9708-019B960494DF}">
-                <a14:hiddenLine xmlns="" xmlns:a14="http://schemas.microsoft.com/office/drawing/2010/main" w="9525">
+                <a14:hiddenLine xmlns:a14="http://schemas.microsoft.com/office/drawing/2010/main" xmlns="" w="9525">
                   <a:solidFill>
                     <a:srgbClr val="000000"/>
                   </a:solidFill>
@@ -3163,7 +3273,7 @@
             </a:ln>
             <a:extLst>
               <a:ext uri="{91240B29-F687-4f45-9708-019B960494DF}">
-                <a14:hiddenLine xmlns="" xmlns:a14="http://schemas.microsoft.com/office/drawing/2010/main" w="9525">
+                <a14:hiddenLine xmlns:a14="http://schemas.microsoft.com/office/drawing/2010/main" xmlns="" w="9525">
                   <a:solidFill>
                     <a:srgbClr val="000000"/>
                   </a:solidFill>
@@ -3225,7 +3335,7 @@
             </a:ln>
             <a:extLst>
               <a:ext uri="{91240B29-F687-4f45-9708-019B960494DF}">
-                <a14:hiddenLine xmlns="" xmlns:a14="http://schemas.microsoft.com/office/drawing/2010/main" w="9525">
+                <a14:hiddenLine xmlns:a14="http://schemas.microsoft.com/office/drawing/2010/main" xmlns="" w="9525">
                   <a:solidFill>
                     <a:srgbClr val="000000"/>
                   </a:solidFill>
@@ -3315,7 +3425,7 @@
             </a:ln>
             <a:extLst>
               <a:ext uri="{91240B29-F687-4f45-9708-019B960494DF}">
-                <a14:hiddenLine xmlns="" xmlns:a14="http://schemas.microsoft.com/office/drawing/2010/main" w="9525">
+                <a14:hiddenLine xmlns:a14="http://schemas.microsoft.com/office/drawing/2010/main" xmlns="" w="9525">
                   <a:solidFill>
                     <a:srgbClr val="000000"/>
                   </a:solidFill>
@@ -3377,7 +3487,7 @@
             </a:ln>
             <a:extLst>
               <a:ext uri="{91240B29-F687-4f45-9708-019B960494DF}">
-                <a14:hiddenLine xmlns="" xmlns:a14="http://schemas.microsoft.com/office/drawing/2010/main" w="9525">
+                <a14:hiddenLine xmlns:a14="http://schemas.microsoft.com/office/drawing/2010/main" xmlns="" w="9525">
                   <a:solidFill>
                     <a:srgbClr val="000000"/>
                   </a:solidFill>
@@ -3467,7 +3577,7 @@
             </a:ln>
             <a:extLst>
               <a:ext uri="{91240B29-F687-4f45-9708-019B960494DF}">
-                <a14:hiddenLine xmlns="" xmlns:a14="http://schemas.microsoft.com/office/drawing/2010/main" w="9525">
+                <a14:hiddenLine xmlns:a14="http://schemas.microsoft.com/office/drawing/2010/main" xmlns="" w="9525">
                   <a:solidFill>
                     <a:srgbClr val="000000"/>
                   </a:solidFill>
@@ -3529,7 +3639,7 @@
             </a:ln>
             <a:extLst>
               <a:ext uri="{91240B29-F687-4f45-9708-019B960494DF}">
-                <a14:hiddenLine xmlns="" xmlns:a14="http://schemas.microsoft.com/office/drawing/2010/main" w="9525">
+                <a14:hiddenLine xmlns:a14="http://schemas.microsoft.com/office/drawing/2010/main" xmlns="" w="9525">
                   <a:solidFill>
                     <a:srgbClr val="000000"/>
                   </a:solidFill>
@@ -3619,7 +3729,7 @@
             </a:ln>
             <a:extLst>
               <a:ext uri="{91240B29-F687-4f45-9708-019B960494DF}">
-                <a14:hiddenLine xmlns="" xmlns:a14="http://schemas.microsoft.com/office/drawing/2010/main" w="9525">
+                <a14:hiddenLine xmlns:a14="http://schemas.microsoft.com/office/drawing/2010/main" xmlns="" w="9525">
                   <a:solidFill>
                     <a:srgbClr val="000000"/>
                   </a:solidFill>
@@ -3653,7 +3763,7 @@
             </a:ln>
             <a:extLst>
               <a:ext uri="{91240B29-F687-4f45-9708-019B960494DF}">
-                <a14:hiddenLine xmlns="" xmlns:a14="http://schemas.microsoft.com/office/drawing/2010/main" w="9525">
+                <a14:hiddenLine xmlns:a14="http://schemas.microsoft.com/office/drawing/2010/main" xmlns="" w="9525">
                   <a:solidFill>
                     <a:srgbClr val="000000"/>
                   </a:solidFill>
@@ -3718,7 +3828,7 @@
             </a:ln>
             <a:extLst>
               <a:ext uri="{91240B29-F687-4f45-9708-019B960494DF}">
-                <a14:hiddenLine xmlns="" xmlns:a14="http://schemas.microsoft.com/office/drawing/2010/main" w="9525">
+                <a14:hiddenLine xmlns:a14="http://schemas.microsoft.com/office/drawing/2010/main" xmlns="" w="9525">
                   <a:solidFill>
                     <a:srgbClr val="000000"/>
                   </a:solidFill>
@@ -3808,7 +3918,7 @@
             </a:ln>
             <a:extLst>
               <a:ext uri="{91240B29-F687-4f45-9708-019B960494DF}">
-                <a14:hiddenLine xmlns="" xmlns:a14="http://schemas.microsoft.com/office/drawing/2010/main" w="9525">
+                <a14:hiddenLine xmlns:a14="http://schemas.microsoft.com/office/drawing/2010/main" xmlns="" w="9525">
                   <a:solidFill>
                     <a:srgbClr val="000000"/>
                   </a:solidFill>
@@ -3870,7 +3980,7 @@
             </a:ln>
             <a:extLst>
               <a:ext uri="{91240B29-F687-4f45-9708-019B960494DF}">
-                <a14:hiddenLine xmlns="" xmlns:a14="http://schemas.microsoft.com/office/drawing/2010/main" w="9525">
+                <a14:hiddenLine xmlns:a14="http://schemas.microsoft.com/office/drawing/2010/main" xmlns="" w="9525">
                   <a:solidFill>
                     <a:srgbClr val="000000"/>
                   </a:solidFill>
@@ -3960,7 +4070,7 @@
             </a:ln>
             <a:extLst>
               <a:ext uri="{91240B29-F687-4f45-9708-019B960494DF}">
-                <a14:hiddenLine xmlns="" xmlns:a14="http://schemas.microsoft.com/office/drawing/2010/main" w="9525">
+                <a14:hiddenLine xmlns:a14="http://schemas.microsoft.com/office/drawing/2010/main" xmlns="" w="9525">
                   <a:solidFill>
                     <a:srgbClr val="000000"/>
                   </a:solidFill>
@@ -4050,7 +4160,7 @@
             </a:ln>
             <a:extLst>
               <a:ext uri="{91240B29-F687-4f45-9708-019B960494DF}">
-                <a14:hiddenLine xmlns="" xmlns:a14="http://schemas.microsoft.com/office/drawing/2010/main" w="9525">
+                <a14:hiddenLine xmlns:a14="http://schemas.microsoft.com/office/drawing/2010/main" xmlns="" w="9525">
                   <a:solidFill>
                     <a:srgbClr val="000000"/>
                   </a:solidFill>
@@ -4115,7 +4225,7 @@
             </a:ln>
             <a:extLst>
               <a:ext uri="{91240B29-F687-4f45-9708-019B960494DF}">
-                <a14:hiddenLine xmlns="" xmlns:a14="http://schemas.microsoft.com/office/drawing/2010/main" w="9525">
+                <a14:hiddenLine xmlns:a14="http://schemas.microsoft.com/office/drawing/2010/main" xmlns="" w="9525">
                   <a:solidFill>
                     <a:srgbClr val="000000"/>
                   </a:solidFill>
@@ -4177,7 +4287,7 @@
             </a:ln>
             <a:extLst>
               <a:ext uri="{91240B29-F687-4f45-9708-019B960494DF}">
-                <a14:hiddenLine xmlns="" xmlns:a14="http://schemas.microsoft.com/office/drawing/2010/main" w="9525">
+                <a14:hiddenLine xmlns:a14="http://schemas.microsoft.com/office/drawing/2010/main" xmlns="" w="9525">
                   <a:solidFill>
                     <a:srgbClr val="000000"/>
                   </a:solidFill>
@@ -4267,7 +4377,7 @@
             </a:ln>
             <a:extLst>
               <a:ext uri="{91240B29-F687-4f45-9708-019B960494DF}">
-                <a14:hiddenLine xmlns="" xmlns:a14="http://schemas.microsoft.com/office/drawing/2010/main" w="9525">
+                <a14:hiddenLine xmlns:a14="http://schemas.microsoft.com/office/drawing/2010/main" xmlns="" w="9525">
                   <a:solidFill>
                     <a:srgbClr val="000000"/>
                   </a:solidFill>
@@ -4357,7 +4467,7 @@
             </a:ln>
             <a:extLst>
               <a:ext uri="{91240B29-F687-4f45-9708-019B960494DF}">
-                <a14:hiddenLine xmlns="" xmlns:a14="http://schemas.microsoft.com/office/drawing/2010/main" w="9525">
+                <a14:hiddenLine xmlns:a14="http://schemas.microsoft.com/office/drawing/2010/main" xmlns="" w="9525">
                   <a:solidFill>
                     <a:srgbClr val="000000"/>
                   </a:solidFill>
@@ -4419,7 +4529,7 @@
             </a:ln>
             <a:extLst>
               <a:ext uri="{91240B29-F687-4f45-9708-019B960494DF}">
-                <a14:hiddenLine xmlns="" xmlns:a14="http://schemas.microsoft.com/office/drawing/2010/main" w="9525">
+                <a14:hiddenLine xmlns:a14="http://schemas.microsoft.com/office/drawing/2010/main" xmlns="" w="9525">
                   <a:solidFill>
                     <a:srgbClr val="000000"/>
                   </a:solidFill>
@@ -4539,7 +4649,7 @@
             </a:ln>
             <a:extLst>
               <a:ext uri="{91240B29-F687-4f45-9708-019B960494DF}">
-                <a14:hiddenLine xmlns="" xmlns:a14="http://schemas.microsoft.com/office/drawing/2010/main" w="9525">
+                <a14:hiddenLine xmlns:a14="http://schemas.microsoft.com/office/drawing/2010/main" xmlns="" w="9525">
                   <a:solidFill>
                     <a:srgbClr val="000000"/>
                   </a:solidFill>
@@ -4607,7 +4717,7 @@
             </a:ln>
             <a:extLst>
               <a:ext uri="{91240B29-F687-4f45-9708-019B960494DF}">
-                <a14:hiddenLine xmlns="" xmlns:a14="http://schemas.microsoft.com/office/drawing/2010/main" w="9525">
+                <a14:hiddenLine xmlns:a14="http://schemas.microsoft.com/office/drawing/2010/main" xmlns="" w="9525">
                   <a:solidFill>
                     <a:srgbClr val="000000"/>
                   </a:solidFill>
@@ -4697,7 +4807,7 @@
             </a:ln>
             <a:extLst>
               <a:ext uri="{91240B29-F687-4f45-9708-019B960494DF}">
-                <a14:hiddenLine xmlns="" xmlns:a14="http://schemas.microsoft.com/office/drawing/2010/main" w="9525">
+                <a14:hiddenLine xmlns:a14="http://schemas.microsoft.com/office/drawing/2010/main" xmlns="" w="9525">
                   <a:solidFill>
                     <a:srgbClr val="000000"/>
                   </a:solidFill>
@@ -4837,7 +4947,7 @@
           <a:p>
             <a:fld id="{EC4347D3-4C9A-C240-8F14-750059DFEEB0}" type="datetimeFigureOut">
               <a:rPr lang="en-US" smtClean="0"/>
-              <a:t>7/27/23</a:t>
+              <a:t>8/16/23</a:t>
             </a:fld>
             <a:endParaRPr lang="en-US"/>
           </a:p>
@@ -5104,7 +5214,7 @@
           <a:p>
             <a:fld id="{EC4347D3-4C9A-C240-8F14-750059DFEEB0}" type="datetimeFigureOut">
               <a:rPr lang="en-US" smtClean="0"/>
-              <a:t>7/27/23</a:t>
+              <a:t>8/16/23</a:t>
             </a:fld>
             <a:endParaRPr lang="en-US"/>
           </a:p>
@@ -5300,7 +5410,7 @@
           <a:p>
             <a:fld id="{EC4347D3-4C9A-C240-8F14-750059DFEEB0}" type="datetimeFigureOut">
               <a:rPr lang="en-US" smtClean="0"/>
-              <a:t>7/27/23</a:t>
+              <a:t>8/16/23</a:t>
             </a:fld>
             <a:endParaRPr lang="en-US"/>
           </a:p>
@@ -5563,7 +5673,7 @@
           <a:p>
             <a:fld id="{EC4347D3-4C9A-C240-8F14-750059DFEEB0}" type="datetimeFigureOut">
               <a:rPr lang="en-US" smtClean="0"/>
-              <a:t>7/27/23</a:t>
+              <a:t>8/16/23</a:t>
             </a:fld>
             <a:endParaRPr lang="en-US"/>
           </a:p>
@@ -5997,7 +6107,7 @@
           <a:p>
             <a:fld id="{EC4347D3-4C9A-C240-8F14-750059DFEEB0}" type="datetimeFigureOut">
               <a:rPr lang="en-US" smtClean="0"/>
-              <a:t>7/27/23</a:t>
+              <a:t>8/16/23</a:t>
             </a:fld>
             <a:endParaRPr lang="en-US"/>
           </a:p>
@@ -6543,7 +6653,7 @@
           <a:p>
             <a:fld id="{EC4347D3-4C9A-C240-8F14-750059DFEEB0}" type="datetimeFigureOut">
               <a:rPr lang="en-US" smtClean="0"/>
-              <a:t>7/27/23</a:t>
+              <a:t>8/16/23</a:t>
             </a:fld>
             <a:endParaRPr lang="en-US"/>
           </a:p>
@@ -7263,7 +7373,7 @@
           <a:p>
             <a:fld id="{EC4347D3-4C9A-C240-8F14-750059DFEEB0}" type="datetimeFigureOut">
               <a:rPr lang="en-US" smtClean="0"/>
-              <a:t>7/27/23</a:t>
+              <a:t>8/16/23</a:t>
             </a:fld>
             <a:endParaRPr lang="en-US"/>
           </a:p>
@@ -7433,7 +7543,7 @@
           <a:p>
             <a:fld id="{EC4347D3-4C9A-C240-8F14-750059DFEEB0}" type="datetimeFigureOut">
               <a:rPr lang="en-US" smtClean="0"/>
-              <a:t>7/27/23</a:t>
+              <a:t>8/16/23</a:t>
             </a:fld>
             <a:endParaRPr lang="en-US"/>
           </a:p>
@@ -7613,7 +7723,7 @@
           <a:p>
             <a:fld id="{EC4347D3-4C9A-C240-8F14-750059DFEEB0}" type="datetimeFigureOut">
               <a:rPr lang="en-US" smtClean="0"/>
-              <a:t>7/27/23</a:t>
+              <a:t>8/16/23</a:t>
             </a:fld>
             <a:endParaRPr lang="en-US"/>
           </a:p>
@@ -7783,7 +7893,7 @@
           <a:p>
             <a:fld id="{EC4347D3-4C9A-C240-8F14-750059DFEEB0}" type="datetimeFigureOut">
               <a:rPr lang="en-US" smtClean="0"/>
-              <a:t>7/27/23</a:t>
+              <a:t>8/16/23</a:t>
             </a:fld>
             <a:endParaRPr lang="en-US"/>
           </a:p>
@@ -8033,7 +8143,7 @@
           <a:p>
             <a:fld id="{EC4347D3-4C9A-C240-8F14-750059DFEEB0}" type="datetimeFigureOut">
               <a:rPr lang="en-US" smtClean="0"/>
-              <a:t>7/27/23</a:t>
+              <a:t>8/16/23</a:t>
             </a:fld>
             <a:endParaRPr lang="en-US"/>
           </a:p>
@@ -8265,7 +8375,7 @@
           <a:p>
             <a:fld id="{EC4347D3-4C9A-C240-8F14-750059DFEEB0}" type="datetimeFigureOut">
               <a:rPr lang="en-US" smtClean="0"/>
-              <a:t>7/27/23</a:t>
+              <a:t>8/16/23</a:t>
             </a:fld>
             <a:endParaRPr lang="en-US"/>
           </a:p>
@@ -8651,7 +8761,7 @@
           <a:p>
             <a:fld id="{EC4347D3-4C9A-C240-8F14-750059DFEEB0}" type="datetimeFigureOut">
               <a:rPr lang="en-US" smtClean="0"/>
-              <a:t>7/27/23</a:t>
+              <a:t>8/16/23</a:t>
             </a:fld>
             <a:endParaRPr lang="en-US"/>
           </a:p>
@@ -8774,7 +8884,7 @@
           <a:p>
             <a:fld id="{EC4347D3-4C9A-C240-8F14-750059DFEEB0}" type="datetimeFigureOut">
               <a:rPr lang="en-US" smtClean="0"/>
-              <a:t>7/27/23</a:t>
+              <a:t>8/16/23</a:t>
             </a:fld>
             <a:endParaRPr lang="en-US"/>
           </a:p>
@@ -8869,7 +8979,7 @@
           <a:p>
             <a:fld id="{EC4347D3-4C9A-C240-8F14-750059DFEEB0}" type="datetimeFigureOut">
               <a:rPr lang="en-US" smtClean="0"/>
-              <a:t>7/27/23</a:t>
+              <a:t>8/16/23</a:t>
             </a:fld>
             <a:endParaRPr lang="en-US"/>
           </a:p>
@@ -9118,7 +9228,7 @@
           <a:p>
             <a:fld id="{EC4347D3-4C9A-C240-8F14-750059DFEEB0}" type="datetimeFigureOut">
               <a:rPr lang="en-US" smtClean="0"/>
-              <a:t>7/27/23</a:t>
+              <a:t>8/16/23</a:t>
             </a:fld>
             <a:endParaRPr lang="en-US"/>
           </a:p>
@@ -9403,7 +9513,7 @@
           <a:p>
             <a:fld id="{EC4347D3-4C9A-C240-8F14-750059DFEEB0}" type="datetimeFigureOut">
               <a:rPr lang="en-US" smtClean="0"/>
-              <a:t>7/27/23</a:t>
+              <a:t>8/16/23</a:t>
             </a:fld>
             <a:endParaRPr lang="en-US"/>
           </a:p>
@@ -9526,7 +9636,7 @@
           <a:noFill/>
           <a:extLst>
             <a:ext uri="{909E8E84-426E-40dd-AFC4-6F175D3DCCD1}">
-              <a14:hiddenFill xmlns="" xmlns:a14="http://schemas.microsoft.com/office/drawing/2010/main">
+              <a14:hiddenFill xmlns:a14="http://schemas.microsoft.com/office/drawing/2010/main" xmlns="">
                 <a:solidFill>
                   <a:srgbClr val="FFFFFF"/>
                 </a:solidFill>
@@ -9600,7 +9710,7 @@
               </a:ln>
               <a:extLst>
                 <a:ext uri="{91240B29-F687-4f45-9708-019B960494DF}">
-                  <a14:hiddenLine xmlns="" xmlns:a14="http://schemas.microsoft.com/office/drawing/2010/main" w="9525">
+                  <a14:hiddenLine xmlns:a14="http://schemas.microsoft.com/office/drawing/2010/main" xmlns="" w="9525">
                     <a:solidFill>
                       <a:srgbClr val="000000"/>
                     </a:solidFill>
@@ -9690,7 +9800,7 @@
               </a:ln>
               <a:extLst>
                 <a:ext uri="{91240B29-F687-4f45-9708-019B960494DF}">
-                  <a14:hiddenLine xmlns="" xmlns:a14="http://schemas.microsoft.com/office/drawing/2010/main" w="9525">
+                  <a14:hiddenLine xmlns:a14="http://schemas.microsoft.com/office/drawing/2010/main" xmlns="" w="9525">
                     <a:solidFill>
                       <a:srgbClr val="000000"/>
                     </a:solidFill>
@@ -9780,7 +9890,7 @@
               </a:ln>
               <a:extLst>
                 <a:ext uri="{91240B29-F687-4f45-9708-019B960494DF}">
-                  <a14:hiddenLine xmlns="" xmlns:a14="http://schemas.microsoft.com/office/drawing/2010/main" w="9525">
+                  <a14:hiddenLine xmlns:a14="http://schemas.microsoft.com/office/drawing/2010/main" xmlns="" w="9525">
                     <a:solidFill>
                       <a:srgbClr val="000000"/>
                     </a:solidFill>
@@ -9842,7 +9952,7 @@
               </a:ln>
               <a:extLst>
                 <a:ext uri="{91240B29-F687-4f45-9708-019B960494DF}">
-                  <a14:hiddenLine xmlns="" xmlns:a14="http://schemas.microsoft.com/office/drawing/2010/main" w="9525">
+                  <a14:hiddenLine xmlns:a14="http://schemas.microsoft.com/office/drawing/2010/main" xmlns="" w="9525">
                     <a:solidFill>
                       <a:srgbClr val="000000"/>
                     </a:solidFill>
@@ -9932,7 +10042,7 @@
               </a:ln>
               <a:extLst>
                 <a:ext uri="{91240B29-F687-4f45-9708-019B960494DF}">
-                  <a14:hiddenLine xmlns="" xmlns:a14="http://schemas.microsoft.com/office/drawing/2010/main" w="9525">
+                  <a14:hiddenLine xmlns:a14="http://schemas.microsoft.com/office/drawing/2010/main" xmlns="" w="9525">
                     <a:solidFill>
                       <a:srgbClr val="000000"/>
                     </a:solidFill>
@@ -9994,7 +10104,7 @@
               </a:ln>
               <a:extLst>
                 <a:ext uri="{91240B29-F687-4f45-9708-019B960494DF}">
-                  <a14:hiddenLine xmlns="" xmlns:a14="http://schemas.microsoft.com/office/drawing/2010/main" w="9525">
+                  <a14:hiddenLine xmlns:a14="http://schemas.microsoft.com/office/drawing/2010/main" xmlns="" w="9525">
                     <a:solidFill>
                       <a:srgbClr val="000000"/>
                     </a:solidFill>
@@ -10056,7 +10166,7 @@
               </a:ln>
               <a:extLst>
                 <a:ext uri="{91240B29-F687-4f45-9708-019B960494DF}">
-                  <a14:hiddenLine xmlns="" xmlns:a14="http://schemas.microsoft.com/office/drawing/2010/main" w="9525">
+                  <a14:hiddenLine xmlns:a14="http://schemas.microsoft.com/office/drawing/2010/main" xmlns="" w="9525">
                     <a:solidFill>
                       <a:srgbClr val="000000"/>
                     </a:solidFill>
@@ -10146,7 +10256,7 @@
               </a:ln>
               <a:extLst>
                 <a:ext uri="{91240B29-F687-4f45-9708-019B960494DF}">
-                  <a14:hiddenLine xmlns="" xmlns:a14="http://schemas.microsoft.com/office/drawing/2010/main" w="9525">
+                  <a14:hiddenLine xmlns:a14="http://schemas.microsoft.com/office/drawing/2010/main" xmlns="" w="9525">
                     <a:solidFill>
                       <a:srgbClr val="000000"/>
                     </a:solidFill>
@@ -10236,7 +10346,7 @@
               </a:ln>
               <a:extLst>
                 <a:ext uri="{91240B29-F687-4f45-9708-019B960494DF}">
-                  <a14:hiddenLine xmlns="" xmlns:a14="http://schemas.microsoft.com/office/drawing/2010/main" w="9525">
+                  <a14:hiddenLine xmlns:a14="http://schemas.microsoft.com/office/drawing/2010/main" xmlns="" w="9525">
                     <a:solidFill>
                       <a:srgbClr val="000000"/>
                     </a:solidFill>
@@ -10298,7 +10408,7 @@
               </a:ln>
               <a:extLst>
                 <a:ext uri="{91240B29-F687-4f45-9708-019B960494DF}">
-                  <a14:hiddenLine xmlns="" xmlns:a14="http://schemas.microsoft.com/office/drawing/2010/main" w="9525">
+                  <a14:hiddenLine xmlns:a14="http://schemas.microsoft.com/office/drawing/2010/main" xmlns="" w="9525">
                     <a:solidFill>
                       <a:srgbClr val="000000"/>
                     </a:solidFill>
@@ -10408,7 +10518,7 @@
               </a:ln>
               <a:extLst>
                 <a:ext uri="{91240B29-F687-4f45-9708-019B960494DF}">
-                  <a14:hiddenLine xmlns="" xmlns:a14="http://schemas.microsoft.com/office/drawing/2010/main" w="9525">
+                  <a14:hiddenLine xmlns:a14="http://schemas.microsoft.com/office/drawing/2010/main" xmlns="" w="9525">
                     <a:solidFill>
                       <a:srgbClr val="000000"/>
                     </a:solidFill>
@@ -10492,7 +10602,7 @@
               </a:ln>
               <a:extLst>
                 <a:ext uri="{91240B29-F687-4f45-9708-019B960494DF}">
-                  <a14:hiddenLine xmlns="" xmlns:a14="http://schemas.microsoft.com/office/drawing/2010/main" w="9525">
+                  <a14:hiddenLine xmlns:a14="http://schemas.microsoft.com/office/drawing/2010/main" xmlns="" w="9525">
                     <a:solidFill>
                       <a:srgbClr val="000000"/>
                     </a:solidFill>
@@ -10554,7 +10664,7 @@
               </a:ln>
               <a:extLst>
                 <a:ext uri="{91240B29-F687-4f45-9708-019B960494DF}">
-                  <a14:hiddenLine xmlns="" xmlns:a14="http://schemas.microsoft.com/office/drawing/2010/main" w="9525">
+                  <a14:hiddenLine xmlns:a14="http://schemas.microsoft.com/office/drawing/2010/main" xmlns="" w="9525">
                     <a:solidFill>
                       <a:srgbClr val="000000"/>
                     </a:solidFill>
@@ -10616,7 +10726,7 @@
               </a:ln>
               <a:extLst>
                 <a:ext uri="{91240B29-F687-4f45-9708-019B960494DF}">
-                  <a14:hiddenLine xmlns="" xmlns:a14="http://schemas.microsoft.com/office/drawing/2010/main" w="9525">
+                  <a14:hiddenLine xmlns:a14="http://schemas.microsoft.com/office/drawing/2010/main" xmlns="" w="9525">
                     <a:solidFill>
                       <a:srgbClr val="000000"/>
                     </a:solidFill>
@@ -10706,7 +10816,7 @@
               </a:ln>
               <a:extLst>
                 <a:ext uri="{91240B29-F687-4f45-9708-019B960494DF}">
-                  <a14:hiddenLine xmlns="" xmlns:a14="http://schemas.microsoft.com/office/drawing/2010/main" w="9525">
+                  <a14:hiddenLine xmlns:a14="http://schemas.microsoft.com/office/drawing/2010/main" xmlns="" w="9525">
                     <a:solidFill>
                       <a:srgbClr val="000000"/>
                     </a:solidFill>
@@ -10740,7 +10850,7 @@
               </a:ln>
               <a:extLst>
                 <a:ext uri="{91240B29-F687-4f45-9708-019B960494DF}">
-                  <a14:hiddenLine xmlns="" xmlns:a14="http://schemas.microsoft.com/office/drawing/2010/main" w="9525">
+                  <a14:hiddenLine xmlns:a14="http://schemas.microsoft.com/office/drawing/2010/main" xmlns="" w="9525">
                     <a:solidFill>
                       <a:srgbClr val="000000"/>
                     </a:solidFill>
@@ -10805,7 +10915,7 @@
               </a:ln>
               <a:extLst>
                 <a:ext uri="{91240B29-F687-4f45-9708-019B960494DF}">
-                  <a14:hiddenLine xmlns="" xmlns:a14="http://schemas.microsoft.com/office/drawing/2010/main" w="9525">
+                  <a14:hiddenLine xmlns:a14="http://schemas.microsoft.com/office/drawing/2010/main" xmlns="" w="9525">
                     <a:solidFill>
                       <a:srgbClr val="000000"/>
                     </a:solidFill>
@@ -10895,7 +11005,7 @@
               </a:ln>
               <a:extLst>
                 <a:ext uri="{91240B29-F687-4f45-9708-019B960494DF}">
-                  <a14:hiddenLine xmlns="" xmlns:a14="http://schemas.microsoft.com/office/drawing/2010/main" w="9525">
+                  <a14:hiddenLine xmlns:a14="http://schemas.microsoft.com/office/drawing/2010/main" xmlns="" w="9525">
                     <a:solidFill>
                       <a:srgbClr val="000000"/>
                     </a:solidFill>
@@ -10957,7 +11067,7 @@
               </a:ln>
               <a:extLst>
                 <a:ext uri="{91240B29-F687-4f45-9708-019B960494DF}">
-                  <a14:hiddenLine xmlns="" xmlns:a14="http://schemas.microsoft.com/office/drawing/2010/main" w="9525">
+                  <a14:hiddenLine xmlns:a14="http://schemas.microsoft.com/office/drawing/2010/main" xmlns="" w="9525">
                     <a:solidFill>
                       <a:srgbClr val="000000"/>
                     </a:solidFill>
@@ -11047,7 +11157,7 @@
               </a:ln>
               <a:extLst>
                 <a:ext uri="{91240B29-F687-4f45-9708-019B960494DF}">
-                  <a14:hiddenLine xmlns="" xmlns:a14="http://schemas.microsoft.com/office/drawing/2010/main" w="9525">
+                  <a14:hiddenLine xmlns:a14="http://schemas.microsoft.com/office/drawing/2010/main" xmlns="" w="9525">
                     <a:solidFill>
                       <a:srgbClr val="000000"/>
                     </a:solidFill>
@@ -11112,7 +11222,7 @@
               </a:ln>
               <a:extLst>
                 <a:ext uri="{91240B29-F687-4f45-9708-019B960494DF}">
-                  <a14:hiddenLine xmlns="" xmlns:a14="http://schemas.microsoft.com/office/drawing/2010/main" w="9525">
+                  <a14:hiddenLine xmlns:a14="http://schemas.microsoft.com/office/drawing/2010/main" xmlns="" w="9525">
                     <a:solidFill>
                       <a:srgbClr val="000000"/>
                     </a:solidFill>
@@ -11174,7 +11284,7 @@
               </a:ln>
               <a:extLst>
                 <a:ext uri="{91240B29-F687-4f45-9708-019B960494DF}">
-                  <a14:hiddenLine xmlns="" xmlns:a14="http://schemas.microsoft.com/office/drawing/2010/main" w="9525">
+                  <a14:hiddenLine xmlns:a14="http://schemas.microsoft.com/office/drawing/2010/main" xmlns="" w="9525">
                     <a:solidFill>
                       <a:srgbClr val="000000"/>
                     </a:solidFill>
@@ -11264,7 +11374,7 @@
               </a:ln>
               <a:extLst>
                 <a:ext uri="{91240B29-F687-4f45-9708-019B960494DF}">
-                  <a14:hiddenLine xmlns="" xmlns:a14="http://schemas.microsoft.com/office/drawing/2010/main" w="9525">
+                  <a14:hiddenLine xmlns:a14="http://schemas.microsoft.com/office/drawing/2010/main" xmlns="" w="9525">
                     <a:solidFill>
                       <a:srgbClr val="000000"/>
                     </a:solidFill>
@@ -11354,7 +11464,7 @@
               </a:ln>
               <a:extLst>
                 <a:ext uri="{91240B29-F687-4f45-9708-019B960494DF}">
-                  <a14:hiddenLine xmlns="" xmlns:a14="http://schemas.microsoft.com/office/drawing/2010/main" w="9525">
+                  <a14:hiddenLine xmlns:a14="http://schemas.microsoft.com/office/drawing/2010/main" xmlns="" w="9525">
                     <a:solidFill>
                       <a:srgbClr val="000000"/>
                     </a:solidFill>
@@ -11419,7 +11529,7 @@
               </a:ln>
               <a:extLst>
                 <a:ext uri="{91240B29-F687-4f45-9708-019B960494DF}">
-                  <a14:hiddenLine xmlns="" xmlns:a14="http://schemas.microsoft.com/office/drawing/2010/main" w="9525">
+                  <a14:hiddenLine xmlns:a14="http://schemas.microsoft.com/office/drawing/2010/main" xmlns="" w="9525">
                     <a:solidFill>
                       <a:srgbClr val="000000"/>
                     </a:solidFill>
@@ -11539,7 +11649,7 @@
               </a:ln>
               <a:extLst>
                 <a:ext uri="{91240B29-F687-4f45-9708-019B960494DF}">
-                  <a14:hiddenLine xmlns="" xmlns:a14="http://schemas.microsoft.com/office/drawing/2010/main" w="9525">
+                  <a14:hiddenLine xmlns:a14="http://schemas.microsoft.com/office/drawing/2010/main" xmlns="" w="9525">
                     <a:solidFill>
                       <a:srgbClr val="000000"/>
                     </a:solidFill>
@@ -11620,7 +11730,7 @@
               </a:ln>
               <a:extLst>
                 <a:ext uri="{91240B29-F687-4f45-9708-019B960494DF}">
-                  <a14:hiddenLine xmlns="" xmlns:a14="http://schemas.microsoft.com/office/drawing/2010/main" w="9525">
+                  <a14:hiddenLine xmlns:a14="http://schemas.microsoft.com/office/drawing/2010/main" xmlns="" w="9525">
                     <a:solidFill>
                       <a:srgbClr val="000000"/>
                     </a:solidFill>
@@ -11735,7 +11845,7 @@
               </a:ln>
               <a:extLst>
                 <a:ext uri="{91240B29-F687-4f45-9708-019B960494DF}">
-                  <a14:hiddenLine xmlns="" xmlns:a14="http://schemas.microsoft.com/office/drawing/2010/main" w="9525">
+                  <a14:hiddenLine xmlns:a14="http://schemas.microsoft.com/office/drawing/2010/main" xmlns="" w="9525">
                     <a:solidFill>
                       <a:srgbClr val="000000"/>
                     </a:solidFill>
@@ -11825,7 +11935,7 @@
               </a:ln>
               <a:extLst>
                 <a:ext uri="{91240B29-F687-4f45-9708-019B960494DF}">
-                  <a14:hiddenLine xmlns="" xmlns:a14="http://schemas.microsoft.com/office/drawing/2010/main" w="9525">
+                  <a14:hiddenLine xmlns:a14="http://schemas.microsoft.com/office/drawing/2010/main" xmlns="" w="9525">
                     <a:solidFill>
                       <a:srgbClr val="000000"/>
                     </a:solidFill>
@@ -11890,7 +12000,7 @@
               </a:ln>
               <a:extLst>
                 <a:ext uri="{91240B29-F687-4f45-9708-019B960494DF}">
-                  <a14:hiddenLine xmlns="" xmlns:a14="http://schemas.microsoft.com/office/drawing/2010/main" w="9525">
+                  <a14:hiddenLine xmlns:a14="http://schemas.microsoft.com/office/drawing/2010/main" xmlns="" w="9525">
                     <a:solidFill>
                       <a:srgbClr val="000000"/>
                     </a:solidFill>
@@ -11980,7 +12090,7 @@
               </a:ln>
               <a:extLst>
                 <a:ext uri="{91240B29-F687-4f45-9708-019B960494DF}">
-                  <a14:hiddenLine xmlns="" xmlns:a14="http://schemas.microsoft.com/office/drawing/2010/main" w="9525">
+                  <a14:hiddenLine xmlns:a14="http://schemas.microsoft.com/office/drawing/2010/main" xmlns="" w="9525">
                     <a:solidFill>
                       <a:srgbClr val="000000"/>
                     </a:solidFill>
@@ -12048,7 +12158,7 @@
               </a:ln>
               <a:extLst>
                 <a:ext uri="{91240B29-F687-4f45-9708-019B960494DF}">
-                  <a14:hiddenLine xmlns="" xmlns:a14="http://schemas.microsoft.com/office/drawing/2010/main" w="9525">
+                  <a14:hiddenLine xmlns:a14="http://schemas.microsoft.com/office/drawing/2010/main" xmlns="" w="9525">
                     <a:solidFill>
                       <a:srgbClr val="000000"/>
                     </a:solidFill>
@@ -12138,7 +12248,7 @@
               </a:ln>
               <a:extLst>
                 <a:ext uri="{91240B29-F687-4f45-9708-019B960494DF}">
-                  <a14:hiddenLine xmlns="" xmlns:a14="http://schemas.microsoft.com/office/drawing/2010/main" w="9525">
+                  <a14:hiddenLine xmlns:a14="http://schemas.microsoft.com/office/drawing/2010/main" xmlns="" w="9525">
                     <a:solidFill>
                       <a:srgbClr val="000000"/>
                     </a:solidFill>
@@ -12206,7 +12316,7 @@
               </a:ln>
               <a:extLst>
                 <a:ext uri="{91240B29-F687-4f45-9708-019B960494DF}">
-                  <a14:hiddenLine xmlns="" xmlns:a14="http://schemas.microsoft.com/office/drawing/2010/main" w="9525">
+                  <a14:hiddenLine xmlns:a14="http://schemas.microsoft.com/office/drawing/2010/main" xmlns="" w="9525">
                     <a:solidFill>
                       <a:srgbClr val="000000"/>
                     </a:solidFill>
@@ -12296,7 +12406,7 @@
               </a:ln>
               <a:extLst>
                 <a:ext uri="{91240B29-F687-4f45-9708-019B960494DF}">
-                  <a14:hiddenLine xmlns="" xmlns:a14="http://schemas.microsoft.com/office/drawing/2010/main" w="9525">
+                  <a14:hiddenLine xmlns:a14="http://schemas.microsoft.com/office/drawing/2010/main" xmlns="" w="9525">
                     <a:solidFill>
                       <a:srgbClr val="000000"/>
                     </a:solidFill>
@@ -12330,7 +12440,7 @@
               </a:ln>
               <a:extLst>
                 <a:ext uri="{91240B29-F687-4f45-9708-019B960494DF}">
-                  <a14:hiddenLine xmlns="" xmlns:a14="http://schemas.microsoft.com/office/drawing/2010/main" w="9525">
+                  <a14:hiddenLine xmlns:a14="http://schemas.microsoft.com/office/drawing/2010/main" xmlns="" w="9525">
                     <a:solidFill>
                       <a:srgbClr val="000000"/>
                     </a:solidFill>
@@ -12470,7 +12580,7 @@
           <a:p>
             <a:fld id="{EC4347D3-4C9A-C240-8F14-750059DFEEB0}" type="datetimeFigureOut">
               <a:rPr lang="en-US" smtClean="0"/>
-              <a:t>7/27/23</a:t>
+              <a:t>8/16/23</a:t>
             </a:fld>
             <a:endParaRPr lang="en-US"/>
           </a:p>
@@ -13071,8 +13181,21 @@
                   <a:schemeClr val="bg1"/>
                 </a:solidFill>
               </a:rPr>
-              <a:t>1. Very quick review of the Chomsky Hierarchy (overall picture).</a:t>
+              <a:t>1. </a:t>
             </a:r>
+            <a:r>
+              <a:rPr lang="en-US">
+                <a:solidFill>
+                  <a:schemeClr val="bg1"/>
+                </a:solidFill>
+              </a:rPr>
+              <a:t>Our next .</a:t>
+            </a:r>
+            <a:endParaRPr lang="en-US" dirty="0">
+              <a:solidFill>
+                <a:schemeClr val="bg1"/>
+              </a:solidFill>
+            </a:endParaRPr>
           </a:p>
         </p:txBody>
       </p:sp>
@@ -13609,15 +13732,9 @@
       </p:grpSpPr>
       <p:sp>
         <p:nvSpPr>
-          <p:cNvPr id="2" name="Title 1">
-            <a:extLst>
-              <a:ext uri="{FF2B5EF4-FFF2-40B4-BE49-F238E27FC236}">
-                <a16:creationId xmlns:a16="http://schemas.microsoft.com/office/drawing/2014/main" id="{9A0AA12C-3A0D-9343-9CC3-FB950DB38391}"/>
-              </a:ext>
-            </a:extLst>
-          </p:cNvPr>
+          <p:cNvPr id="209922" name="Rectangle 2"/>
           <p:cNvSpPr>
-            <a:spLocks noGrp="1"/>
+            <a:spLocks noGrp="1" noChangeArrowheads="1"/>
           </p:cNvSpPr>
           <p:nvPr>
             <p:ph type="title"/>
@@ -13625,8 +13742,8 @@
         </p:nvSpPr>
         <p:spPr>
           <a:xfrm>
-            <a:off x="1141412" y="234470"/>
-            <a:ext cx="9905998" cy="670786"/>
+            <a:off x="915751" y="214689"/>
+            <a:ext cx="10360501" cy="596346"/>
           </a:xfrm>
         </p:spPr>
         <p:txBody>
@@ -13635,2103 +13752,1340 @@
           <a:p>
             <a:pPr algn="ctr"/>
             <a:r>
-              <a:rPr lang="en-US" dirty="0"/>
-              <a:t>Types of Problems</a:t>
+              <a:rPr lang="en-US" u="sng" dirty="0"/>
+              <a:t>Overview of Theory of Computation</a:t>
+            </a:r>
+            <a:endParaRPr lang="en-US" b="0" u="sng" dirty="0"/>
+          </a:p>
+        </p:txBody>
+      </p:sp>
+      <p:grpSp>
+        <p:nvGrpSpPr>
+          <p:cNvPr id="4" name="Group 3">
+            <a:extLst>
+              <a:ext uri="{FF2B5EF4-FFF2-40B4-BE49-F238E27FC236}">
+                <a16:creationId xmlns:a16="http://schemas.microsoft.com/office/drawing/2014/main" id="{9C5B3421-9BCC-2249-B671-A9B117CF0AFF}"/>
+              </a:ext>
+            </a:extLst>
+          </p:cNvPr>
+          <p:cNvGrpSpPr/>
+          <p:nvPr/>
+        </p:nvGrpSpPr>
+        <p:grpSpPr>
+          <a:xfrm>
+            <a:off x="2943309" y="1626039"/>
+            <a:ext cx="6080098" cy="723569"/>
+            <a:chOff x="2959212" y="2564295"/>
+            <a:chExt cx="6080098" cy="723569"/>
+          </a:xfrm>
+        </p:grpSpPr>
+        <p:sp>
+          <p:nvSpPr>
+            <p:cNvPr id="33" name="Content Placeholder 2">
+              <a:extLst>
+                <a:ext uri="{FF2B5EF4-FFF2-40B4-BE49-F238E27FC236}">
+                  <a16:creationId xmlns:a16="http://schemas.microsoft.com/office/drawing/2014/main" id="{06F21836-48F0-3E46-8447-A11F4F3C4CC4}"/>
+                </a:ext>
+              </a:extLst>
+            </p:cNvPr>
+            <p:cNvSpPr txBox="1">
+              <a:spLocks/>
+            </p:cNvSpPr>
+            <p:nvPr/>
+          </p:nvSpPr>
+          <p:spPr>
+            <a:xfrm>
+              <a:off x="4635612" y="2564295"/>
+              <a:ext cx="2759102" cy="723567"/>
+            </a:xfrm>
+            <a:prstGeom prst="rect">
+              <a:avLst/>
+            </a:prstGeom>
+            <a:solidFill>
+              <a:schemeClr val="tx1">
+                <a:lumMod val="95000"/>
+              </a:schemeClr>
+            </a:solidFill>
+          </p:spPr>
+          <p:txBody>
+            <a:bodyPr vert="horz" lIns="91440" tIns="45720" rIns="91440" bIns="45720" rtlCol="0">
+              <a:normAutofit fontScale="85000" lnSpcReduction="20000"/>
+            </a:bodyPr>
+            <a:lstStyle>
+              <a:lvl1pPr marL="228600" indent="-228600" algn="l" defTabSz="914400" rtl="0" eaLnBrk="1" latinLnBrk="0" hangingPunct="1">
+                <a:lnSpc>
+                  <a:spcPct val="120000"/>
+                </a:lnSpc>
+                <a:spcBef>
+                  <a:spcPts val="1000"/>
+                </a:spcBef>
+                <a:buSzPct val="125000"/>
+                <a:buFont typeface="Arial" panose="020B0604020202020204" pitchFamily="34" charset="0"/>
+                <a:buChar char="•"/>
+                <a:defRPr sz="2400" kern="1200">
+                  <a:solidFill>
+                    <a:schemeClr val="tx1"/>
+                  </a:solidFill>
+                  <a:latin typeface="+mn-lt"/>
+                  <a:ea typeface="+mn-ea"/>
+                  <a:cs typeface="+mn-cs"/>
+                </a:defRPr>
+              </a:lvl1pPr>
+              <a:lvl2pPr marL="685800" indent="-228600" algn="l" defTabSz="914400" rtl="0" eaLnBrk="1" latinLnBrk="0" hangingPunct="1">
+                <a:lnSpc>
+                  <a:spcPct val="120000"/>
+                </a:lnSpc>
+                <a:spcBef>
+                  <a:spcPts val="500"/>
+                </a:spcBef>
+                <a:buSzPct val="125000"/>
+                <a:buFont typeface="Arial" panose="020B0604020202020204" pitchFamily="34" charset="0"/>
+                <a:buChar char="•"/>
+                <a:defRPr sz="2000" kern="1200">
+                  <a:solidFill>
+                    <a:schemeClr val="tx1"/>
+                  </a:solidFill>
+                  <a:latin typeface="+mn-lt"/>
+                  <a:ea typeface="+mn-ea"/>
+                  <a:cs typeface="+mn-cs"/>
+                </a:defRPr>
+              </a:lvl2pPr>
+              <a:lvl3pPr marL="1143000" indent="-228600" algn="l" defTabSz="914400" rtl="0" eaLnBrk="1" latinLnBrk="0" hangingPunct="1">
+                <a:lnSpc>
+                  <a:spcPct val="120000"/>
+                </a:lnSpc>
+                <a:spcBef>
+                  <a:spcPts val="500"/>
+                </a:spcBef>
+                <a:buSzPct val="125000"/>
+                <a:buFont typeface="Arial" panose="020B0604020202020204" pitchFamily="34" charset="0"/>
+                <a:buChar char="•"/>
+                <a:defRPr sz="1800" kern="1200">
+                  <a:solidFill>
+                    <a:schemeClr val="tx1"/>
+                  </a:solidFill>
+                  <a:latin typeface="+mn-lt"/>
+                  <a:ea typeface="+mn-ea"/>
+                  <a:cs typeface="+mn-cs"/>
+                </a:defRPr>
+              </a:lvl3pPr>
+              <a:lvl4pPr marL="1600200" indent="-228600" algn="l" defTabSz="914400" rtl="0" eaLnBrk="1" latinLnBrk="0" hangingPunct="1">
+                <a:lnSpc>
+                  <a:spcPct val="120000"/>
+                </a:lnSpc>
+                <a:spcBef>
+                  <a:spcPts val="500"/>
+                </a:spcBef>
+                <a:buSzPct val="125000"/>
+                <a:buFont typeface="Arial" panose="020B0604020202020204" pitchFamily="34" charset="0"/>
+                <a:buChar char="•"/>
+                <a:defRPr sz="1600" kern="1200">
+                  <a:solidFill>
+                    <a:schemeClr val="tx1"/>
+                  </a:solidFill>
+                  <a:latin typeface="+mn-lt"/>
+                  <a:ea typeface="+mn-ea"/>
+                  <a:cs typeface="+mn-cs"/>
+                </a:defRPr>
+              </a:lvl4pPr>
+              <a:lvl5pPr marL="2057400" indent="-228600" algn="l" defTabSz="914400" rtl="0" eaLnBrk="1" latinLnBrk="0" hangingPunct="1">
+                <a:lnSpc>
+                  <a:spcPct val="120000"/>
+                </a:lnSpc>
+                <a:spcBef>
+                  <a:spcPts val="500"/>
+                </a:spcBef>
+                <a:buSzPct val="125000"/>
+                <a:buFont typeface="Arial" panose="020B0604020202020204" pitchFamily="34" charset="0"/>
+                <a:buChar char="•"/>
+                <a:defRPr sz="1600" kern="1200">
+                  <a:solidFill>
+                    <a:schemeClr val="tx1"/>
+                  </a:solidFill>
+                  <a:latin typeface="+mn-lt"/>
+                  <a:ea typeface="+mn-ea"/>
+                  <a:cs typeface="+mn-cs"/>
+                </a:defRPr>
+              </a:lvl5pPr>
+              <a:lvl6pPr marL="2514600" indent="-228600" algn="l" defTabSz="914400" rtl="0" eaLnBrk="1" latinLnBrk="0" hangingPunct="1">
+                <a:lnSpc>
+                  <a:spcPct val="120000"/>
+                </a:lnSpc>
+                <a:spcBef>
+                  <a:spcPts val="500"/>
+                </a:spcBef>
+                <a:buSzPct val="125000"/>
+                <a:buFont typeface="Arial" panose="020B0604020202020204" pitchFamily="34" charset="0"/>
+                <a:buChar char="•"/>
+                <a:defRPr sz="1400" kern="1200">
+                  <a:solidFill>
+                    <a:schemeClr val="tx1"/>
+                  </a:solidFill>
+                  <a:latin typeface="+mn-lt"/>
+                  <a:ea typeface="+mn-ea"/>
+                  <a:cs typeface="+mn-cs"/>
+                </a:defRPr>
+              </a:lvl6pPr>
+              <a:lvl7pPr marL="2971800" indent="-228600" algn="l" defTabSz="914400" rtl="0" eaLnBrk="1" latinLnBrk="0" hangingPunct="1">
+                <a:lnSpc>
+                  <a:spcPct val="120000"/>
+                </a:lnSpc>
+                <a:spcBef>
+                  <a:spcPts val="500"/>
+                </a:spcBef>
+                <a:buSzPct val="125000"/>
+                <a:buFont typeface="Arial" panose="020B0604020202020204" pitchFamily="34" charset="0"/>
+                <a:buChar char="•"/>
+                <a:defRPr sz="1400" kern="1200">
+                  <a:solidFill>
+                    <a:schemeClr val="tx1"/>
+                  </a:solidFill>
+                  <a:latin typeface="+mn-lt"/>
+                  <a:ea typeface="+mn-ea"/>
+                  <a:cs typeface="+mn-cs"/>
+                </a:defRPr>
+              </a:lvl7pPr>
+              <a:lvl8pPr marL="3429000" indent="-228600" algn="l" defTabSz="914400" rtl="0" eaLnBrk="1" latinLnBrk="0" hangingPunct="1">
+                <a:lnSpc>
+                  <a:spcPct val="120000"/>
+                </a:lnSpc>
+                <a:spcBef>
+                  <a:spcPts val="500"/>
+                </a:spcBef>
+                <a:buSzPct val="125000"/>
+                <a:buFont typeface="Arial" panose="020B0604020202020204" pitchFamily="34" charset="0"/>
+                <a:buChar char="•"/>
+                <a:defRPr sz="1400" kern="1200">
+                  <a:solidFill>
+                    <a:schemeClr val="tx1"/>
+                  </a:solidFill>
+                  <a:latin typeface="+mn-lt"/>
+                  <a:ea typeface="+mn-ea"/>
+                  <a:cs typeface="+mn-cs"/>
+                </a:defRPr>
+              </a:lvl8pPr>
+              <a:lvl9pPr marL="3886200" indent="-228600" algn="l" defTabSz="914400" rtl="0" eaLnBrk="1" latinLnBrk="0" hangingPunct="1">
+                <a:lnSpc>
+                  <a:spcPct val="120000"/>
+                </a:lnSpc>
+                <a:spcBef>
+                  <a:spcPts val="500"/>
+                </a:spcBef>
+                <a:buSzPct val="125000"/>
+                <a:buFont typeface="Arial" panose="020B0604020202020204" pitchFamily="34" charset="0"/>
+                <a:buChar char="•"/>
+                <a:defRPr sz="1400" kern="1200">
+                  <a:solidFill>
+                    <a:schemeClr val="tx1"/>
+                  </a:solidFill>
+                  <a:latin typeface="+mn-lt"/>
+                  <a:ea typeface="+mn-ea"/>
+                  <a:cs typeface="+mn-cs"/>
+                </a:defRPr>
+              </a:lvl9pPr>
+            </a:lstStyle>
+            <a:p>
+              <a:pPr marL="0" indent="0" algn="ctr">
+                <a:buNone/>
+              </a:pPr>
+              <a:r>
+                <a:rPr lang="en-US" dirty="0">
+                  <a:solidFill>
+                    <a:schemeClr val="bg1"/>
+                  </a:solidFill>
+                </a:rPr>
+                <a:t>Computing Machine / Program / Algorithm</a:t>
+              </a:r>
+            </a:p>
+          </p:txBody>
+        </p:sp>
+        <p:sp>
+          <p:nvSpPr>
+            <p:cNvPr id="34" name="Content Placeholder 2">
+              <a:extLst>
+                <a:ext uri="{FF2B5EF4-FFF2-40B4-BE49-F238E27FC236}">
+                  <a16:creationId xmlns:a16="http://schemas.microsoft.com/office/drawing/2014/main" id="{A3A2CA1C-EC88-194C-AB2A-ADD3008AE050}"/>
+                </a:ext>
+              </a:extLst>
+            </p:cNvPr>
+            <p:cNvSpPr txBox="1">
+              <a:spLocks/>
+            </p:cNvSpPr>
+            <p:nvPr/>
+          </p:nvSpPr>
+          <p:spPr>
+            <a:xfrm>
+              <a:off x="2959212" y="2564296"/>
+              <a:ext cx="1294737" cy="723567"/>
+            </a:xfrm>
+            <a:prstGeom prst="rect">
+              <a:avLst/>
+            </a:prstGeom>
+            <a:solidFill>
+              <a:schemeClr val="tx1">
+                <a:lumMod val="95000"/>
+              </a:schemeClr>
+            </a:solidFill>
+          </p:spPr>
+          <p:txBody>
+            <a:bodyPr vert="horz" lIns="91440" tIns="45720" rIns="91440" bIns="45720" rtlCol="0">
+              <a:normAutofit/>
+            </a:bodyPr>
+            <a:lstStyle>
+              <a:lvl1pPr marL="228600" indent="-228600" algn="l" defTabSz="914400" rtl="0" eaLnBrk="1" latinLnBrk="0" hangingPunct="1">
+                <a:lnSpc>
+                  <a:spcPct val="120000"/>
+                </a:lnSpc>
+                <a:spcBef>
+                  <a:spcPts val="1000"/>
+                </a:spcBef>
+                <a:buSzPct val="125000"/>
+                <a:buFont typeface="Arial" panose="020B0604020202020204" pitchFamily="34" charset="0"/>
+                <a:buChar char="•"/>
+                <a:defRPr sz="2400" kern="1200">
+                  <a:solidFill>
+                    <a:schemeClr val="tx1"/>
+                  </a:solidFill>
+                  <a:latin typeface="+mn-lt"/>
+                  <a:ea typeface="+mn-ea"/>
+                  <a:cs typeface="+mn-cs"/>
+                </a:defRPr>
+              </a:lvl1pPr>
+              <a:lvl2pPr marL="685800" indent="-228600" algn="l" defTabSz="914400" rtl="0" eaLnBrk="1" latinLnBrk="0" hangingPunct="1">
+                <a:lnSpc>
+                  <a:spcPct val="120000"/>
+                </a:lnSpc>
+                <a:spcBef>
+                  <a:spcPts val="500"/>
+                </a:spcBef>
+                <a:buSzPct val="125000"/>
+                <a:buFont typeface="Arial" panose="020B0604020202020204" pitchFamily="34" charset="0"/>
+                <a:buChar char="•"/>
+                <a:defRPr sz="2000" kern="1200">
+                  <a:solidFill>
+                    <a:schemeClr val="tx1"/>
+                  </a:solidFill>
+                  <a:latin typeface="+mn-lt"/>
+                  <a:ea typeface="+mn-ea"/>
+                  <a:cs typeface="+mn-cs"/>
+                </a:defRPr>
+              </a:lvl2pPr>
+              <a:lvl3pPr marL="1143000" indent="-228600" algn="l" defTabSz="914400" rtl="0" eaLnBrk="1" latinLnBrk="0" hangingPunct="1">
+                <a:lnSpc>
+                  <a:spcPct val="120000"/>
+                </a:lnSpc>
+                <a:spcBef>
+                  <a:spcPts val="500"/>
+                </a:spcBef>
+                <a:buSzPct val="125000"/>
+                <a:buFont typeface="Arial" panose="020B0604020202020204" pitchFamily="34" charset="0"/>
+                <a:buChar char="•"/>
+                <a:defRPr sz="1800" kern="1200">
+                  <a:solidFill>
+                    <a:schemeClr val="tx1"/>
+                  </a:solidFill>
+                  <a:latin typeface="+mn-lt"/>
+                  <a:ea typeface="+mn-ea"/>
+                  <a:cs typeface="+mn-cs"/>
+                </a:defRPr>
+              </a:lvl3pPr>
+              <a:lvl4pPr marL="1600200" indent="-228600" algn="l" defTabSz="914400" rtl="0" eaLnBrk="1" latinLnBrk="0" hangingPunct="1">
+                <a:lnSpc>
+                  <a:spcPct val="120000"/>
+                </a:lnSpc>
+                <a:spcBef>
+                  <a:spcPts val="500"/>
+                </a:spcBef>
+                <a:buSzPct val="125000"/>
+                <a:buFont typeface="Arial" panose="020B0604020202020204" pitchFamily="34" charset="0"/>
+                <a:buChar char="•"/>
+                <a:defRPr sz="1600" kern="1200">
+                  <a:solidFill>
+                    <a:schemeClr val="tx1"/>
+                  </a:solidFill>
+                  <a:latin typeface="+mn-lt"/>
+                  <a:ea typeface="+mn-ea"/>
+                  <a:cs typeface="+mn-cs"/>
+                </a:defRPr>
+              </a:lvl4pPr>
+              <a:lvl5pPr marL="2057400" indent="-228600" algn="l" defTabSz="914400" rtl="0" eaLnBrk="1" latinLnBrk="0" hangingPunct="1">
+                <a:lnSpc>
+                  <a:spcPct val="120000"/>
+                </a:lnSpc>
+                <a:spcBef>
+                  <a:spcPts val="500"/>
+                </a:spcBef>
+                <a:buSzPct val="125000"/>
+                <a:buFont typeface="Arial" panose="020B0604020202020204" pitchFamily="34" charset="0"/>
+                <a:buChar char="•"/>
+                <a:defRPr sz="1600" kern="1200">
+                  <a:solidFill>
+                    <a:schemeClr val="tx1"/>
+                  </a:solidFill>
+                  <a:latin typeface="+mn-lt"/>
+                  <a:ea typeface="+mn-ea"/>
+                  <a:cs typeface="+mn-cs"/>
+                </a:defRPr>
+              </a:lvl5pPr>
+              <a:lvl6pPr marL="2514600" indent="-228600" algn="l" defTabSz="914400" rtl="0" eaLnBrk="1" latinLnBrk="0" hangingPunct="1">
+                <a:lnSpc>
+                  <a:spcPct val="120000"/>
+                </a:lnSpc>
+                <a:spcBef>
+                  <a:spcPts val="500"/>
+                </a:spcBef>
+                <a:buSzPct val="125000"/>
+                <a:buFont typeface="Arial" panose="020B0604020202020204" pitchFamily="34" charset="0"/>
+                <a:buChar char="•"/>
+                <a:defRPr sz="1400" kern="1200">
+                  <a:solidFill>
+                    <a:schemeClr val="tx1"/>
+                  </a:solidFill>
+                  <a:latin typeface="+mn-lt"/>
+                  <a:ea typeface="+mn-ea"/>
+                  <a:cs typeface="+mn-cs"/>
+                </a:defRPr>
+              </a:lvl6pPr>
+              <a:lvl7pPr marL="2971800" indent="-228600" algn="l" defTabSz="914400" rtl="0" eaLnBrk="1" latinLnBrk="0" hangingPunct="1">
+                <a:lnSpc>
+                  <a:spcPct val="120000"/>
+                </a:lnSpc>
+                <a:spcBef>
+                  <a:spcPts val="500"/>
+                </a:spcBef>
+                <a:buSzPct val="125000"/>
+                <a:buFont typeface="Arial" panose="020B0604020202020204" pitchFamily="34" charset="0"/>
+                <a:buChar char="•"/>
+                <a:defRPr sz="1400" kern="1200">
+                  <a:solidFill>
+                    <a:schemeClr val="tx1"/>
+                  </a:solidFill>
+                  <a:latin typeface="+mn-lt"/>
+                  <a:ea typeface="+mn-ea"/>
+                  <a:cs typeface="+mn-cs"/>
+                </a:defRPr>
+              </a:lvl7pPr>
+              <a:lvl8pPr marL="3429000" indent="-228600" algn="l" defTabSz="914400" rtl="0" eaLnBrk="1" latinLnBrk="0" hangingPunct="1">
+                <a:lnSpc>
+                  <a:spcPct val="120000"/>
+                </a:lnSpc>
+                <a:spcBef>
+                  <a:spcPts val="500"/>
+                </a:spcBef>
+                <a:buSzPct val="125000"/>
+                <a:buFont typeface="Arial" panose="020B0604020202020204" pitchFamily="34" charset="0"/>
+                <a:buChar char="•"/>
+                <a:defRPr sz="1400" kern="1200">
+                  <a:solidFill>
+                    <a:schemeClr val="tx1"/>
+                  </a:solidFill>
+                  <a:latin typeface="+mn-lt"/>
+                  <a:ea typeface="+mn-ea"/>
+                  <a:cs typeface="+mn-cs"/>
+                </a:defRPr>
+              </a:lvl8pPr>
+              <a:lvl9pPr marL="3886200" indent="-228600" algn="l" defTabSz="914400" rtl="0" eaLnBrk="1" latinLnBrk="0" hangingPunct="1">
+                <a:lnSpc>
+                  <a:spcPct val="120000"/>
+                </a:lnSpc>
+                <a:spcBef>
+                  <a:spcPts val="500"/>
+                </a:spcBef>
+                <a:buSzPct val="125000"/>
+                <a:buFont typeface="Arial" panose="020B0604020202020204" pitchFamily="34" charset="0"/>
+                <a:buChar char="•"/>
+                <a:defRPr sz="1400" kern="1200">
+                  <a:solidFill>
+                    <a:schemeClr val="tx1"/>
+                  </a:solidFill>
+                  <a:latin typeface="+mn-lt"/>
+                  <a:ea typeface="+mn-ea"/>
+                  <a:cs typeface="+mn-cs"/>
+                </a:defRPr>
+              </a:lvl9pPr>
+            </a:lstStyle>
+            <a:p>
+              <a:pPr marL="0" indent="0" algn="ctr">
+                <a:buFont typeface="Arial" panose="020B0604020202020204" pitchFamily="34" charset="0"/>
+                <a:buNone/>
+              </a:pPr>
+              <a:r>
+                <a:rPr lang="en-US" dirty="0">
+                  <a:solidFill>
+                    <a:schemeClr val="bg1"/>
+                  </a:solidFill>
+                </a:rPr>
+                <a:t>Input</a:t>
+              </a:r>
+            </a:p>
+          </p:txBody>
+        </p:sp>
+        <p:sp>
+          <p:nvSpPr>
+            <p:cNvPr id="35" name="Content Placeholder 2">
+              <a:extLst>
+                <a:ext uri="{FF2B5EF4-FFF2-40B4-BE49-F238E27FC236}">
+                  <a16:creationId xmlns:a16="http://schemas.microsoft.com/office/drawing/2014/main" id="{954B6218-4D23-1744-821A-3D48546C2EFE}"/>
+                </a:ext>
+              </a:extLst>
+            </p:cNvPr>
+            <p:cNvSpPr txBox="1">
+              <a:spLocks/>
+            </p:cNvSpPr>
+            <p:nvPr/>
+          </p:nvSpPr>
+          <p:spPr>
+            <a:xfrm>
+              <a:off x="7744573" y="2564297"/>
+              <a:ext cx="1294737" cy="723567"/>
+            </a:xfrm>
+            <a:prstGeom prst="rect">
+              <a:avLst/>
+            </a:prstGeom>
+            <a:solidFill>
+              <a:schemeClr val="tx1">
+                <a:lumMod val="95000"/>
+              </a:schemeClr>
+            </a:solidFill>
+          </p:spPr>
+          <p:txBody>
+            <a:bodyPr vert="horz" lIns="91440" tIns="45720" rIns="91440" bIns="45720" rtlCol="0">
+              <a:normAutofit/>
+            </a:bodyPr>
+            <a:lstStyle>
+              <a:lvl1pPr marL="228600" indent="-228600" algn="l" defTabSz="914400" rtl="0" eaLnBrk="1" latinLnBrk="0" hangingPunct="1">
+                <a:lnSpc>
+                  <a:spcPct val="120000"/>
+                </a:lnSpc>
+                <a:spcBef>
+                  <a:spcPts val="1000"/>
+                </a:spcBef>
+                <a:buSzPct val="125000"/>
+                <a:buFont typeface="Arial" panose="020B0604020202020204" pitchFamily="34" charset="0"/>
+                <a:buChar char="•"/>
+                <a:defRPr sz="2400" kern="1200">
+                  <a:solidFill>
+                    <a:schemeClr val="tx1"/>
+                  </a:solidFill>
+                  <a:latin typeface="+mn-lt"/>
+                  <a:ea typeface="+mn-ea"/>
+                  <a:cs typeface="+mn-cs"/>
+                </a:defRPr>
+              </a:lvl1pPr>
+              <a:lvl2pPr marL="685800" indent="-228600" algn="l" defTabSz="914400" rtl="0" eaLnBrk="1" latinLnBrk="0" hangingPunct="1">
+                <a:lnSpc>
+                  <a:spcPct val="120000"/>
+                </a:lnSpc>
+                <a:spcBef>
+                  <a:spcPts val="500"/>
+                </a:spcBef>
+                <a:buSzPct val="125000"/>
+                <a:buFont typeface="Arial" panose="020B0604020202020204" pitchFamily="34" charset="0"/>
+                <a:buChar char="•"/>
+                <a:defRPr sz="2000" kern="1200">
+                  <a:solidFill>
+                    <a:schemeClr val="tx1"/>
+                  </a:solidFill>
+                  <a:latin typeface="+mn-lt"/>
+                  <a:ea typeface="+mn-ea"/>
+                  <a:cs typeface="+mn-cs"/>
+                </a:defRPr>
+              </a:lvl2pPr>
+              <a:lvl3pPr marL="1143000" indent="-228600" algn="l" defTabSz="914400" rtl="0" eaLnBrk="1" latinLnBrk="0" hangingPunct="1">
+                <a:lnSpc>
+                  <a:spcPct val="120000"/>
+                </a:lnSpc>
+                <a:spcBef>
+                  <a:spcPts val="500"/>
+                </a:spcBef>
+                <a:buSzPct val="125000"/>
+                <a:buFont typeface="Arial" panose="020B0604020202020204" pitchFamily="34" charset="0"/>
+                <a:buChar char="•"/>
+                <a:defRPr sz="1800" kern="1200">
+                  <a:solidFill>
+                    <a:schemeClr val="tx1"/>
+                  </a:solidFill>
+                  <a:latin typeface="+mn-lt"/>
+                  <a:ea typeface="+mn-ea"/>
+                  <a:cs typeface="+mn-cs"/>
+                </a:defRPr>
+              </a:lvl3pPr>
+              <a:lvl4pPr marL="1600200" indent="-228600" algn="l" defTabSz="914400" rtl="0" eaLnBrk="1" latinLnBrk="0" hangingPunct="1">
+                <a:lnSpc>
+                  <a:spcPct val="120000"/>
+                </a:lnSpc>
+                <a:spcBef>
+                  <a:spcPts val="500"/>
+                </a:spcBef>
+                <a:buSzPct val="125000"/>
+                <a:buFont typeface="Arial" panose="020B0604020202020204" pitchFamily="34" charset="0"/>
+                <a:buChar char="•"/>
+                <a:defRPr sz="1600" kern="1200">
+                  <a:solidFill>
+                    <a:schemeClr val="tx1"/>
+                  </a:solidFill>
+                  <a:latin typeface="+mn-lt"/>
+                  <a:ea typeface="+mn-ea"/>
+                  <a:cs typeface="+mn-cs"/>
+                </a:defRPr>
+              </a:lvl4pPr>
+              <a:lvl5pPr marL="2057400" indent="-228600" algn="l" defTabSz="914400" rtl="0" eaLnBrk="1" latinLnBrk="0" hangingPunct="1">
+                <a:lnSpc>
+                  <a:spcPct val="120000"/>
+                </a:lnSpc>
+                <a:spcBef>
+                  <a:spcPts val="500"/>
+                </a:spcBef>
+                <a:buSzPct val="125000"/>
+                <a:buFont typeface="Arial" panose="020B0604020202020204" pitchFamily="34" charset="0"/>
+                <a:buChar char="•"/>
+                <a:defRPr sz="1600" kern="1200">
+                  <a:solidFill>
+                    <a:schemeClr val="tx1"/>
+                  </a:solidFill>
+                  <a:latin typeface="+mn-lt"/>
+                  <a:ea typeface="+mn-ea"/>
+                  <a:cs typeface="+mn-cs"/>
+                </a:defRPr>
+              </a:lvl5pPr>
+              <a:lvl6pPr marL="2514600" indent="-228600" algn="l" defTabSz="914400" rtl="0" eaLnBrk="1" latinLnBrk="0" hangingPunct="1">
+                <a:lnSpc>
+                  <a:spcPct val="120000"/>
+                </a:lnSpc>
+                <a:spcBef>
+                  <a:spcPts val="500"/>
+                </a:spcBef>
+                <a:buSzPct val="125000"/>
+                <a:buFont typeface="Arial" panose="020B0604020202020204" pitchFamily="34" charset="0"/>
+                <a:buChar char="•"/>
+                <a:defRPr sz="1400" kern="1200">
+                  <a:solidFill>
+                    <a:schemeClr val="tx1"/>
+                  </a:solidFill>
+                  <a:latin typeface="+mn-lt"/>
+                  <a:ea typeface="+mn-ea"/>
+                  <a:cs typeface="+mn-cs"/>
+                </a:defRPr>
+              </a:lvl6pPr>
+              <a:lvl7pPr marL="2971800" indent="-228600" algn="l" defTabSz="914400" rtl="0" eaLnBrk="1" latinLnBrk="0" hangingPunct="1">
+                <a:lnSpc>
+                  <a:spcPct val="120000"/>
+                </a:lnSpc>
+                <a:spcBef>
+                  <a:spcPts val="500"/>
+                </a:spcBef>
+                <a:buSzPct val="125000"/>
+                <a:buFont typeface="Arial" panose="020B0604020202020204" pitchFamily="34" charset="0"/>
+                <a:buChar char="•"/>
+                <a:defRPr sz="1400" kern="1200">
+                  <a:solidFill>
+                    <a:schemeClr val="tx1"/>
+                  </a:solidFill>
+                  <a:latin typeface="+mn-lt"/>
+                  <a:ea typeface="+mn-ea"/>
+                  <a:cs typeface="+mn-cs"/>
+                </a:defRPr>
+              </a:lvl7pPr>
+              <a:lvl8pPr marL="3429000" indent="-228600" algn="l" defTabSz="914400" rtl="0" eaLnBrk="1" latinLnBrk="0" hangingPunct="1">
+                <a:lnSpc>
+                  <a:spcPct val="120000"/>
+                </a:lnSpc>
+                <a:spcBef>
+                  <a:spcPts val="500"/>
+                </a:spcBef>
+                <a:buSzPct val="125000"/>
+                <a:buFont typeface="Arial" panose="020B0604020202020204" pitchFamily="34" charset="0"/>
+                <a:buChar char="•"/>
+                <a:defRPr sz="1400" kern="1200">
+                  <a:solidFill>
+                    <a:schemeClr val="tx1"/>
+                  </a:solidFill>
+                  <a:latin typeface="+mn-lt"/>
+                  <a:ea typeface="+mn-ea"/>
+                  <a:cs typeface="+mn-cs"/>
+                </a:defRPr>
+              </a:lvl8pPr>
+              <a:lvl9pPr marL="3886200" indent="-228600" algn="l" defTabSz="914400" rtl="0" eaLnBrk="1" latinLnBrk="0" hangingPunct="1">
+                <a:lnSpc>
+                  <a:spcPct val="120000"/>
+                </a:lnSpc>
+                <a:spcBef>
+                  <a:spcPts val="500"/>
+                </a:spcBef>
+                <a:buSzPct val="125000"/>
+                <a:buFont typeface="Arial" panose="020B0604020202020204" pitchFamily="34" charset="0"/>
+                <a:buChar char="•"/>
+                <a:defRPr sz="1400" kern="1200">
+                  <a:solidFill>
+                    <a:schemeClr val="tx1"/>
+                  </a:solidFill>
+                  <a:latin typeface="+mn-lt"/>
+                  <a:ea typeface="+mn-ea"/>
+                  <a:cs typeface="+mn-cs"/>
+                </a:defRPr>
+              </a:lvl9pPr>
+            </a:lstStyle>
+            <a:p>
+              <a:pPr marL="0" indent="0" algn="ctr">
+                <a:buFont typeface="Arial" panose="020B0604020202020204" pitchFamily="34" charset="0"/>
+                <a:buNone/>
+              </a:pPr>
+              <a:r>
+                <a:rPr lang="en-US" dirty="0">
+                  <a:solidFill>
+                    <a:schemeClr val="bg1"/>
+                  </a:solidFill>
+                </a:rPr>
+                <a:t>Output</a:t>
+              </a:r>
+            </a:p>
+          </p:txBody>
+        </p:sp>
+        <p:cxnSp>
+          <p:nvCxnSpPr>
+            <p:cNvPr id="36" name="Straight Arrow Connector 35">
+              <a:extLst>
+                <a:ext uri="{FF2B5EF4-FFF2-40B4-BE49-F238E27FC236}">
+                  <a16:creationId xmlns:a16="http://schemas.microsoft.com/office/drawing/2014/main" id="{6D681D49-E5DB-184F-932B-24C2D17B8B8D}"/>
+                </a:ext>
+              </a:extLst>
+            </p:cNvPr>
+            <p:cNvCxnSpPr/>
+            <p:nvPr/>
+          </p:nvCxnSpPr>
+          <p:spPr>
+            <a:xfrm>
+              <a:off x="3315695" y="2926080"/>
+              <a:ext cx="1319917" cy="0"/>
+            </a:xfrm>
+            <a:prstGeom prst="straightConnector1">
+              <a:avLst/>
+            </a:prstGeom>
+            <a:ln>
+              <a:solidFill>
+                <a:schemeClr val="bg2">
+                  <a:lumMod val="10000"/>
+                  <a:lumOff val="90000"/>
+                </a:schemeClr>
+              </a:solidFill>
+              <a:tailEnd type="triangle"/>
+            </a:ln>
+          </p:spPr>
+          <p:style>
+            <a:lnRef idx="1">
+              <a:schemeClr val="dk1"/>
+            </a:lnRef>
+            <a:fillRef idx="0">
+              <a:schemeClr val="dk1"/>
+            </a:fillRef>
+            <a:effectRef idx="0">
+              <a:schemeClr val="dk1"/>
+            </a:effectRef>
+            <a:fontRef idx="minor">
+              <a:schemeClr val="tx1"/>
+            </a:fontRef>
+          </p:style>
+        </p:cxnSp>
+        <p:cxnSp>
+          <p:nvCxnSpPr>
+            <p:cNvPr id="37" name="Straight Arrow Connector 36">
+              <a:extLst>
+                <a:ext uri="{FF2B5EF4-FFF2-40B4-BE49-F238E27FC236}">
+                  <a16:creationId xmlns:a16="http://schemas.microsoft.com/office/drawing/2014/main" id="{484DD517-B9D1-024B-B20D-5234A02B7394}"/>
+                </a:ext>
+              </a:extLst>
+            </p:cNvPr>
+            <p:cNvCxnSpPr>
+              <a:cxnSpLocks/>
+              <a:stCxn id="33" idx="3"/>
+              <a:endCxn id="35" idx="1"/>
+            </p:cNvCxnSpPr>
+            <p:nvPr/>
+          </p:nvCxnSpPr>
+          <p:spPr>
+            <a:xfrm>
+              <a:off x="7394714" y="2926079"/>
+              <a:ext cx="349859" cy="2"/>
+            </a:xfrm>
+            <a:prstGeom prst="straightConnector1">
+              <a:avLst/>
+            </a:prstGeom>
+            <a:ln>
+              <a:solidFill>
+                <a:schemeClr val="bg2">
+                  <a:lumMod val="10000"/>
+                  <a:lumOff val="90000"/>
+                </a:schemeClr>
+              </a:solidFill>
+              <a:tailEnd type="triangle"/>
+            </a:ln>
+          </p:spPr>
+          <p:style>
+            <a:lnRef idx="1">
+              <a:schemeClr val="dk1"/>
+            </a:lnRef>
+            <a:fillRef idx="0">
+              <a:schemeClr val="dk1"/>
+            </a:fillRef>
+            <a:effectRef idx="0">
+              <a:schemeClr val="dk1"/>
+            </a:effectRef>
+            <a:fontRef idx="minor">
+              <a:schemeClr val="tx1"/>
+            </a:fontRef>
+          </p:style>
+        </p:cxnSp>
+      </p:grpSp>
+      <p:sp>
+        <p:nvSpPr>
+          <p:cNvPr id="5" name="Rectangle 4">
+            <a:extLst>
+              <a:ext uri="{FF2B5EF4-FFF2-40B4-BE49-F238E27FC236}">
+                <a16:creationId xmlns:a16="http://schemas.microsoft.com/office/drawing/2014/main" id="{9122BA94-714C-CB4F-A68F-74967327F60B}"/>
+              </a:ext>
+            </a:extLst>
+          </p:cNvPr>
+          <p:cNvSpPr/>
+          <p:nvPr/>
+        </p:nvSpPr>
+        <p:spPr>
+          <a:xfrm>
+            <a:off x="1113183" y="1065474"/>
+            <a:ext cx="10026594" cy="1447132"/>
+          </a:xfrm>
+          <a:prstGeom prst="rect">
+            <a:avLst/>
+          </a:prstGeom>
+          <a:noFill/>
+          <a:ln>
+            <a:solidFill>
+              <a:schemeClr val="tx1">
+                <a:lumMod val="95000"/>
+              </a:schemeClr>
+            </a:solidFill>
+          </a:ln>
+        </p:spPr>
+        <p:style>
+          <a:lnRef idx="2">
+            <a:schemeClr val="accent1">
+              <a:shade val="50000"/>
+            </a:schemeClr>
+          </a:lnRef>
+          <a:fillRef idx="1">
+            <a:schemeClr val="accent1"/>
+          </a:fillRef>
+          <a:effectRef idx="0">
+            <a:schemeClr val="accent1"/>
+          </a:effectRef>
+          <a:fontRef idx="minor">
+            <a:schemeClr val="lt1"/>
+          </a:fontRef>
+        </p:style>
+        <p:txBody>
+          <a:bodyPr rtlCol="0" anchor="ctr"/>
+          <a:lstStyle/>
+          <a:p>
+            <a:pPr algn="ctr"/>
+            <a:endParaRPr lang="en-US"/>
+          </a:p>
+        </p:txBody>
+      </p:sp>
+      <p:sp>
+        <p:nvSpPr>
+          <p:cNvPr id="14" name="Content Placeholder 2">
+            <a:extLst>
+              <a:ext uri="{FF2B5EF4-FFF2-40B4-BE49-F238E27FC236}">
+                <a16:creationId xmlns:a16="http://schemas.microsoft.com/office/drawing/2014/main" id="{EEF4785B-660D-7A4A-B532-75AAA3C4FBBE}"/>
+              </a:ext>
+            </a:extLst>
+          </p:cNvPr>
+          <p:cNvSpPr txBox="1">
+            <a:spLocks/>
+          </p:cNvSpPr>
+          <p:nvPr/>
+        </p:nvSpPr>
+        <p:spPr>
+          <a:xfrm>
+            <a:off x="1956684" y="1039643"/>
+            <a:ext cx="8085151" cy="389601"/>
+          </a:xfrm>
+          <a:prstGeom prst="rect">
+            <a:avLst/>
+          </a:prstGeom>
+        </p:spPr>
+        <p:txBody>
+          <a:bodyPr vert="horz" lIns="91440" tIns="45720" rIns="91440" bIns="45720" rtlCol="0">
+            <a:normAutofit lnSpcReduction="10000"/>
+          </a:bodyPr>
+          <a:lstStyle>
+            <a:lvl1pPr marL="228600" indent="-228600" algn="l" defTabSz="914400" rtl="0" eaLnBrk="1" latinLnBrk="0" hangingPunct="1">
+              <a:lnSpc>
+                <a:spcPct val="120000"/>
+              </a:lnSpc>
+              <a:spcBef>
+                <a:spcPts val="1000"/>
+              </a:spcBef>
+              <a:buSzPct val="125000"/>
+              <a:buFont typeface="Arial" panose="020B0604020202020204" pitchFamily="34" charset="0"/>
+              <a:buChar char="•"/>
+              <a:defRPr sz="2400" kern="1200">
+                <a:solidFill>
+                  <a:schemeClr val="tx1"/>
+                </a:solidFill>
+                <a:latin typeface="+mn-lt"/>
+                <a:ea typeface="+mn-ea"/>
+                <a:cs typeface="+mn-cs"/>
+              </a:defRPr>
+            </a:lvl1pPr>
+            <a:lvl2pPr marL="685800" indent="-228600" algn="l" defTabSz="914400" rtl="0" eaLnBrk="1" latinLnBrk="0" hangingPunct="1">
+              <a:lnSpc>
+                <a:spcPct val="120000"/>
+              </a:lnSpc>
+              <a:spcBef>
+                <a:spcPts val="500"/>
+              </a:spcBef>
+              <a:buSzPct val="125000"/>
+              <a:buFont typeface="Arial" panose="020B0604020202020204" pitchFamily="34" charset="0"/>
+              <a:buChar char="•"/>
+              <a:defRPr sz="2000" kern="1200">
+                <a:solidFill>
+                  <a:schemeClr val="tx1"/>
+                </a:solidFill>
+                <a:latin typeface="+mn-lt"/>
+                <a:ea typeface="+mn-ea"/>
+                <a:cs typeface="+mn-cs"/>
+              </a:defRPr>
+            </a:lvl2pPr>
+            <a:lvl3pPr marL="1143000" indent="-228600" algn="l" defTabSz="914400" rtl="0" eaLnBrk="1" latinLnBrk="0" hangingPunct="1">
+              <a:lnSpc>
+                <a:spcPct val="120000"/>
+              </a:lnSpc>
+              <a:spcBef>
+                <a:spcPts val="500"/>
+              </a:spcBef>
+              <a:buSzPct val="125000"/>
+              <a:buFont typeface="Arial" panose="020B0604020202020204" pitchFamily="34" charset="0"/>
+              <a:buChar char="•"/>
+              <a:defRPr sz="1800" kern="1200">
+                <a:solidFill>
+                  <a:schemeClr val="tx1"/>
+                </a:solidFill>
+                <a:latin typeface="+mn-lt"/>
+                <a:ea typeface="+mn-ea"/>
+                <a:cs typeface="+mn-cs"/>
+              </a:defRPr>
+            </a:lvl3pPr>
+            <a:lvl4pPr marL="1600200" indent="-228600" algn="l" defTabSz="914400" rtl="0" eaLnBrk="1" latinLnBrk="0" hangingPunct="1">
+              <a:lnSpc>
+                <a:spcPct val="120000"/>
+              </a:lnSpc>
+              <a:spcBef>
+                <a:spcPts val="500"/>
+              </a:spcBef>
+              <a:buSzPct val="125000"/>
+              <a:buFont typeface="Arial" panose="020B0604020202020204" pitchFamily="34" charset="0"/>
+              <a:buChar char="•"/>
+              <a:defRPr sz="1600" kern="1200">
+                <a:solidFill>
+                  <a:schemeClr val="tx1"/>
+                </a:solidFill>
+                <a:latin typeface="+mn-lt"/>
+                <a:ea typeface="+mn-ea"/>
+                <a:cs typeface="+mn-cs"/>
+              </a:defRPr>
+            </a:lvl4pPr>
+            <a:lvl5pPr marL="2057400" indent="-228600" algn="l" defTabSz="914400" rtl="0" eaLnBrk="1" latinLnBrk="0" hangingPunct="1">
+              <a:lnSpc>
+                <a:spcPct val="120000"/>
+              </a:lnSpc>
+              <a:spcBef>
+                <a:spcPts val="500"/>
+              </a:spcBef>
+              <a:buSzPct val="125000"/>
+              <a:buFont typeface="Arial" panose="020B0604020202020204" pitchFamily="34" charset="0"/>
+              <a:buChar char="•"/>
+              <a:defRPr sz="1600" kern="1200">
+                <a:solidFill>
+                  <a:schemeClr val="tx1"/>
+                </a:solidFill>
+                <a:latin typeface="+mn-lt"/>
+                <a:ea typeface="+mn-ea"/>
+                <a:cs typeface="+mn-cs"/>
+              </a:defRPr>
+            </a:lvl5pPr>
+            <a:lvl6pPr marL="2514600" indent="-228600" algn="l" defTabSz="914400" rtl="0" eaLnBrk="1" latinLnBrk="0" hangingPunct="1">
+              <a:lnSpc>
+                <a:spcPct val="120000"/>
+              </a:lnSpc>
+              <a:spcBef>
+                <a:spcPts val="500"/>
+              </a:spcBef>
+              <a:buSzPct val="125000"/>
+              <a:buFont typeface="Arial" panose="020B0604020202020204" pitchFamily="34" charset="0"/>
+              <a:buChar char="•"/>
+              <a:defRPr sz="1400" kern="1200">
+                <a:solidFill>
+                  <a:schemeClr val="tx1"/>
+                </a:solidFill>
+                <a:latin typeface="+mn-lt"/>
+                <a:ea typeface="+mn-ea"/>
+                <a:cs typeface="+mn-cs"/>
+              </a:defRPr>
+            </a:lvl6pPr>
+            <a:lvl7pPr marL="2971800" indent="-228600" algn="l" defTabSz="914400" rtl="0" eaLnBrk="1" latinLnBrk="0" hangingPunct="1">
+              <a:lnSpc>
+                <a:spcPct val="120000"/>
+              </a:lnSpc>
+              <a:spcBef>
+                <a:spcPts val="500"/>
+              </a:spcBef>
+              <a:buSzPct val="125000"/>
+              <a:buFont typeface="Arial" panose="020B0604020202020204" pitchFamily="34" charset="0"/>
+              <a:buChar char="•"/>
+              <a:defRPr sz="1400" kern="1200">
+                <a:solidFill>
+                  <a:schemeClr val="tx1"/>
+                </a:solidFill>
+                <a:latin typeface="+mn-lt"/>
+                <a:ea typeface="+mn-ea"/>
+                <a:cs typeface="+mn-cs"/>
+              </a:defRPr>
+            </a:lvl7pPr>
+            <a:lvl8pPr marL="3429000" indent="-228600" algn="l" defTabSz="914400" rtl="0" eaLnBrk="1" latinLnBrk="0" hangingPunct="1">
+              <a:lnSpc>
+                <a:spcPct val="120000"/>
+              </a:lnSpc>
+              <a:spcBef>
+                <a:spcPts val="500"/>
+              </a:spcBef>
+              <a:buSzPct val="125000"/>
+              <a:buFont typeface="Arial" panose="020B0604020202020204" pitchFamily="34" charset="0"/>
+              <a:buChar char="•"/>
+              <a:defRPr sz="1400" kern="1200">
+                <a:solidFill>
+                  <a:schemeClr val="tx1"/>
+                </a:solidFill>
+                <a:latin typeface="+mn-lt"/>
+                <a:ea typeface="+mn-ea"/>
+                <a:cs typeface="+mn-cs"/>
+              </a:defRPr>
+            </a:lvl8pPr>
+            <a:lvl9pPr marL="3886200" indent="-228600" algn="l" defTabSz="914400" rtl="0" eaLnBrk="1" latinLnBrk="0" hangingPunct="1">
+              <a:lnSpc>
+                <a:spcPct val="120000"/>
+              </a:lnSpc>
+              <a:spcBef>
+                <a:spcPts val="500"/>
+              </a:spcBef>
+              <a:buSzPct val="125000"/>
+              <a:buFont typeface="Arial" panose="020B0604020202020204" pitchFamily="34" charset="0"/>
+              <a:buChar char="•"/>
+              <a:defRPr sz="1400" kern="1200">
+                <a:solidFill>
+                  <a:schemeClr val="tx1"/>
+                </a:solidFill>
+                <a:latin typeface="+mn-lt"/>
+                <a:ea typeface="+mn-ea"/>
+                <a:cs typeface="+mn-cs"/>
+              </a:defRPr>
+            </a:lvl9pPr>
+          </a:lstStyle>
+          <a:p>
+            <a:pPr marL="0" indent="0" algn="ctr">
+              <a:buFont typeface="Arial" panose="020B0604020202020204" pitchFamily="34" charset="0"/>
+              <a:buNone/>
+            </a:pPr>
+            <a:r>
+              <a:rPr lang="en-US" sz="1800" i="1" dirty="0"/>
+              <a:t>Defining Computation</a:t>
             </a:r>
           </a:p>
         </p:txBody>
       </p:sp>
       <p:sp>
         <p:nvSpPr>
-          <p:cNvPr id="3" name="Content Placeholder 2">
+          <p:cNvPr id="17" name="Rectangle 16">
             <a:extLst>
               <a:ext uri="{FF2B5EF4-FFF2-40B4-BE49-F238E27FC236}">
-                <a16:creationId xmlns:a16="http://schemas.microsoft.com/office/drawing/2014/main" id="{D9CF054C-33FC-A64B-8542-BEAFE510EFC9}"/>
+                <a16:creationId xmlns:a16="http://schemas.microsoft.com/office/drawing/2014/main" id="{652623CC-C09B-FE43-BAB5-C948D141E65B}"/>
               </a:ext>
             </a:extLst>
           </p:cNvPr>
-          <p:cNvSpPr>
-            <a:spLocks noGrp="1"/>
-          </p:cNvSpPr>
-          <p:nvPr>
-            <p:ph idx="1"/>
-          </p:nvPr>
+          <p:cNvSpPr/>
+          <p:nvPr/>
         </p:nvSpPr>
-        <p:spPr/>
+        <p:spPr>
+          <a:xfrm>
+            <a:off x="1113183" y="3041366"/>
+            <a:ext cx="10026594" cy="1447132"/>
+          </a:xfrm>
+          <a:prstGeom prst="rect">
+            <a:avLst/>
+          </a:prstGeom>
+          <a:noFill/>
+          <a:ln>
+            <a:solidFill>
+              <a:schemeClr val="tx1">
+                <a:lumMod val="95000"/>
+              </a:schemeClr>
+            </a:solidFill>
+          </a:ln>
+        </p:spPr>
+        <p:style>
+          <a:lnRef idx="2">
+            <a:schemeClr val="accent1">
+              <a:shade val="50000"/>
+            </a:schemeClr>
+          </a:lnRef>
+          <a:fillRef idx="1">
+            <a:schemeClr val="accent1"/>
+          </a:fillRef>
+          <a:effectRef idx="0">
+            <a:schemeClr val="accent1"/>
+          </a:effectRef>
+          <a:fontRef idx="minor">
+            <a:schemeClr val="lt1"/>
+          </a:fontRef>
+        </p:style>
         <p:txBody>
-          <a:bodyPr/>
+          <a:bodyPr rtlCol="0" anchor="ctr"/>
           <a:lstStyle/>
           <a:p>
+            <a:pPr algn="ctr"/>
             <a:endParaRPr lang="en-US"/>
           </a:p>
         </p:txBody>
       </p:sp>
-      <mc:AlternateContent xmlns:mc="http://schemas.openxmlformats.org/markup-compatibility/2006" xmlns:a14="http://schemas.microsoft.com/office/drawing/2010/main">
-        <mc:Choice Requires="a14">
-          <p:graphicFrame>
-            <p:nvGraphicFramePr>
-              <p:cNvPr id="4" name="Content Placeholder 4">
-                <a:extLst>
-                  <a:ext uri="{FF2B5EF4-FFF2-40B4-BE49-F238E27FC236}">
-                    <a16:creationId xmlns:a16="http://schemas.microsoft.com/office/drawing/2014/main" id="{744993AE-F321-E34D-A66F-50378FE92264}"/>
-                  </a:ext>
-                </a:extLst>
-              </p:cNvPr>
-              <p:cNvGraphicFramePr>
-                <a:graphicFrameLocks/>
-              </p:cNvGraphicFramePr>
-              <p:nvPr>
-                <p:extLst>
-                  <p:ext uri="{D42A27DB-BD31-4B8C-83A1-F6EECF244321}">
-                    <p14:modId xmlns:p14="http://schemas.microsoft.com/office/powerpoint/2010/main" val="3702788926"/>
-                  </p:ext>
-                </p:extLst>
-              </p:nvPr>
-            </p:nvGraphicFramePr>
-            <p:xfrm>
-              <a:off x="152430" y="1517904"/>
-              <a:ext cx="11883962" cy="4343400"/>
-            </p:xfrm>
-            <a:graphic>
-              <a:graphicData uri="http://schemas.openxmlformats.org/drawingml/2006/table">
-                <a:tbl>
-                  <a:tblPr firstRow="1" bandRow="1">
-                    <a:tableStyleId>{073A0DAA-6AF3-43AB-8588-CEC1D06C72B9}</a:tableStyleId>
-                  </a:tblPr>
-                  <a:tblGrid>
-                    <a:gridCol w="1715516">
-                      <a:extLst>
-                        <a:ext uri="{9D8B030D-6E8A-4147-A177-3AD203B41FA5}">
-                          <a16:colId xmlns:a16="http://schemas.microsoft.com/office/drawing/2014/main" val="20000"/>
-                        </a:ext>
-                      </a:extLst>
-                    </a:gridCol>
-                    <a:gridCol w="2193925">
-                      <a:extLst>
-                        <a:ext uri="{9D8B030D-6E8A-4147-A177-3AD203B41FA5}">
-                          <a16:colId xmlns:a16="http://schemas.microsoft.com/office/drawing/2014/main" val="20001"/>
-                        </a:ext>
-                      </a:extLst>
-                    </a:gridCol>
-                    <a:gridCol w="3983828">
-                      <a:extLst>
-                        <a:ext uri="{9D8B030D-6E8A-4147-A177-3AD203B41FA5}">
-                          <a16:colId xmlns:a16="http://schemas.microsoft.com/office/drawing/2014/main" val="20002"/>
-                        </a:ext>
-                      </a:extLst>
-                    </a:gridCol>
-                    <a:gridCol w="3990693">
-                      <a:extLst>
-                        <a:ext uri="{9D8B030D-6E8A-4147-A177-3AD203B41FA5}">
-                          <a16:colId xmlns:a16="http://schemas.microsoft.com/office/drawing/2014/main" val="20003"/>
-                        </a:ext>
-                      </a:extLst>
-                    </a:gridCol>
-                  </a:tblGrid>
-                  <a:tr h="370840">
-                    <a:tc>
-                      <a:txBody>
-                        <a:bodyPr/>
-                        <a:lstStyle/>
-                        <a:p>
-                          <a:r>
-                            <a:rPr lang="en-US" sz="2000"/>
-                            <a:t>Name</a:t>
-                          </a:r>
-                        </a:p>
-                      </a:txBody>
-                      <a:tcPr/>
-                    </a:tc>
-                    <a:tc>
-                      <a:txBody>
-                        <a:bodyPr/>
-                        <a:lstStyle/>
-                        <a:p>
-                          <a:r>
-                            <a:rPr lang="en-US" sz="2000" dirty="0"/>
-                            <a:t>Decision Problem</a:t>
-                          </a:r>
-                        </a:p>
-                      </a:txBody>
-                      <a:tcPr/>
-                    </a:tc>
-                    <a:tc>
-                      <a:txBody>
-                        <a:bodyPr/>
-                        <a:lstStyle/>
-                        <a:p>
-                          <a:r>
-                            <a:rPr lang="en-US" sz="2000"/>
-                            <a:t>Function</a:t>
-                          </a:r>
-                        </a:p>
-                      </a:txBody>
-                      <a:tcPr/>
-                    </a:tc>
-                    <a:tc>
-                      <a:txBody>
-                        <a:bodyPr/>
-                        <a:lstStyle/>
-                        <a:p>
-                          <a:r>
-                            <a:rPr lang="en-US" sz="2000" dirty="0"/>
-                            <a:t>Language</a:t>
-                          </a:r>
-                        </a:p>
-                      </a:txBody>
-                      <a:tcPr/>
-                    </a:tc>
-                    <a:extLst>
-                      <a:ext uri="{0D108BD9-81ED-4DB2-BD59-A6C34878D82A}">
-                        <a16:rowId xmlns:a16="http://schemas.microsoft.com/office/drawing/2014/main" val="10000"/>
-                      </a:ext>
-                    </a:extLst>
-                  </a:tr>
-                  <a:tr h="370840">
-                    <a:tc>
-                      <a:txBody>
-                        <a:bodyPr/>
-                        <a:lstStyle/>
-                        <a:p>
-                          <a:r>
-                            <a:rPr lang="en-US" sz="2000" baseline="0" dirty="0"/>
-                            <a:t>XOR</a:t>
-                          </a:r>
-                          <a:endParaRPr lang="en-US" sz="2000" dirty="0"/>
-                        </a:p>
-                      </a:txBody>
-                      <a:tcPr/>
-                    </a:tc>
-                    <a:tc>
-                      <a:txBody>
-                        <a:bodyPr/>
-                        <a:lstStyle/>
-                        <a:p>
-                          <a:r>
-                            <a:rPr lang="en-US" sz="2000" dirty="0"/>
-                            <a:t>Are there an odd number of 1’s?</a:t>
-                          </a:r>
-                        </a:p>
-                      </a:txBody>
-                      <a:tcPr/>
-                    </a:tc>
-                    <a:tc>
-                      <a:txBody>
-                        <a:bodyPr/>
-                        <a:lstStyle/>
-                        <a:p>
-                          <a:pPr/>
-                          <a14:m>
-                            <m:oMathPara xmlns:m="http://schemas.openxmlformats.org/officeDocument/2006/math">
-                              <m:oMathParaPr>
-                                <m:jc m:val="centerGroup"/>
-                              </m:oMathParaPr>
-                              <m:oMath xmlns:m="http://schemas.openxmlformats.org/officeDocument/2006/math">
-                                <m:r>
-                                  <a:rPr lang="en-US" sz="2000" smtClean="0">
-                                    <a:latin typeface="Cambria Math" panose="02040503050406030204" pitchFamily="18" charset="0"/>
-                                  </a:rPr>
-                                  <m:t>𝑓</m:t>
-                                </m:r>
-                                <m:d>
-                                  <m:dPr>
-                                    <m:ctrlPr>
-                                      <a:rPr lang="en-US" sz="2000" i="1" smtClean="0">
-                                        <a:latin typeface="Cambria Math" panose="02040503050406030204" pitchFamily="18" charset="0"/>
-                                      </a:rPr>
-                                    </m:ctrlPr>
-                                  </m:dPr>
-                                  <m:e>
-                                    <m:r>
-                                      <a:rPr lang="en-US" sz="2000" smtClean="0">
-                                        <a:latin typeface="Cambria Math" panose="02040503050406030204" pitchFamily="18" charset="0"/>
-                                      </a:rPr>
-                                      <m:t>𝑏</m:t>
-                                    </m:r>
-                                  </m:e>
-                                </m:d>
-                                <m:r>
-                                  <a:rPr lang="en-US" sz="2000" smtClean="0">
-                                    <a:latin typeface="Cambria Math" panose="02040503050406030204" pitchFamily="18" charset="0"/>
-                                  </a:rPr>
-                                  <m:t>=</m:t>
-                                </m:r>
-                                <m:d>
-                                  <m:dPr>
-                                    <m:begChr m:val="{"/>
-                                    <m:endChr m:val=""/>
-                                    <m:ctrlPr>
-                                      <a:rPr lang="en-US" sz="2000" i="1" smtClean="0">
-                                        <a:latin typeface="Cambria Math" panose="02040503050406030204" pitchFamily="18" charset="0"/>
-                                      </a:rPr>
-                                    </m:ctrlPr>
-                                  </m:dPr>
-                                  <m:e>
-                                    <m:eqArr>
-                                      <m:eqArrPr>
-                                        <m:ctrlPr>
-                                          <a:rPr lang="en-US" sz="2000" i="1" smtClean="0">
-                                            <a:latin typeface="Cambria Math" panose="02040503050406030204" pitchFamily="18" charset="0"/>
-                                          </a:rPr>
-                                        </m:ctrlPr>
-                                      </m:eqArrPr>
-                                      <m:e>
-                                        <m:r>
-                                          <a:rPr lang="en-US" sz="2000" smtClean="0">
-                                            <a:latin typeface="Cambria Math" panose="02040503050406030204" pitchFamily="18" charset="0"/>
-                                          </a:rPr>
-                                          <m:t>0  </m:t>
-                                        </m:r>
-                                        <m:r>
-                                          <m:rPr>
-                                            <m:sty m:val="p"/>
-                                          </m:rPr>
-                                          <a:rPr lang="en-US" sz="2000" smtClean="0">
-                                            <a:latin typeface="Cambria Math" panose="02040503050406030204" pitchFamily="18" charset="0"/>
-                                          </a:rPr>
-                                          <m:t>number</m:t>
-                                        </m:r>
-                                        <m:r>
-                                          <a:rPr lang="en-US" sz="2000" smtClean="0">
-                                            <a:latin typeface="Cambria Math" panose="02040503050406030204" pitchFamily="18" charset="0"/>
-                                          </a:rPr>
-                                          <m:t> </m:t>
-                                        </m:r>
-                                        <m:r>
-                                          <m:rPr>
-                                            <m:sty m:val="p"/>
-                                          </m:rPr>
-                                          <a:rPr lang="en-US" sz="2000" smtClean="0">
-                                            <a:latin typeface="Cambria Math" panose="02040503050406030204" pitchFamily="18" charset="0"/>
-                                          </a:rPr>
-                                          <m:t>of</m:t>
-                                        </m:r>
-                                        <m:r>
-                                          <a:rPr lang="en-US" sz="2000" smtClean="0">
-                                            <a:latin typeface="Cambria Math" panose="02040503050406030204" pitchFamily="18" charset="0"/>
-                                          </a:rPr>
-                                          <m:t> 1</m:t>
-                                        </m:r>
-                                        <m:r>
-                                          <m:rPr>
-                                            <m:sty m:val="p"/>
-                                          </m:rPr>
-                                          <a:rPr lang="en-US" sz="2000" smtClean="0">
-                                            <a:latin typeface="Cambria Math" panose="02040503050406030204" pitchFamily="18" charset="0"/>
-                                          </a:rPr>
-                                          <m:t>s</m:t>
-                                        </m:r>
-                                        <m:r>
-                                          <a:rPr lang="en-US" sz="2000" smtClean="0">
-                                            <a:latin typeface="Cambria Math" panose="02040503050406030204" pitchFamily="18" charset="0"/>
-                                          </a:rPr>
-                                          <m:t> </m:t>
-                                        </m:r>
-                                        <m:r>
-                                          <m:rPr>
-                                            <m:sty m:val="p"/>
-                                          </m:rPr>
-                                          <a:rPr lang="en-US" sz="2000" smtClean="0">
-                                            <a:latin typeface="Cambria Math" panose="02040503050406030204" pitchFamily="18" charset="0"/>
-                                          </a:rPr>
-                                          <m:t>is</m:t>
-                                        </m:r>
-                                        <m:r>
-                                          <a:rPr lang="en-US" sz="2000" smtClean="0">
-                                            <a:latin typeface="Cambria Math" panose="02040503050406030204" pitchFamily="18" charset="0"/>
-                                          </a:rPr>
-                                          <m:t> </m:t>
-                                        </m:r>
-                                        <m:r>
-                                          <m:rPr>
-                                            <m:sty m:val="p"/>
-                                          </m:rPr>
-                                          <a:rPr lang="en-US" sz="2000" smtClean="0">
-                                            <a:latin typeface="Cambria Math" panose="02040503050406030204" pitchFamily="18" charset="0"/>
-                                          </a:rPr>
-                                          <m:t>even</m:t>
-                                        </m:r>
-                                      </m:e>
-                                      <m:e>
-                                        <m:r>
-                                          <a:rPr lang="en-US" sz="2000" smtClean="0">
-                                            <a:latin typeface="Cambria Math" panose="02040503050406030204" pitchFamily="18" charset="0"/>
-                                          </a:rPr>
-                                          <m:t>1   </m:t>
-                                        </m:r>
-                                        <m:r>
-                                          <m:rPr>
-                                            <m:sty m:val="p"/>
-                                          </m:rPr>
-                                          <a:rPr lang="en-US" sz="2000" smtClean="0">
-                                            <a:latin typeface="Cambria Math" panose="02040503050406030204" pitchFamily="18" charset="0"/>
-                                          </a:rPr>
-                                          <m:t>number</m:t>
-                                        </m:r>
-                                        <m:r>
-                                          <a:rPr lang="en-US" sz="2000" smtClean="0">
-                                            <a:latin typeface="Cambria Math" panose="02040503050406030204" pitchFamily="18" charset="0"/>
-                                          </a:rPr>
-                                          <m:t> </m:t>
-                                        </m:r>
-                                        <m:r>
-                                          <m:rPr>
-                                            <m:sty m:val="p"/>
-                                          </m:rPr>
-                                          <a:rPr lang="en-US" sz="2000" smtClean="0">
-                                            <a:latin typeface="Cambria Math" panose="02040503050406030204" pitchFamily="18" charset="0"/>
-                                          </a:rPr>
-                                          <m:t>of</m:t>
-                                        </m:r>
-                                        <m:r>
-                                          <a:rPr lang="en-US" sz="2000" smtClean="0">
-                                            <a:latin typeface="Cambria Math" panose="02040503050406030204" pitchFamily="18" charset="0"/>
-                                          </a:rPr>
-                                          <m:t> 1</m:t>
-                                        </m:r>
-                                        <m:r>
-                                          <m:rPr>
-                                            <m:sty m:val="p"/>
-                                          </m:rPr>
-                                          <a:rPr lang="en-US" sz="2000" smtClean="0">
-                                            <a:latin typeface="Cambria Math" panose="02040503050406030204" pitchFamily="18" charset="0"/>
-                                          </a:rPr>
-                                          <m:t>s</m:t>
-                                        </m:r>
-                                        <m:r>
-                                          <a:rPr lang="en-US" sz="2000" smtClean="0">
-                                            <a:latin typeface="Cambria Math" panose="02040503050406030204" pitchFamily="18" charset="0"/>
-                                          </a:rPr>
-                                          <m:t> </m:t>
-                                        </m:r>
-                                        <m:r>
-                                          <m:rPr>
-                                            <m:sty m:val="p"/>
-                                          </m:rPr>
-                                          <a:rPr lang="en-US" sz="2000" smtClean="0">
-                                            <a:latin typeface="Cambria Math" panose="02040503050406030204" pitchFamily="18" charset="0"/>
-                                          </a:rPr>
-                                          <m:t>is</m:t>
-                                        </m:r>
-                                        <m:r>
-                                          <a:rPr lang="en-US" sz="2000" smtClean="0">
-                                            <a:latin typeface="Cambria Math" panose="02040503050406030204" pitchFamily="18" charset="0"/>
-                                          </a:rPr>
-                                          <m:t> </m:t>
-                                        </m:r>
-                                        <m:r>
-                                          <a:rPr lang="en-US" sz="2000" smtClean="0">
-                                            <a:latin typeface="Cambria Math" panose="02040503050406030204" pitchFamily="18" charset="0"/>
-                                          </a:rPr>
-                                          <m:t>𝑜𝑑𝑑</m:t>
-                                        </m:r>
-                                      </m:e>
-                                    </m:eqArr>
-                                  </m:e>
-                                </m:d>
-                              </m:oMath>
-                            </m:oMathPara>
-                          </a14:m>
-                          <a:endParaRPr lang="en-US" sz="2000" dirty="0"/>
-                        </a:p>
-                      </a:txBody>
-                      <a:tcPr/>
-                    </a:tc>
-                    <a:tc>
-                      <a:txBody>
-                        <a:bodyPr/>
-                        <a:lstStyle/>
-                        <a:p>
-                          <a:pPr/>
-                          <a14:m>
-                            <m:oMathPara xmlns:m="http://schemas.openxmlformats.org/officeDocument/2006/math">
-                              <m:oMathParaPr>
-                                <m:jc m:val="centerGroup"/>
-                              </m:oMathParaPr>
-                              <m:oMath xmlns:m="http://schemas.openxmlformats.org/officeDocument/2006/math">
-                                <m:d>
-                                  <m:dPr>
-                                    <m:begChr m:val="{"/>
-                                    <m:endChr m:val="|"/>
-                                    <m:ctrlPr>
-                                      <a:rPr lang="en-US" sz="2000" i="1" smtClean="0">
-                                        <a:latin typeface="Cambria Math" panose="02040503050406030204" pitchFamily="18" charset="0"/>
-                                      </a:rPr>
-                                    </m:ctrlPr>
-                                  </m:dPr>
-                                  <m:e>
-                                    <m:r>
-                                      <a:rPr lang="en-US" sz="2000" smtClean="0">
-                                        <a:latin typeface="Cambria Math" panose="02040503050406030204" pitchFamily="18" charset="0"/>
-                                      </a:rPr>
-                                      <m:t>𝑏</m:t>
-                                    </m:r>
-                                    <m:r>
-                                      <a:rPr lang="en-US" sz="2000" smtClean="0">
-                                        <a:latin typeface="Cambria Math" panose="02040503050406030204" pitchFamily="18" charset="0"/>
-                                      </a:rPr>
-                                      <m:t>∈</m:t>
-                                    </m:r>
-                                    <m:sSup>
-                                      <m:sSupPr>
-                                        <m:ctrlPr>
-                                          <a:rPr lang="en-US" sz="2000" i="1" smtClean="0">
-                                            <a:latin typeface="Cambria Math" panose="02040503050406030204" pitchFamily="18" charset="0"/>
-                                          </a:rPr>
-                                        </m:ctrlPr>
-                                      </m:sSupPr>
-                                      <m:e>
-                                        <m:r>
-                                          <m:rPr>
-                                            <m:sty m:val="p"/>
-                                          </m:rPr>
-                                          <a:rPr lang="en-US" sz="2000" smtClean="0">
-                                            <a:latin typeface="Cambria Math" panose="02040503050406030204" pitchFamily="18" charset="0"/>
-                                          </a:rPr>
-                                          <m:t>Σ</m:t>
-                                        </m:r>
-                                      </m:e>
-                                      <m:sup>
-                                        <m:r>
-                                          <a:rPr lang="en-US" sz="2000" smtClean="0">
-                                            <a:latin typeface="Cambria Math" panose="02040503050406030204" pitchFamily="18" charset="0"/>
-                                          </a:rPr>
-                                          <m:t>∗</m:t>
-                                        </m:r>
-                                      </m:sup>
-                                    </m:sSup>
-                                  </m:e>
-                                </m:d>
-                                <m:r>
-                                  <a:rPr lang="en-US" sz="2000" smtClean="0">
-                                    <a:latin typeface="Cambria Math" panose="02040503050406030204" pitchFamily="18" charset="0"/>
-                                  </a:rPr>
-                                  <m:t>𝑏</m:t>
-                                </m:r>
-                                <m:r>
-                                  <a:rPr lang="en-US" sz="2000" smtClean="0">
-                                    <a:latin typeface="Cambria Math" panose="02040503050406030204" pitchFamily="18" charset="0"/>
-                                  </a:rPr>
-                                  <m:t> </m:t>
-                                </m:r>
-                                <m:r>
-                                  <m:rPr>
-                                    <m:sty m:val="p"/>
-                                  </m:rPr>
-                                  <a:rPr lang="en-US" sz="2000" smtClean="0">
-                                    <a:latin typeface="Cambria Math" panose="02040503050406030204" pitchFamily="18" charset="0"/>
-                                  </a:rPr>
-                                  <m:t>has</m:t>
-                                </m:r>
-                                <m:r>
-                                  <a:rPr lang="en-US" sz="2000" smtClean="0">
-                                    <a:latin typeface="Cambria Math" panose="02040503050406030204" pitchFamily="18" charset="0"/>
-                                  </a:rPr>
-                                  <m:t> </m:t>
-                                </m:r>
-                                <m:r>
-                                  <m:rPr>
-                                    <m:sty m:val="p"/>
-                                  </m:rPr>
-                                  <a:rPr lang="en-US" sz="2000" smtClean="0">
-                                    <a:latin typeface="Cambria Math" panose="02040503050406030204" pitchFamily="18" charset="0"/>
-                                  </a:rPr>
-                                  <m:t>and</m:t>
-                                </m:r>
-                                <m:r>
-                                  <a:rPr lang="en-US" sz="2000" smtClean="0">
-                                    <a:latin typeface="Cambria Math" panose="02040503050406030204" pitchFamily="18" charset="0"/>
-                                  </a:rPr>
-                                  <m:t> </m:t>
-                                </m:r>
-                                <m:r>
-                                  <m:rPr>
-                                    <m:sty m:val="p"/>
-                                  </m:rPr>
-                                  <a:rPr lang="en-US" sz="2000" smtClean="0">
-                                    <a:latin typeface="Cambria Math" panose="02040503050406030204" pitchFamily="18" charset="0"/>
-                                  </a:rPr>
-                                  <m:t>odd</m:t>
-                                </m:r>
-                                <m:r>
-                                  <a:rPr lang="en-US" sz="2000" smtClean="0">
-                                    <a:latin typeface="Cambria Math" panose="02040503050406030204" pitchFamily="18" charset="0"/>
-                                  </a:rPr>
-                                  <m:t> </m:t>
-                                </m:r>
-                                <m:r>
-                                  <m:rPr>
-                                    <m:sty m:val="p"/>
-                                  </m:rPr>
-                                  <a:rPr lang="en-US" sz="2000" smtClean="0">
-                                    <a:latin typeface="Cambria Math" panose="02040503050406030204" pitchFamily="18" charset="0"/>
-                                  </a:rPr>
-                                  <m:t>number</m:t>
-                                </m:r>
-                                <m:r>
-                                  <a:rPr lang="en-US" sz="2000" smtClean="0">
-                                    <a:latin typeface="Cambria Math" panose="02040503050406030204" pitchFamily="18" charset="0"/>
-                                  </a:rPr>
-                                  <m:t> </m:t>
-                                </m:r>
-                                <m:r>
-                                  <m:rPr>
-                                    <m:sty m:val="p"/>
-                                  </m:rPr>
-                                  <a:rPr lang="en-US" sz="2000" smtClean="0">
-                                    <a:latin typeface="Cambria Math" panose="02040503050406030204" pitchFamily="18" charset="0"/>
-                                  </a:rPr>
-                                  <m:t>of</m:t>
-                                </m:r>
-                                <m:r>
-                                  <a:rPr lang="en-US" sz="2000" smtClean="0">
-                                    <a:latin typeface="Cambria Math" panose="02040503050406030204" pitchFamily="18" charset="0"/>
-                                  </a:rPr>
-                                  <m:t> 1</m:t>
-                                </m:r>
-                                <m:r>
-                                  <m:rPr>
-                                    <m:sty m:val="p"/>
-                                  </m:rPr>
-                                  <a:rPr lang="en-US" sz="2000" smtClean="0">
-                                    <a:latin typeface="Cambria Math" panose="02040503050406030204" pitchFamily="18" charset="0"/>
-                                  </a:rPr>
-                                  <m:t>s</m:t>
-                                </m:r>
-                                <m:r>
-                                  <a:rPr lang="en-US" sz="2000" smtClean="0">
-                                    <a:latin typeface="Cambria Math" panose="02040503050406030204" pitchFamily="18" charset="0"/>
-                                  </a:rPr>
-                                  <m:t>}</m:t>
-                                </m:r>
-                              </m:oMath>
-                            </m:oMathPara>
-                          </a14:m>
-                          <a:endParaRPr lang="en-US" sz="2000" dirty="0"/>
-                        </a:p>
-                      </a:txBody>
-                      <a:tcPr/>
-                    </a:tc>
-                    <a:extLst>
-                      <a:ext uri="{0D108BD9-81ED-4DB2-BD59-A6C34878D82A}">
-                        <a16:rowId xmlns:a16="http://schemas.microsoft.com/office/drawing/2014/main" val="10001"/>
-                      </a:ext>
-                    </a:extLst>
-                  </a:tr>
-                  <a:tr h="370840">
-                    <a:tc>
-                      <a:txBody>
-                        <a:bodyPr/>
-                        <a:lstStyle/>
-                        <a:p>
-                          <a:r>
-                            <a:rPr lang="en-US" sz="2000"/>
-                            <a:t>Majority</a:t>
-                          </a:r>
-                        </a:p>
-                      </a:txBody>
-                      <a:tcPr/>
-                    </a:tc>
-                    <a:tc>
-                      <a:txBody>
-                        <a:bodyPr/>
-                        <a:lstStyle/>
-                        <a:p>
-                          <a:r>
-                            <a:rPr lang="en-US" sz="2000" dirty="0"/>
-                            <a:t>Are there</a:t>
-                          </a:r>
-                          <a:r>
-                            <a:rPr lang="en-US" sz="2000" baseline="0" dirty="0"/>
-                            <a:t> more 1s than 0s?</a:t>
-                          </a:r>
-                          <a:endParaRPr lang="en-US" sz="2000" dirty="0"/>
-                        </a:p>
-                      </a:txBody>
-                      <a:tcPr/>
-                    </a:tc>
-                    <a:tc>
-                      <a:txBody>
-                        <a:bodyPr/>
-                        <a:lstStyle/>
-                        <a:p>
-                          <a:pPr marL="0" marR="0" indent="0" algn="l" defTabSz="1218987" rtl="0" eaLnBrk="1" fontAlgn="auto" latinLnBrk="0" hangingPunct="1">
-                            <a:lnSpc>
-                              <a:spcPct val="100000"/>
-                            </a:lnSpc>
-                            <a:spcBef>
-                              <a:spcPts val="0"/>
-                            </a:spcBef>
-                            <a:spcAft>
-                              <a:spcPts val="0"/>
-                            </a:spcAft>
-                            <a:buClrTx/>
-                            <a:buSzTx/>
-                            <a:buFontTx/>
-                            <a:buNone/>
-                            <a:tabLst/>
-                            <a:defRPr/>
-                          </a:pPr>
-                          <a14:m>
-                            <m:oMathPara xmlns:m="http://schemas.openxmlformats.org/officeDocument/2006/math">
-                              <m:oMathParaPr>
-                                <m:jc m:val="centerGroup"/>
-                              </m:oMathParaPr>
-                              <m:oMath xmlns:m="http://schemas.openxmlformats.org/officeDocument/2006/math">
-                                <m:r>
-                                  <a:rPr lang="en-US" sz="2000" u="none" smtClean="0">
-                                    <a:latin typeface="Cambria Math" panose="02040503050406030204" pitchFamily="18" charset="0"/>
-                                  </a:rPr>
-                                  <m:t>𝑓</m:t>
-                                </m:r>
-                                <m:d>
-                                  <m:dPr>
-                                    <m:ctrlPr>
-                                      <a:rPr lang="en-US" sz="2000" i="1" u="none" smtClean="0">
-                                        <a:latin typeface="Cambria Math" panose="02040503050406030204" pitchFamily="18" charset="0"/>
-                                      </a:rPr>
-                                    </m:ctrlPr>
-                                  </m:dPr>
-                                  <m:e>
-                                    <m:r>
-                                      <a:rPr lang="en-US" sz="2000" u="none" smtClean="0">
-                                        <a:latin typeface="Cambria Math" panose="02040503050406030204" pitchFamily="18" charset="0"/>
-                                      </a:rPr>
-                                      <m:t>𝑏</m:t>
-                                    </m:r>
-                                  </m:e>
-                                </m:d>
-                                <m:r>
-                                  <a:rPr lang="en-US" sz="2000" u="none" smtClean="0">
-                                    <a:latin typeface="Cambria Math" panose="02040503050406030204" pitchFamily="18" charset="0"/>
-                                  </a:rPr>
-                                  <m:t>=</m:t>
-                                </m:r>
-                                <m:d>
-                                  <m:dPr>
-                                    <m:begChr m:val="{"/>
-                                    <m:endChr m:val=""/>
-                                    <m:ctrlPr>
-                                      <a:rPr lang="en-US" sz="2000" i="1" u="none" smtClean="0">
-                                        <a:latin typeface="Cambria Math" panose="02040503050406030204" pitchFamily="18" charset="0"/>
-                                      </a:rPr>
-                                    </m:ctrlPr>
-                                  </m:dPr>
-                                  <m:e>
-                                    <m:eqArr>
-                                      <m:eqArrPr>
-                                        <m:ctrlPr>
-                                          <a:rPr lang="en-US" sz="2000" i="1" u="none" smtClean="0">
-                                            <a:latin typeface="Cambria Math" panose="02040503050406030204" pitchFamily="18" charset="0"/>
-                                          </a:rPr>
-                                        </m:ctrlPr>
-                                      </m:eqArrPr>
-                                      <m:e>
-                                        <m:r>
-                                          <a:rPr lang="en-US" sz="2000" u="none" smtClean="0">
-                                            <a:latin typeface="Cambria Math" panose="02040503050406030204" pitchFamily="18" charset="0"/>
-                                          </a:rPr>
-                                          <m:t>0 </m:t>
-                                        </m:r>
-                                        <m:r>
-                                          <m:rPr>
-                                            <m:sty m:val="p"/>
-                                          </m:rPr>
-                                          <a:rPr lang="en-US" sz="2000" u="none" smtClean="0">
-                                            <a:latin typeface="Cambria Math" panose="02040503050406030204" pitchFamily="18" charset="0"/>
-                                          </a:rPr>
-                                          <m:t>more</m:t>
-                                        </m:r>
-                                        <m:r>
-                                          <a:rPr lang="en-US" sz="2000" u="none" smtClean="0">
-                                            <a:latin typeface="Cambria Math" panose="02040503050406030204" pitchFamily="18" charset="0"/>
-                                          </a:rPr>
-                                          <m:t> 0</m:t>
-                                        </m:r>
-                                        <m:r>
-                                          <m:rPr>
-                                            <m:sty m:val="p"/>
-                                          </m:rPr>
-                                          <a:rPr lang="en-US" sz="2000" u="none" smtClean="0">
-                                            <a:latin typeface="Cambria Math" panose="02040503050406030204" pitchFamily="18" charset="0"/>
-                                          </a:rPr>
-                                          <m:t>s</m:t>
-                                        </m:r>
-                                        <m:r>
-                                          <a:rPr lang="en-US" sz="2000" u="none" smtClean="0">
-                                            <a:latin typeface="Cambria Math" panose="02040503050406030204" pitchFamily="18" charset="0"/>
-                                          </a:rPr>
-                                          <m:t> </m:t>
-                                        </m:r>
-                                        <m:r>
-                                          <m:rPr>
-                                            <m:sty m:val="p"/>
-                                          </m:rPr>
-                                          <a:rPr lang="en-US" sz="2000" u="none" smtClean="0">
-                                            <a:latin typeface="Cambria Math" panose="02040503050406030204" pitchFamily="18" charset="0"/>
-                                          </a:rPr>
-                                          <m:t>than</m:t>
-                                        </m:r>
-                                        <m:r>
-                                          <a:rPr lang="en-US" sz="2000" u="none" smtClean="0">
-                                            <a:latin typeface="Cambria Math" panose="02040503050406030204" pitchFamily="18" charset="0"/>
-                                          </a:rPr>
-                                          <m:t> 1</m:t>
-                                        </m:r>
-                                        <m:r>
-                                          <m:rPr>
-                                            <m:sty m:val="p"/>
-                                          </m:rPr>
-                                          <a:rPr lang="en-US" sz="2000" u="none" smtClean="0">
-                                            <a:latin typeface="Cambria Math" panose="02040503050406030204" pitchFamily="18" charset="0"/>
-                                          </a:rPr>
-                                          <m:t>s</m:t>
-                                        </m:r>
-                                      </m:e>
-                                      <m:e>
-                                        <m:r>
-                                          <a:rPr lang="en-US" sz="2000" u="none" smtClean="0">
-                                            <a:latin typeface="Cambria Math" panose="02040503050406030204" pitchFamily="18" charset="0"/>
-                                          </a:rPr>
-                                          <m:t>1 </m:t>
-                                        </m:r>
-                                        <m:r>
-                                          <m:rPr>
-                                            <m:sty m:val="p"/>
-                                          </m:rPr>
-                                          <a:rPr lang="en-US" sz="2000" u="none" smtClean="0">
-                                            <a:latin typeface="Cambria Math" panose="02040503050406030204" pitchFamily="18" charset="0"/>
-                                          </a:rPr>
-                                          <m:t>more</m:t>
-                                        </m:r>
-                                        <m:r>
-                                          <a:rPr lang="en-US" sz="2000" u="none" smtClean="0">
-                                            <a:latin typeface="Cambria Math" panose="02040503050406030204" pitchFamily="18" charset="0"/>
-                                          </a:rPr>
-                                          <m:t> 1</m:t>
-                                        </m:r>
-                                        <m:r>
-                                          <m:rPr>
-                                            <m:sty m:val="p"/>
-                                          </m:rPr>
-                                          <a:rPr lang="en-US" sz="2000" u="none" smtClean="0">
-                                            <a:latin typeface="Cambria Math" panose="02040503050406030204" pitchFamily="18" charset="0"/>
-                                          </a:rPr>
-                                          <m:t>s</m:t>
-                                        </m:r>
-                                        <m:r>
-                                          <a:rPr lang="en-US" sz="2000" u="none" smtClean="0">
-                                            <a:latin typeface="Cambria Math" panose="02040503050406030204" pitchFamily="18" charset="0"/>
-                                          </a:rPr>
-                                          <m:t> </m:t>
-                                        </m:r>
-                                        <m:r>
-                                          <m:rPr>
-                                            <m:sty m:val="p"/>
-                                          </m:rPr>
-                                          <a:rPr lang="en-US" sz="2000" u="none" smtClean="0">
-                                            <a:latin typeface="Cambria Math" panose="02040503050406030204" pitchFamily="18" charset="0"/>
-                                          </a:rPr>
-                                          <m:t>than</m:t>
-                                        </m:r>
-                                        <m:r>
-                                          <a:rPr lang="en-US" sz="2000" u="none" smtClean="0">
-                                            <a:latin typeface="Cambria Math" panose="02040503050406030204" pitchFamily="18" charset="0"/>
-                                          </a:rPr>
-                                          <m:t> 0</m:t>
-                                        </m:r>
-                                        <m:r>
-                                          <m:rPr>
-                                            <m:sty m:val="p"/>
-                                          </m:rPr>
-                                          <a:rPr lang="en-US" sz="2000" u="none" smtClean="0">
-                                            <a:latin typeface="Cambria Math" panose="02040503050406030204" pitchFamily="18" charset="0"/>
-                                          </a:rPr>
-                                          <m:t>s</m:t>
-                                        </m:r>
-                                      </m:e>
-                                    </m:eqArr>
-                                  </m:e>
-                                </m:d>
-                              </m:oMath>
-                            </m:oMathPara>
-                          </a14:m>
-                          <a:endParaRPr lang="en-US" sz="2000" u="none" dirty="0"/>
-                        </a:p>
-                      </a:txBody>
-                      <a:tcPr/>
-                    </a:tc>
-                    <a:tc>
-                      <a:txBody>
-                        <a:bodyPr/>
-                        <a:lstStyle/>
-                        <a:p>
-                          <a:pPr marL="0" marR="0" indent="0" algn="l" defTabSz="1218987" rtl="0" eaLnBrk="1" fontAlgn="auto" latinLnBrk="0" hangingPunct="1">
-                            <a:lnSpc>
-                              <a:spcPct val="100000"/>
-                            </a:lnSpc>
-                            <a:spcBef>
-                              <a:spcPts val="0"/>
-                            </a:spcBef>
-                            <a:spcAft>
-                              <a:spcPts val="0"/>
-                            </a:spcAft>
-                            <a:buClrTx/>
-                            <a:buSzTx/>
-                            <a:buFontTx/>
-                            <a:buNone/>
-                            <a:tabLst/>
-                            <a:defRPr/>
-                          </a:pPr>
-                          <a14:m>
-                            <m:oMathPara xmlns:m="http://schemas.openxmlformats.org/officeDocument/2006/math">
-                              <m:oMathParaPr>
-                                <m:jc m:val="centerGroup"/>
-                              </m:oMathParaPr>
-                              <m:oMath xmlns:m="http://schemas.openxmlformats.org/officeDocument/2006/math">
-                                <m:d>
-                                  <m:dPr>
-                                    <m:begChr m:val="{"/>
-                                    <m:endChr m:val="|"/>
-                                    <m:ctrlPr>
-                                      <a:rPr lang="en-US" sz="2000" i="1" smtClean="0">
-                                        <a:latin typeface="Cambria Math" panose="02040503050406030204" pitchFamily="18" charset="0"/>
-                                      </a:rPr>
-                                    </m:ctrlPr>
-                                  </m:dPr>
-                                  <m:e>
-                                    <m:r>
-                                      <a:rPr lang="en-US" sz="2000" smtClean="0">
-                                        <a:latin typeface="Cambria Math" panose="02040503050406030204" pitchFamily="18" charset="0"/>
-                                      </a:rPr>
-                                      <m:t>𝑏</m:t>
-                                    </m:r>
-                                    <m:r>
-                                      <a:rPr lang="en-US" sz="2000" smtClean="0">
-                                        <a:latin typeface="Cambria Math" panose="02040503050406030204" pitchFamily="18" charset="0"/>
-                                      </a:rPr>
-                                      <m:t>∈</m:t>
-                                    </m:r>
-                                    <m:sSup>
-                                      <m:sSupPr>
-                                        <m:ctrlPr>
-                                          <a:rPr lang="en-US" sz="2000" i="1" smtClean="0">
-                                            <a:latin typeface="Cambria Math" panose="02040503050406030204" pitchFamily="18" charset="0"/>
-                                          </a:rPr>
-                                        </m:ctrlPr>
-                                      </m:sSupPr>
-                                      <m:e>
-                                        <m:r>
-                                          <m:rPr>
-                                            <m:sty m:val="p"/>
-                                          </m:rPr>
-                                          <a:rPr lang="en-US" sz="2000" smtClean="0">
-                                            <a:latin typeface="Cambria Math" panose="02040503050406030204" pitchFamily="18" charset="0"/>
-                                          </a:rPr>
-                                          <m:t>Σ</m:t>
-                                        </m:r>
-                                      </m:e>
-                                      <m:sup>
-                                        <m:r>
-                                          <a:rPr lang="en-US" sz="2000" smtClean="0">
-                                            <a:latin typeface="Cambria Math" panose="02040503050406030204" pitchFamily="18" charset="0"/>
-                                          </a:rPr>
-                                          <m:t>∗</m:t>
-                                        </m:r>
-                                      </m:sup>
-                                    </m:sSup>
-                                  </m:e>
-                                </m:d>
-                                <m:r>
-                                  <a:rPr lang="en-US" sz="2000" smtClean="0">
-                                    <a:latin typeface="Cambria Math" panose="02040503050406030204" pitchFamily="18" charset="0"/>
-                                  </a:rPr>
-                                  <m:t>𝑏</m:t>
-                                </m:r>
-                                <m:r>
-                                  <a:rPr lang="en-US" sz="2000" smtClean="0">
-                                    <a:latin typeface="Cambria Math" panose="02040503050406030204" pitchFamily="18" charset="0"/>
-                                  </a:rPr>
-                                  <m:t> </m:t>
-                                </m:r>
-                                <m:r>
-                                  <m:rPr>
-                                    <m:sty m:val="p"/>
-                                  </m:rPr>
-                                  <a:rPr lang="en-US" sz="2000" smtClean="0">
-                                    <a:latin typeface="Cambria Math" panose="02040503050406030204" pitchFamily="18" charset="0"/>
-                                  </a:rPr>
-                                  <m:t>has</m:t>
-                                </m:r>
-                                <m:r>
-                                  <a:rPr lang="en-US" sz="2000" smtClean="0">
-                                    <a:latin typeface="Cambria Math" panose="02040503050406030204" pitchFamily="18" charset="0"/>
-                                  </a:rPr>
-                                  <m:t> </m:t>
-                                </m:r>
-                                <m:r>
-                                  <m:rPr>
-                                    <m:sty m:val="p"/>
-                                  </m:rPr>
-                                  <a:rPr lang="en-US" sz="2000" smtClean="0">
-                                    <a:latin typeface="Cambria Math" panose="02040503050406030204" pitchFamily="18" charset="0"/>
-                                  </a:rPr>
-                                  <m:t>more</m:t>
-                                </m:r>
-                                <m:r>
-                                  <a:rPr lang="en-US" sz="2000" smtClean="0">
-                                    <a:latin typeface="Cambria Math" panose="02040503050406030204" pitchFamily="18" charset="0"/>
-                                  </a:rPr>
-                                  <m:t> 1</m:t>
-                                </m:r>
-                                <m:r>
-                                  <m:rPr>
-                                    <m:sty m:val="p"/>
-                                  </m:rPr>
-                                  <a:rPr lang="en-US" sz="2000" smtClean="0">
-                                    <a:latin typeface="Cambria Math" panose="02040503050406030204" pitchFamily="18" charset="0"/>
-                                  </a:rPr>
-                                  <m:t>s</m:t>
-                                </m:r>
-                                <m:r>
-                                  <a:rPr lang="en-US" sz="2000" smtClean="0">
-                                    <a:latin typeface="Cambria Math" panose="02040503050406030204" pitchFamily="18" charset="0"/>
-                                  </a:rPr>
-                                  <m:t> </m:t>
-                                </m:r>
-                                <m:r>
-                                  <m:rPr>
-                                    <m:sty m:val="p"/>
-                                  </m:rPr>
-                                  <a:rPr lang="en-US" sz="2000" smtClean="0">
-                                    <a:latin typeface="Cambria Math" panose="02040503050406030204" pitchFamily="18" charset="0"/>
-                                  </a:rPr>
-                                  <m:t>than</m:t>
-                                </m:r>
-                                <m:r>
-                                  <a:rPr lang="en-US" sz="2000" smtClean="0">
-                                    <a:latin typeface="Cambria Math" panose="02040503050406030204" pitchFamily="18" charset="0"/>
-                                  </a:rPr>
-                                  <m:t> 0</m:t>
-                                </m:r>
-                                <m:r>
-                                  <m:rPr>
-                                    <m:sty m:val="p"/>
-                                  </m:rPr>
-                                  <a:rPr lang="en-US" sz="2000" smtClean="0">
-                                    <a:latin typeface="Cambria Math" panose="02040503050406030204" pitchFamily="18" charset="0"/>
-                                  </a:rPr>
-                                  <m:t>s</m:t>
-                                </m:r>
-                                <m:r>
-                                  <a:rPr lang="en-US" sz="2000" smtClean="0">
-                                    <a:latin typeface="Cambria Math" panose="02040503050406030204" pitchFamily="18" charset="0"/>
-                                  </a:rPr>
-                                  <m:t>}</m:t>
-                                </m:r>
-                              </m:oMath>
-                            </m:oMathPara>
-                          </a14:m>
-                          <a:endParaRPr lang="en-US" sz="2000" dirty="0"/>
-                        </a:p>
-                        <a:p>
-                          <a:endParaRPr lang="en-US" sz="2000" dirty="0"/>
-                        </a:p>
-                      </a:txBody>
-                      <a:tcPr/>
-                    </a:tc>
-                    <a:extLst>
-                      <a:ext uri="{0D108BD9-81ED-4DB2-BD59-A6C34878D82A}">
-                        <a16:rowId xmlns:a16="http://schemas.microsoft.com/office/drawing/2014/main" val="10002"/>
-                      </a:ext>
-                    </a:extLst>
-                  </a:tr>
-                  <a:tr h="728090">
-                    <a:tc>
-                      <a:txBody>
-                        <a:bodyPr/>
-                        <a:lstStyle/>
-                        <a:p>
-                          <a:r>
-                            <a:rPr lang="en-US" sz="2000" dirty="0"/>
-                            <a:t>Thing you want to compute</a:t>
-                          </a:r>
-                        </a:p>
-                      </a:txBody>
-                      <a:tcPr/>
-                    </a:tc>
-                    <a:tc>
-                      <a:txBody>
-                        <a:bodyPr/>
-                        <a:lstStyle/>
-                        <a:p>
-                          <a:r>
-                            <a:rPr lang="en-US" sz="2000" dirty="0"/>
-                            <a:t>Does it have </a:t>
-                          </a:r>
-                          <a:r>
-                            <a:rPr lang="en-US" sz="2000" dirty="0" err="1"/>
-                            <a:t>have</a:t>
-                          </a:r>
-                          <a:r>
-                            <a:rPr lang="en-US" sz="2000" dirty="0"/>
-                            <a:t> a property?</a:t>
-                          </a:r>
-                        </a:p>
-                      </a:txBody>
-                      <a:tcPr/>
-                    </a:tc>
-                    <a:tc>
-                      <a:txBody>
-                        <a:bodyPr/>
-                        <a:lstStyle/>
-                        <a:p>
-                          <a:pPr/>
-                          <a14:m>
-                            <m:oMathPara xmlns:m="http://schemas.openxmlformats.org/officeDocument/2006/math">
-                              <m:oMathParaPr>
-                                <m:jc m:val="centerGroup"/>
-                              </m:oMathParaPr>
-                              <m:oMath xmlns:m="http://schemas.openxmlformats.org/officeDocument/2006/math">
-                                <m:r>
-                                  <a:rPr lang="en-US" sz="2000" smtClean="0">
-                                    <a:latin typeface="Cambria Math" panose="02040503050406030204" pitchFamily="18" charset="0"/>
-                                  </a:rPr>
-                                  <m:t>𝑓</m:t>
-                                </m:r>
-                                <m:d>
-                                  <m:dPr>
-                                    <m:ctrlPr>
-                                      <a:rPr lang="en-US" sz="2000" i="1" smtClean="0">
-                                        <a:latin typeface="Cambria Math" panose="02040503050406030204" pitchFamily="18" charset="0"/>
-                                      </a:rPr>
-                                    </m:ctrlPr>
-                                  </m:dPr>
-                                  <m:e>
-                                    <m:r>
-                                      <a:rPr lang="en-US" sz="2000" smtClean="0">
-                                        <a:latin typeface="Cambria Math" panose="02040503050406030204" pitchFamily="18" charset="0"/>
-                                      </a:rPr>
-                                      <m:t>𝑏</m:t>
-                                    </m:r>
-                                  </m:e>
-                                </m:d>
-                                <m:r>
-                                  <a:rPr lang="en-US" sz="2000" smtClean="0">
-                                    <a:latin typeface="Cambria Math" panose="02040503050406030204" pitchFamily="18" charset="0"/>
-                                  </a:rPr>
-                                  <m:t>=1 </m:t>
-                                </m:r>
-                                <m:r>
-                                  <a:rPr lang="en-US" sz="2000" smtClean="0">
-                                    <a:latin typeface="Cambria Math" panose="02040503050406030204" pitchFamily="18" charset="0"/>
-                                  </a:rPr>
-                                  <m:t>𝑖𝑓</m:t>
-                                </m:r>
-                                <m:r>
-                                  <a:rPr lang="en-US" sz="2000" smtClean="0">
-                                    <a:latin typeface="Cambria Math" panose="02040503050406030204" pitchFamily="18" charset="0"/>
-                                  </a:rPr>
-                                  <m:t> </m:t>
-                                </m:r>
-                                <m:r>
-                                  <a:rPr lang="en-US" sz="2000" smtClean="0">
-                                    <a:latin typeface="Cambria Math" panose="02040503050406030204" pitchFamily="18" charset="0"/>
-                                  </a:rPr>
-                                  <m:t>𝑖𝑡</m:t>
-                                </m:r>
-                                <m:r>
-                                  <a:rPr lang="en-US" sz="2000" smtClean="0">
-                                    <a:latin typeface="Cambria Math" panose="02040503050406030204" pitchFamily="18" charset="0"/>
-                                  </a:rPr>
-                                  <m:t> </m:t>
-                                </m:r>
-                                <m:r>
-                                  <a:rPr lang="en-US" sz="2000" smtClean="0">
-                                    <a:latin typeface="Cambria Math" panose="02040503050406030204" pitchFamily="18" charset="0"/>
-                                  </a:rPr>
-                                  <m:t>𝑑𝑜𝑒𝑠</m:t>
-                                </m:r>
-                                <m:r>
-                                  <a:rPr lang="en-US" sz="2000" smtClean="0">
-                                    <a:latin typeface="Cambria Math" panose="02040503050406030204" pitchFamily="18" charset="0"/>
-                                  </a:rPr>
-                                  <m:t> </m:t>
-                                </m:r>
-                                <m:r>
-                                  <a:rPr lang="en-US" sz="2000" smtClean="0">
-                                    <a:latin typeface="Cambria Math" panose="02040503050406030204" pitchFamily="18" charset="0"/>
-                                  </a:rPr>
-                                  <m:t>h𝑎𝑣𝑒</m:t>
-                                </m:r>
-                                <m:r>
-                                  <a:rPr lang="en-US" sz="2000" smtClean="0">
-                                    <a:latin typeface="Cambria Math" panose="02040503050406030204" pitchFamily="18" charset="0"/>
-                                  </a:rPr>
-                                  <m:t> </m:t>
-                                </m:r>
-                                <m:r>
-                                  <a:rPr lang="en-US" sz="2000" smtClean="0">
-                                    <a:latin typeface="Cambria Math" panose="02040503050406030204" pitchFamily="18" charset="0"/>
-                                  </a:rPr>
-                                  <m:t>𝑡h𝑒</m:t>
-                                </m:r>
-                                <m:r>
-                                  <a:rPr lang="en-US" sz="2000" smtClean="0">
-                                    <a:latin typeface="Cambria Math" panose="02040503050406030204" pitchFamily="18" charset="0"/>
-                                  </a:rPr>
-                                  <m:t> </m:t>
-                                </m:r>
-                                <m:r>
-                                  <a:rPr lang="en-US" sz="2000" smtClean="0">
-                                    <a:latin typeface="Cambria Math" panose="02040503050406030204" pitchFamily="18" charset="0"/>
-                                  </a:rPr>
-                                  <m:t>𝑝𝑟𝑜𝑝𝑒𝑟𝑡𝑦</m:t>
-                                </m:r>
-                              </m:oMath>
-                            </m:oMathPara>
-                          </a14:m>
-                          <a:endParaRPr lang="en-US" sz="2000" dirty="0"/>
-                        </a:p>
-                      </a:txBody>
-                      <a:tcPr/>
-                    </a:tc>
-                    <a:tc>
-                      <a:txBody>
-                        <a:bodyPr/>
-                        <a:lstStyle/>
-                        <a:p>
-                          <a:pPr/>
-                          <a14:m>
-                            <m:oMathPara xmlns:m="http://schemas.openxmlformats.org/officeDocument/2006/math">
-                              <m:oMathParaPr>
-                                <m:jc m:val="centerGroup"/>
-                              </m:oMathParaPr>
-                              <m:oMath xmlns:m="http://schemas.openxmlformats.org/officeDocument/2006/math">
-                                <m:r>
-                                  <a:rPr lang="en-US" sz="2000" smtClean="0">
-                                    <a:latin typeface="Cambria Math" panose="02040503050406030204" pitchFamily="18" charset="0"/>
-                                  </a:rPr>
-                                  <m:t>{</m:t>
-                                </m:r>
-                                <m:r>
-                                  <a:rPr lang="en-US" sz="2000" smtClean="0">
-                                    <a:latin typeface="Cambria Math" panose="02040503050406030204" pitchFamily="18" charset="0"/>
-                                  </a:rPr>
-                                  <m:t>𝑏</m:t>
-                                </m:r>
-                                <m:r>
-                                  <a:rPr lang="en-US" sz="2000" smtClean="0">
-                                    <a:latin typeface="Cambria Math" panose="02040503050406030204" pitchFamily="18" charset="0"/>
-                                  </a:rPr>
-                                  <m:t>∈</m:t>
-                                </m:r>
-                                <m:sSup>
-                                  <m:sSupPr>
-                                    <m:ctrlPr>
-                                      <a:rPr lang="en-US" sz="2000" i="1" smtClean="0">
-                                        <a:latin typeface="Cambria Math" panose="02040503050406030204" pitchFamily="18" charset="0"/>
-                                      </a:rPr>
-                                    </m:ctrlPr>
-                                  </m:sSupPr>
-                                  <m:e>
-                                    <m:r>
-                                      <m:rPr>
-                                        <m:sty m:val="p"/>
-                                      </m:rPr>
-                                      <a:rPr lang="en-US" sz="2000" smtClean="0">
-                                        <a:latin typeface="Cambria Math" panose="02040503050406030204" pitchFamily="18" charset="0"/>
-                                      </a:rPr>
-                                      <m:t>Σ</m:t>
-                                    </m:r>
-                                  </m:e>
-                                  <m:sup>
-                                    <m:r>
-                                      <a:rPr lang="en-US" sz="2000" smtClean="0">
-                                        <a:latin typeface="Cambria Math" panose="02040503050406030204" pitchFamily="18" charset="0"/>
-                                      </a:rPr>
-                                      <m:t>∗</m:t>
-                                    </m:r>
-                                  </m:sup>
-                                </m:sSup>
-                                <m:r>
-                                  <a:rPr lang="en-US" sz="2000" smtClean="0">
-                                    <a:latin typeface="Cambria Math" panose="02040503050406030204" pitchFamily="18" charset="0"/>
-                                  </a:rPr>
-                                  <m:t>|</m:t>
-                                </m:r>
-                                <m:r>
-                                  <a:rPr lang="en-US" sz="2000" smtClean="0">
-                                    <a:latin typeface="Cambria Math" panose="02040503050406030204" pitchFamily="18" charset="0"/>
-                                  </a:rPr>
-                                  <m:t>𝑏</m:t>
-                                </m:r>
-                                <m:r>
-                                  <a:rPr lang="en-US" sz="2000" smtClean="0">
-                                    <a:latin typeface="Cambria Math" panose="02040503050406030204" pitchFamily="18" charset="0"/>
-                                  </a:rPr>
-                                  <m:t> </m:t>
-                                </m:r>
-                                <m:r>
-                                  <a:rPr lang="en-US" sz="2000" smtClean="0">
-                                    <a:latin typeface="Cambria Math" panose="02040503050406030204" pitchFamily="18" charset="0"/>
-                                  </a:rPr>
-                                  <m:t>h𝑎𝑠</m:t>
-                                </m:r>
-                                <m:r>
-                                  <a:rPr lang="en-US" sz="2000" smtClean="0">
-                                    <a:latin typeface="Cambria Math" panose="02040503050406030204" pitchFamily="18" charset="0"/>
-                                  </a:rPr>
-                                  <m:t> </m:t>
-                                </m:r>
-                                <m:r>
-                                  <a:rPr lang="en-US" sz="2000" smtClean="0">
-                                    <a:latin typeface="Cambria Math" panose="02040503050406030204" pitchFamily="18" charset="0"/>
-                                  </a:rPr>
-                                  <m:t>𝑡h𝑒</m:t>
-                                </m:r>
-                                <m:r>
-                                  <a:rPr lang="en-US" sz="2000" smtClean="0">
-                                    <a:latin typeface="Cambria Math" panose="02040503050406030204" pitchFamily="18" charset="0"/>
-                                  </a:rPr>
-                                  <m:t> </m:t>
-                                </m:r>
-                                <m:r>
-                                  <a:rPr lang="en-US" sz="2000" smtClean="0">
-                                    <a:latin typeface="Cambria Math" panose="02040503050406030204" pitchFamily="18" charset="0"/>
-                                  </a:rPr>
-                                  <m:t>𝑝𝑟𝑜𝑝𝑒𝑟𝑡𝑦</m:t>
-                                </m:r>
-                                <m:r>
-                                  <a:rPr lang="en-US" sz="2000" smtClean="0">
-                                    <a:latin typeface="Cambria Math" panose="02040503050406030204" pitchFamily="18" charset="0"/>
-                                  </a:rPr>
-                                  <m:t>}</m:t>
-                                </m:r>
-                              </m:oMath>
-                            </m:oMathPara>
-                          </a14:m>
-                          <a:endParaRPr lang="en-US" sz="2000" dirty="0"/>
-                        </a:p>
-                      </a:txBody>
-                      <a:tcPr/>
-                    </a:tc>
-                    <a:extLst>
-                      <a:ext uri="{0D108BD9-81ED-4DB2-BD59-A6C34878D82A}">
-                        <a16:rowId xmlns:a16="http://schemas.microsoft.com/office/drawing/2014/main" val="10003"/>
-                      </a:ext>
-                    </a:extLst>
-                  </a:tr>
-                  <a:tr h="838200">
-                    <a:tc>
-                      <a:txBody>
-                        <a:bodyPr/>
-                        <a:lstStyle/>
-                        <a:p>
-                          <a:r>
-                            <a:rPr lang="en-US" sz="2000" dirty="0"/>
-                            <a:t>Is1</a:t>
-                          </a:r>
-                        </a:p>
-                      </a:txBody>
-                      <a:tcPr/>
-                    </a:tc>
-                    <a:tc>
-                      <a:txBody>
-                        <a:bodyPr/>
-                        <a:lstStyle/>
-                        <a:p>
-                          <a:r>
-                            <a:rPr lang="en-US" sz="2000" dirty="0"/>
-                            <a:t>Is the string exactly “1”?</a:t>
-                          </a:r>
-                        </a:p>
-                      </a:txBody>
-                      <a:tcPr/>
-                    </a:tc>
-                    <a:tc>
-                      <a:txBody>
-                        <a:bodyPr/>
-                        <a:lstStyle/>
-                        <a:p>
-                          <a:pPr/>
-                          <a14:m>
-                            <m:oMathPara xmlns:m="http://schemas.openxmlformats.org/officeDocument/2006/math">
-                              <m:oMathParaPr>
-                                <m:jc m:val="centerGroup"/>
-                              </m:oMathParaPr>
-                              <m:oMath xmlns:m="http://schemas.openxmlformats.org/officeDocument/2006/math">
-                                <m:r>
-                                  <a:rPr lang="en-US" sz="2000" smtClean="0">
-                                    <a:latin typeface="Cambria Math" panose="02040503050406030204" pitchFamily="18" charset="0"/>
-                                  </a:rPr>
-                                  <m:t>𝑓</m:t>
-                                </m:r>
-                                <m:d>
-                                  <m:dPr>
-                                    <m:ctrlPr>
-                                      <a:rPr lang="en-US" sz="2000" i="1" smtClean="0">
-                                        <a:latin typeface="Cambria Math" panose="02040503050406030204" pitchFamily="18" charset="0"/>
-                                      </a:rPr>
-                                    </m:ctrlPr>
-                                  </m:dPr>
-                                  <m:e>
-                                    <m:r>
-                                      <a:rPr lang="en-US" sz="2000" smtClean="0">
-                                        <a:latin typeface="Cambria Math" panose="02040503050406030204" pitchFamily="18" charset="0"/>
-                                      </a:rPr>
-                                      <m:t>𝑏</m:t>
-                                    </m:r>
-                                  </m:e>
-                                </m:d>
-                                <m:r>
-                                  <a:rPr lang="en-US" sz="2000" smtClean="0">
-                                    <a:latin typeface="Cambria Math" panose="02040503050406030204" pitchFamily="18" charset="0"/>
-                                  </a:rPr>
-                                  <m:t>=1 </m:t>
-                                </m:r>
-                                <m:r>
-                                  <a:rPr lang="en-US" sz="2000" smtClean="0">
-                                    <a:latin typeface="Cambria Math" panose="02040503050406030204" pitchFamily="18" charset="0"/>
-                                  </a:rPr>
-                                  <m:t>𝑖𝑓</m:t>
-                                </m:r>
-                                <m:r>
-                                  <a:rPr lang="en-US" sz="2000" smtClean="0">
-                                    <a:latin typeface="Cambria Math" panose="02040503050406030204" pitchFamily="18" charset="0"/>
-                                  </a:rPr>
-                                  <m:t> </m:t>
-                                </m:r>
-                                <m:r>
-                                  <a:rPr lang="en-US" sz="2000" smtClean="0">
-                                    <a:latin typeface="Cambria Math" panose="02040503050406030204" pitchFamily="18" charset="0"/>
-                                  </a:rPr>
-                                  <m:t>𝑏</m:t>
-                                </m:r>
-                                <m:r>
-                                  <a:rPr lang="en-US" sz="2000" smtClean="0">
-                                    <a:latin typeface="Cambria Math" panose="02040503050406030204" pitchFamily="18" charset="0"/>
-                                  </a:rPr>
-                                  <m:t>==1</m:t>
-                                </m:r>
-                              </m:oMath>
-                            </m:oMathPara>
-                          </a14:m>
-                          <a:endParaRPr lang="en-US" sz="2000" dirty="0"/>
-                        </a:p>
-                      </a:txBody>
-                      <a:tcPr/>
-                    </a:tc>
-                    <a:tc>
-                      <a:txBody>
-                        <a:bodyPr/>
-                        <a:lstStyle/>
-                        <a:p>
-                          <a:pPr/>
-                          <a14:m>
-                            <m:oMathPara xmlns:m="http://schemas.openxmlformats.org/officeDocument/2006/math">
-                              <m:oMathParaPr>
-                                <m:jc m:val="centerGroup"/>
-                              </m:oMathParaPr>
-                              <m:oMath xmlns:m="http://schemas.openxmlformats.org/officeDocument/2006/math">
-                                <m:r>
-                                  <a:rPr lang="en-US" sz="2000" smtClean="0">
-                                    <a:latin typeface="Cambria Math" panose="02040503050406030204" pitchFamily="18" charset="0"/>
-                                  </a:rPr>
-                                  <m:t>{1}</m:t>
-                                </m:r>
-                              </m:oMath>
-                            </m:oMathPara>
-                          </a14:m>
-                          <a:endParaRPr lang="en-US" sz="2000" dirty="0"/>
-                        </a:p>
-                      </a:txBody>
-                      <a:tcPr/>
-                    </a:tc>
-                    <a:extLst>
-                      <a:ext uri="{0D108BD9-81ED-4DB2-BD59-A6C34878D82A}">
-                        <a16:rowId xmlns:a16="http://schemas.microsoft.com/office/drawing/2014/main" val="1705036017"/>
-                      </a:ext>
-                    </a:extLst>
-                  </a:tr>
-                  <a:tr h="838200">
-                    <a:tc>
-                      <a:txBody>
-                        <a:bodyPr/>
-                        <a:lstStyle/>
-                        <a:p>
-                          <a:r>
-                            <a:rPr lang="en-US" sz="2000" dirty="0" err="1"/>
-                            <a:t>Is_infinite</a:t>
-                          </a:r>
-                          <a:endParaRPr lang="en-US" sz="2000" dirty="0"/>
-                        </a:p>
-                      </a:txBody>
-                      <a:tcPr/>
-                    </a:tc>
-                    <a:tc>
-                      <a:txBody>
-                        <a:bodyPr/>
-                        <a:lstStyle/>
-                        <a:p>
-                          <a:r>
-                            <a:rPr lang="en-US" sz="2000" dirty="0"/>
-                            <a:t>Is the length of the string infinite?</a:t>
-                          </a:r>
-                        </a:p>
-                      </a:txBody>
-                      <a:tcPr/>
-                    </a:tc>
-                    <a:tc>
-                      <a:txBody>
-                        <a:bodyPr/>
-                        <a:lstStyle/>
-                        <a:p>
-                          <a:pPr/>
-                          <a14:m>
-                            <m:oMathPara xmlns:m="http://schemas.openxmlformats.org/officeDocument/2006/math">
-                              <m:oMathParaPr>
-                                <m:jc m:val="centerGroup"/>
-                              </m:oMathParaPr>
-                              <m:oMath xmlns:m="http://schemas.openxmlformats.org/officeDocument/2006/math">
-                                <m:r>
-                                  <a:rPr lang="en-US" sz="2000" smtClean="0">
-                                    <a:latin typeface="Cambria Math" panose="02040503050406030204" pitchFamily="18" charset="0"/>
-                                  </a:rPr>
-                                  <m:t>𝑓</m:t>
-                                </m:r>
-                                <m:d>
-                                  <m:dPr>
-                                    <m:ctrlPr>
-                                      <a:rPr lang="en-US" sz="2000" i="1" smtClean="0">
-                                        <a:latin typeface="Cambria Math" panose="02040503050406030204" pitchFamily="18" charset="0"/>
-                                      </a:rPr>
-                                    </m:ctrlPr>
-                                  </m:dPr>
-                                  <m:e>
-                                    <m:r>
-                                      <a:rPr lang="en-US" sz="2000" smtClean="0">
-                                        <a:latin typeface="Cambria Math" panose="02040503050406030204" pitchFamily="18" charset="0"/>
-                                      </a:rPr>
-                                      <m:t>𝑏</m:t>
-                                    </m:r>
-                                  </m:e>
-                                </m:d>
-                                <m:r>
-                                  <a:rPr lang="en-US" sz="2000" smtClean="0">
-                                    <a:latin typeface="Cambria Math" panose="02040503050406030204" pitchFamily="18" charset="0"/>
-                                  </a:rPr>
-                                  <m:t>=0</m:t>
-                                </m:r>
-                              </m:oMath>
-                            </m:oMathPara>
-                          </a14:m>
-                          <a:endParaRPr lang="en-US" sz="2000" dirty="0"/>
-                        </a:p>
-                      </a:txBody>
-                      <a:tcPr/>
-                    </a:tc>
-                    <a:tc>
-                      <a:txBody>
-                        <a:bodyPr/>
-                        <a:lstStyle/>
-                        <a:p>
-                          <a:pPr/>
-                          <a14:m>
-                            <m:oMathPara xmlns:m="http://schemas.openxmlformats.org/officeDocument/2006/math">
-                              <m:oMathParaPr>
-                                <m:jc m:val="centerGroup"/>
-                              </m:oMathParaPr>
-                              <m:oMath xmlns:m="http://schemas.openxmlformats.org/officeDocument/2006/math">
-                                <m:r>
-                                  <a:rPr lang="en-US" sz="2000" smtClean="0">
-                                    <a:latin typeface="Cambria Math" panose="02040503050406030204" pitchFamily="18" charset="0"/>
-                                  </a:rPr>
-                                  <m:t>∅</m:t>
-                                </m:r>
-                              </m:oMath>
-                            </m:oMathPara>
-                          </a14:m>
-                          <a:endParaRPr lang="en-US" sz="2000" dirty="0"/>
-                        </a:p>
-                      </a:txBody>
-                      <a:tcPr/>
-                    </a:tc>
-                    <a:extLst>
-                      <a:ext uri="{0D108BD9-81ED-4DB2-BD59-A6C34878D82A}">
-                        <a16:rowId xmlns:a16="http://schemas.microsoft.com/office/drawing/2014/main" val="2619578809"/>
-                      </a:ext>
-                    </a:extLst>
-                  </a:tr>
-                </a:tbl>
-              </a:graphicData>
-            </a:graphic>
-          </p:graphicFrame>
-        </mc:Choice>
-        <mc:Fallback xmlns="">
-          <p:graphicFrame>
-            <p:nvGraphicFramePr>
-              <p:cNvPr id="4" name="Content Placeholder 4">
-                <a:extLst>
-                  <a:ext uri="{FF2B5EF4-FFF2-40B4-BE49-F238E27FC236}">
-                    <a16:creationId xmlns:a16="http://schemas.microsoft.com/office/drawing/2014/main" id="{744993AE-F321-E34D-A66F-50378FE92264}"/>
-                  </a:ext>
-                </a:extLst>
-              </p:cNvPr>
-              <p:cNvGraphicFramePr>
-                <a:graphicFrameLocks/>
-              </p:cNvGraphicFramePr>
-              <p:nvPr>
-                <p:extLst>
-                  <p:ext uri="{D42A27DB-BD31-4B8C-83A1-F6EECF244321}">
-                    <p14:modId xmlns:p14="http://schemas.microsoft.com/office/powerpoint/2010/main" val="3702788926"/>
-                  </p:ext>
-                </p:extLst>
-              </p:nvPr>
-            </p:nvGraphicFramePr>
-            <p:xfrm>
-              <a:off x="152430" y="1517904"/>
-              <a:ext cx="11883962" cy="4343400"/>
-            </p:xfrm>
-            <a:graphic>
-              <a:graphicData uri="http://schemas.openxmlformats.org/drawingml/2006/table">
-                <a:tbl>
-                  <a:tblPr firstRow="1" bandRow="1">
-                    <a:tableStyleId>{073A0DAA-6AF3-43AB-8588-CEC1D06C72B9}</a:tableStyleId>
-                  </a:tblPr>
-                  <a:tblGrid>
-                    <a:gridCol w="1715516">
-                      <a:extLst>
-                        <a:ext uri="{9D8B030D-6E8A-4147-A177-3AD203B41FA5}">
-                          <a16:colId xmlns:a16="http://schemas.microsoft.com/office/drawing/2014/main" val="20000"/>
-                        </a:ext>
-                      </a:extLst>
-                    </a:gridCol>
-                    <a:gridCol w="2193925">
-                      <a:extLst>
-                        <a:ext uri="{9D8B030D-6E8A-4147-A177-3AD203B41FA5}">
-                          <a16:colId xmlns:a16="http://schemas.microsoft.com/office/drawing/2014/main" val="20001"/>
-                        </a:ext>
-                      </a:extLst>
-                    </a:gridCol>
-                    <a:gridCol w="3983828">
-                      <a:extLst>
-                        <a:ext uri="{9D8B030D-6E8A-4147-A177-3AD203B41FA5}">
-                          <a16:colId xmlns:a16="http://schemas.microsoft.com/office/drawing/2014/main" val="20002"/>
-                        </a:ext>
-                      </a:extLst>
-                    </a:gridCol>
-                    <a:gridCol w="3990693">
-                      <a:extLst>
-                        <a:ext uri="{9D8B030D-6E8A-4147-A177-3AD203B41FA5}">
-                          <a16:colId xmlns:a16="http://schemas.microsoft.com/office/drawing/2014/main" val="20003"/>
-                        </a:ext>
-                      </a:extLst>
-                    </a:gridCol>
-                  </a:tblGrid>
-                  <a:tr h="396240">
-                    <a:tc>
-                      <a:txBody>
-                        <a:bodyPr/>
-                        <a:lstStyle/>
-                        <a:p>
-                          <a:r>
-                            <a:rPr lang="en-US" sz="2000"/>
-                            <a:t>Name</a:t>
-                          </a:r>
-                        </a:p>
-                      </a:txBody>
-                      <a:tcPr/>
-                    </a:tc>
-                    <a:tc>
-                      <a:txBody>
-                        <a:bodyPr/>
-                        <a:lstStyle/>
-                        <a:p>
-                          <a:r>
-                            <a:rPr lang="en-US" sz="2000" dirty="0"/>
-                            <a:t>Decision Problem</a:t>
-                          </a:r>
-                        </a:p>
-                      </a:txBody>
-                      <a:tcPr/>
-                    </a:tc>
-                    <a:tc>
-                      <a:txBody>
-                        <a:bodyPr/>
-                        <a:lstStyle/>
-                        <a:p>
-                          <a:r>
-                            <a:rPr lang="en-US" sz="2000"/>
-                            <a:t>Function</a:t>
-                          </a:r>
-                        </a:p>
-                      </a:txBody>
-                      <a:tcPr/>
-                    </a:tc>
-                    <a:tc>
-                      <a:txBody>
-                        <a:bodyPr/>
-                        <a:lstStyle/>
-                        <a:p>
-                          <a:r>
-                            <a:rPr lang="en-US" sz="2000" dirty="0"/>
-                            <a:t>Language</a:t>
-                          </a:r>
-                        </a:p>
-                      </a:txBody>
-                      <a:tcPr/>
-                    </a:tc>
-                    <a:extLst>
-                      <a:ext uri="{0D108BD9-81ED-4DB2-BD59-A6C34878D82A}">
-                        <a16:rowId xmlns:a16="http://schemas.microsoft.com/office/drawing/2014/main" val="10000"/>
-                      </a:ext>
-                    </a:extLst>
-                  </a:tr>
-                  <a:tr h="771335">
-                    <a:tc>
-                      <a:txBody>
-                        <a:bodyPr/>
-                        <a:lstStyle/>
-                        <a:p>
-                          <a:r>
-                            <a:rPr lang="en-US" sz="2000" baseline="0" dirty="0"/>
-                            <a:t>XOR</a:t>
-                          </a:r>
-                          <a:endParaRPr lang="en-US" sz="2000" dirty="0"/>
-                        </a:p>
-                      </a:txBody>
-                      <a:tcPr/>
-                    </a:tc>
-                    <a:tc>
-                      <a:txBody>
-                        <a:bodyPr/>
-                        <a:lstStyle/>
-                        <a:p>
-                          <a:r>
-                            <a:rPr lang="en-US" sz="2000" dirty="0"/>
-                            <a:t>Are there an odd number of 1’s?</a:t>
-                          </a:r>
-                        </a:p>
-                      </a:txBody>
-                      <a:tcPr/>
-                    </a:tc>
-                    <a:tc>
-                      <a:txBody>
-                        <a:bodyPr/>
-                        <a:lstStyle/>
-                        <a:p>
-                          <a:endParaRPr lang="en-US"/>
-                        </a:p>
-                      </a:txBody>
-                      <a:tcPr>
-                        <a:blipFill>
-                          <a:blip r:embed="rId2"/>
-                          <a:stretch>
-                            <a:fillRect l="-98408" t="-196721" r="-100318" b="-411475"/>
-                          </a:stretch>
-                        </a:blipFill>
-                      </a:tcPr>
-                    </a:tc>
-                    <a:tc>
-                      <a:txBody>
-                        <a:bodyPr/>
-                        <a:lstStyle/>
-                        <a:p>
-                          <a:endParaRPr lang="en-US"/>
-                        </a:p>
-                      </a:txBody>
-                      <a:tcPr>
-                        <a:blipFill>
-                          <a:blip r:embed="rId2"/>
-                          <a:stretch>
-                            <a:fillRect l="-198408" t="-196721" r="-318" b="-411475"/>
-                          </a:stretch>
-                        </a:blipFill>
-                      </a:tcPr>
-                    </a:tc>
-                    <a:extLst>
-                      <a:ext uri="{0D108BD9-81ED-4DB2-BD59-A6C34878D82A}">
-                        <a16:rowId xmlns:a16="http://schemas.microsoft.com/office/drawing/2014/main" val="10001"/>
-                      </a:ext>
-                    </a:extLst>
-                  </a:tr>
-                  <a:tr h="771335">
-                    <a:tc>
-                      <a:txBody>
-                        <a:bodyPr/>
-                        <a:lstStyle/>
-                        <a:p>
-                          <a:r>
-                            <a:rPr lang="en-US" sz="2000"/>
-                            <a:t>Majority</a:t>
-                          </a:r>
-                        </a:p>
-                      </a:txBody>
-                      <a:tcPr/>
-                    </a:tc>
-                    <a:tc>
-                      <a:txBody>
-                        <a:bodyPr/>
-                        <a:lstStyle/>
-                        <a:p>
-                          <a:r>
-                            <a:rPr lang="en-US" sz="2000" dirty="0"/>
-                            <a:t>Are there</a:t>
-                          </a:r>
-                          <a:r>
-                            <a:rPr lang="en-US" sz="2000" baseline="0" dirty="0"/>
-                            <a:t> more 1s than 0s?</a:t>
-                          </a:r>
-                          <a:endParaRPr lang="en-US" sz="2000" dirty="0"/>
-                        </a:p>
-                      </a:txBody>
-                      <a:tcPr/>
-                    </a:tc>
-                    <a:tc>
-                      <a:txBody>
-                        <a:bodyPr/>
-                        <a:lstStyle/>
-                        <a:p>
-                          <a:endParaRPr lang="en-US"/>
-                        </a:p>
-                      </a:txBody>
-                      <a:tcPr>
-                        <a:blipFill>
-                          <a:blip r:embed="rId2"/>
-                          <a:stretch>
-                            <a:fillRect l="-98408" t="-296721" r="-100318" b="-311475"/>
-                          </a:stretch>
-                        </a:blipFill>
-                      </a:tcPr>
-                    </a:tc>
-                    <a:tc>
-                      <a:txBody>
-                        <a:bodyPr/>
-                        <a:lstStyle/>
-                        <a:p>
-                          <a:endParaRPr lang="en-US"/>
-                        </a:p>
-                      </a:txBody>
-                      <a:tcPr>
-                        <a:blipFill>
-                          <a:blip r:embed="rId2"/>
-                          <a:stretch>
-                            <a:fillRect l="-198408" t="-296721" r="-318" b="-311475"/>
-                          </a:stretch>
-                        </a:blipFill>
-                      </a:tcPr>
-                    </a:tc>
-                    <a:extLst>
-                      <a:ext uri="{0D108BD9-81ED-4DB2-BD59-A6C34878D82A}">
-                        <a16:rowId xmlns:a16="http://schemas.microsoft.com/office/drawing/2014/main" val="10002"/>
-                      </a:ext>
-                    </a:extLst>
-                  </a:tr>
-                  <a:tr h="728090">
-                    <a:tc>
-                      <a:txBody>
-                        <a:bodyPr/>
-                        <a:lstStyle/>
-                        <a:p>
-                          <a:r>
-                            <a:rPr lang="en-US" sz="2000" dirty="0"/>
-                            <a:t>Thing you want to compute</a:t>
-                          </a:r>
-                        </a:p>
-                      </a:txBody>
-                      <a:tcPr/>
-                    </a:tc>
-                    <a:tc>
-                      <a:txBody>
-                        <a:bodyPr/>
-                        <a:lstStyle/>
-                        <a:p>
-                          <a:r>
-                            <a:rPr lang="en-US" sz="2000" dirty="0"/>
-                            <a:t>Does it have </a:t>
-                          </a:r>
-                          <a:r>
-                            <a:rPr lang="en-US" sz="2000" dirty="0" err="1"/>
-                            <a:t>have</a:t>
-                          </a:r>
-                          <a:r>
-                            <a:rPr lang="en-US" sz="2000" dirty="0"/>
-                            <a:t> a property?</a:t>
-                          </a:r>
-                        </a:p>
-                      </a:txBody>
-                      <a:tcPr/>
-                    </a:tc>
-                    <a:tc>
-                      <a:txBody>
-                        <a:bodyPr/>
-                        <a:lstStyle/>
-                        <a:p>
-                          <a:endParaRPr lang="en-US"/>
-                        </a:p>
-                      </a:txBody>
-                      <a:tcPr>
-                        <a:blipFill>
-                          <a:blip r:embed="rId2"/>
-                          <a:stretch>
-                            <a:fillRect l="-98408" t="-417241" r="-100318" b="-227586"/>
-                          </a:stretch>
-                        </a:blipFill>
-                      </a:tcPr>
-                    </a:tc>
-                    <a:tc>
-                      <a:txBody>
-                        <a:bodyPr/>
-                        <a:lstStyle/>
-                        <a:p>
-                          <a:endParaRPr lang="en-US"/>
-                        </a:p>
-                      </a:txBody>
-                      <a:tcPr>
-                        <a:blipFill>
-                          <a:blip r:embed="rId2"/>
-                          <a:stretch>
-                            <a:fillRect l="-198408" t="-417241" r="-318" b="-227586"/>
-                          </a:stretch>
-                        </a:blipFill>
-                      </a:tcPr>
-                    </a:tc>
-                    <a:extLst>
-                      <a:ext uri="{0D108BD9-81ED-4DB2-BD59-A6C34878D82A}">
-                        <a16:rowId xmlns:a16="http://schemas.microsoft.com/office/drawing/2014/main" val="10003"/>
-                      </a:ext>
-                    </a:extLst>
-                  </a:tr>
-                  <a:tr h="838200">
-                    <a:tc>
-                      <a:txBody>
-                        <a:bodyPr/>
-                        <a:lstStyle/>
-                        <a:p>
-                          <a:r>
-                            <a:rPr lang="en-US" sz="2000" dirty="0"/>
-                            <a:t>Is1</a:t>
-                          </a:r>
-                        </a:p>
-                      </a:txBody>
-                      <a:tcPr/>
-                    </a:tc>
-                    <a:tc>
-                      <a:txBody>
-                        <a:bodyPr/>
-                        <a:lstStyle/>
-                        <a:p>
-                          <a:r>
-                            <a:rPr lang="en-US" sz="2000" dirty="0"/>
-                            <a:t>Is the string exactly “1”?</a:t>
-                          </a:r>
-                        </a:p>
-                      </a:txBody>
-                      <a:tcPr/>
-                    </a:tc>
-                    <a:tc>
-                      <a:txBody>
-                        <a:bodyPr/>
-                        <a:lstStyle/>
-                        <a:p>
-                          <a:endParaRPr lang="en-US"/>
-                        </a:p>
-                      </a:txBody>
-                      <a:tcPr>
-                        <a:blipFill>
-                          <a:blip r:embed="rId2"/>
-                          <a:stretch>
-                            <a:fillRect l="-98408" t="-454545" r="-100318" b="-100000"/>
-                          </a:stretch>
-                        </a:blipFill>
-                      </a:tcPr>
-                    </a:tc>
-                    <a:tc>
-                      <a:txBody>
-                        <a:bodyPr/>
-                        <a:lstStyle/>
-                        <a:p>
-                          <a:endParaRPr lang="en-US"/>
-                        </a:p>
-                      </a:txBody>
-                      <a:tcPr>
-                        <a:blipFill>
-                          <a:blip r:embed="rId2"/>
-                          <a:stretch>
-                            <a:fillRect l="-198408" t="-454545" r="-318" b="-100000"/>
-                          </a:stretch>
-                        </a:blipFill>
-                      </a:tcPr>
-                    </a:tc>
-                    <a:extLst>
-                      <a:ext uri="{0D108BD9-81ED-4DB2-BD59-A6C34878D82A}">
-                        <a16:rowId xmlns:a16="http://schemas.microsoft.com/office/drawing/2014/main" val="1705036017"/>
-                      </a:ext>
-                    </a:extLst>
-                  </a:tr>
-                  <a:tr h="838200">
-                    <a:tc>
-                      <a:txBody>
-                        <a:bodyPr/>
-                        <a:lstStyle/>
-                        <a:p>
-                          <a:r>
-                            <a:rPr lang="en-US" sz="2000" dirty="0" err="1"/>
-                            <a:t>Is_infinite</a:t>
-                          </a:r>
-                          <a:endParaRPr lang="en-US" sz="2000" dirty="0"/>
-                        </a:p>
-                      </a:txBody>
-                      <a:tcPr/>
-                    </a:tc>
-                    <a:tc>
-                      <a:txBody>
-                        <a:bodyPr/>
-                        <a:lstStyle/>
-                        <a:p>
-                          <a:r>
-                            <a:rPr lang="en-US" sz="2000" dirty="0"/>
-                            <a:t>Is the length of the string infinite?</a:t>
-                          </a:r>
-                        </a:p>
-                      </a:txBody>
-                      <a:tcPr/>
-                    </a:tc>
-                    <a:tc>
-                      <a:txBody>
-                        <a:bodyPr/>
-                        <a:lstStyle/>
-                        <a:p>
-                          <a:endParaRPr lang="en-US"/>
-                        </a:p>
-                      </a:txBody>
-                      <a:tcPr>
-                        <a:blipFill>
-                          <a:blip r:embed="rId2"/>
-                          <a:stretch>
-                            <a:fillRect l="-98408" t="-554545" r="-100318"/>
-                          </a:stretch>
-                        </a:blipFill>
-                      </a:tcPr>
-                    </a:tc>
-                    <a:tc>
-                      <a:txBody>
-                        <a:bodyPr/>
-                        <a:lstStyle/>
-                        <a:p>
-                          <a:endParaRPr lang="en-US"/>
-                        </a:p>
-                      </a:txBody>
-                      <a:tcPr>
-                        <a:blipFill>
-                          <a:blip r:embed="rId2"/>
-                          <a:stretch>
-                            <a:fillRect l="-198408" t="-554545" r="-318"/>
-                          </a:stretch>
-                        </a:blipFill>
-                      </a:tcPr>
-                    </a:tc>
-                    <a:extLst>
-                      <a:ext uri="{0D108BD9-81ED-4DB2-BD59-A6C34878D82A}">
-                        <a16:rowId xmlns:a16="http://schemas.microsoft.com/office/drawing/2014/main" val="2619578809"/>
-                      </a:ext>
-                    </a:extLst>
-                  </a:tr>
-                </a:tbl>
-              </a:graphicData>
-            </a:graphic>
-          </p:graphicFrame>
-        </mc:Fallback>
-      </mc:AlternateContent>
-    </p:spTree>
-    <p:extLst>
-      <p:ext uri="{BB962C8B-B14F-4D97-AF65-F5344CB8AC3E}">
-        <p14:creationId xmlns:p14="http://schemas.microsoft.com/office/powerpoint/2010/main" val="3534439191"/>
-      </p:ext>
-    </p:extLst>
-  </p:cSld>
-  <p:clrMapOvr>
-    <a:masterClrMapping/>
-  </p:clrMapOvr>
-</p:sld>
-</file>
-
-<file path=ppt/slides/slide5.xml><?xml version="1.0" encoding="utf-8"?>
-<p:sld xmlns:a="http://schemas.openxmlformats.org/drawingml/2006/main" xmlns:r="http://schemas.openxmlformats.org/officeDocument/2006/relationships" xmlns:p="http://schemas.openxmlformats.org/presentationml/2006/main">
-  <p:cSld>
-    <p:spTree>
-      <p:nvGrpSpPr>
-        <p:cNvPr id="1" name=""/>
-        <p:cNvGrpSpPr/>
-        <p:nvPr/>
-      </p:nvGrpSpPr>
-      <p:grpSpPr>
-        <a:xfrm>
-          <a:off x="0" y="0"/>
-          <a:ext cx="0" cy="0"/>
-          <a:chOff x="0" y="0"/>
-          <a:chExt cx="0" cy="0"/>
-        </a:xfrm>
-      </p:grpSpPr>
       <p:sp>
         <p:nvSpPr>
-          <p:cNvPr id="2" name="Title 1">
+          <p:cNvPr id="18" name="Content Placeholder 2">
             <a:extLst>
               <a:ext uri="{FF2B5EF4-FFF2-40B4-BE49-F238E27FC236}">
-                <a16:creationId xmlns:a16="http://schemas.microsoft.com/office/drawing/2014/main" id="{9A0AA12C-3A0D-9343-9CC3-FB950DB38391}"/>
+                <a16:creationId xmlns:a16="http://schemas.microsoft.com/office/drawing/2014/main" id="{6D2B9FF3-5063-EB43-90DC-8D24C1437B8D}"/>
               </a:ext>
             </a:extLst>
           </p:cNvPr>
-          <p:cNvSpPr>
-            <a:spLocks noGrp="1"/>
+          <p:cNvSpPr txBox="1">
+            <a:spLocks/>
           </p:cNvSpPr>
-          <p:nvPr>
-            <p:ph type="title"/>
-          </p:nvPr>
+          <p:nvPr/>
         </p:nvSpPr>
         <p:spPr>
           <a:xfrm>
-            <a:off x="1141412" y="234470"/>
-            <a:ext cx="9905998" cy="670786"/>
+            <a:off x="2083904" y="3003606"/>
+            <a:ext cx="8085151" cy="389601"/>
           </a:xfrm>
+          <a:prstGeom prst="rect">
+            <a:avLst/>
+          </a:prstGeom>
         </p:spPr>
         <p:txBody>
-          <a:bodyPr/>
-          <a:lstStyle/>
+          <a:bodyPr vert="horz" lIns="91440" tIns="45720" rIns="91440" bIns="45720" rtlCol="0">
+            <a:normAutofit lnSpcReduction="10000"/>
+          </a:bodyPr>
+          <a:lstStyle>
+            <a:lvl1pPr marL="228600" indent="-228600" algn="l" defTabSz="914400" rtl="0" eaLnBrk="1" latinLnBrk="0" hangingPunct="1">
+              <a:lnSpc>
+                <a:spcPct val="120000"/>
+              </a:lnSpc>
+              <a:spcBef>
+                <a:spcPts val="1000"/>
+              </a:spcBef>
+              <a:buSzPct val="125000"/>
+              <a:buFont typeface="Arial" panose="020B0604020202020204" pitchFamily="34" charset="0"/>
+              <a:buChar char="•"/>
+              <a:defRPr sz="2400" kern="1200">
+                <a:solidFill>
+                  <a:schemeClr val="tx1"/>
+                </a:solidFill>
+                <a:latin typeface="+mn-lt"/>
+                <a:ea typeface="+mn-ea"/>
+                <a:cs typeface="+mn-cs"/>
+              </a:defRPr>
+            </a:lvl1pPr>
+            <a:lvl2pPr marL="685800" indent="-228600" algn="l" defTabSz="914400" rtl="0" eaLnBrk="1" latinLnBrk="0" hangingPunct="1">
+              <a:lnSpc>
+                <a:spcPct val="120000"/>
+              </a:lnSpc>
+              <a:spcBef>
+                <a:spcPts val="500"/>
+              </a:spcBef>
+              <a:buSzPct val="125000"/>
+              <a:buFont typeface="Arial" panose="020B0604020202020204" pitchFamily="34" charset="0"/>
+              <a:buChar char="•"/>
+              <a:defRPr sz="2000" kern="1200">
+                <a:solidFill>
+                  <a:schemeClr val="tx1"/>
+                </a:solidFill>
+                <a:latin typeface="+mn-lt"/>
+                <a:ea typeface="+mn-ea"/>
+                <a:cs typeface="+mn-cs"/>
+              </a:defRPr>
+            </a:lvl2pPr>
+            <a:lvl3pPr marL="1143000" indent="-228600" algn="l" defTabSz="914400" rtl="0" eaLnBrk="1" latinLnBrk="0" hangingPunct="1">
+              <a:lnSpc>
+                <a:spcPct val="120000"/>
+              </a:lnSpc>
+              <a:spcBef>
+                <a:spcPts val="500"/>
+              </a:spcBef>
+              <a:buSzPct val="125000"/>
+              <a:buFont typeface="Arial" panose="020B0604020202020204" pitchFamily="34" charset="0"/>
+              <a:buChar char="•"/>
+              <a:defRPr sz="1800" kern="1200">
+                <a:solidFill>
+                  <a:schemeClr val="tx1"/>
+                </a:solidFill>
+                <a:latin typeface="+mn-lt"/>
+                <a:ea typeface="+mn-ea"/>
+                <a:cs typeface="+mn-cs"/>
+              </a:defRPr>
+            </a:lvl3pPr>
+            <a:lvl4pPr marL="1600200" indent="-228600" algn="l" defTabSz="914400" rtl="0" eaLnBrk="1" latinLnBrk="0" hangingPunct="1">
+              <a:lnSpc>
+                <a:spcPct val="120000"/>
+              </a:lnSpc>
+              <a:spcBef>
+                <a:spcPts val="500"/>
+              </a:spcBef>
+              <a:buSzPct val="125000"/>
+              <a:buFont typeface="Arial" panose="020B0604020202020204" pitchFamily="34" charset="0"/>
+              <a:buChar char="•"/>
+              <a:defRPr sz="1600" kern="1200">
+                <a:solidFill>
+                  <a:schemeClr val="tx1"/>
+                </a:solidFill>
+                <a:latin typeface="+mn-lt"/>
+                <a:ea typeface="+mn-ea"/>
+                <a:cs typeface="+mn-cs"/>
+              </a:defRPr>
+            </a:lvl4pPr>
+            <a:lvl5pPr marL="2057400" indent="-228600" algn="l" defTabSz="914400" rtl="0" eaLnBrk="1" latinLnBrk="0" hangingPunct="1">
+              <a:lnSpc>
+                <a:spcPct val="120000"/>
+              </a:lnSpc>
+              <a:spcBef>
+                <a:spcPts val="500"/>
+              </a:spcBef>
+              <a:buSzPct val="125000"/>
+              <a:buFont typeface="Arial" panose="020B0604020202020204" pitchFamily="34" charset="0"/>
+              <a:buChar char="•"/>
+              <a:defRPr sz="1600" kern="1200">
+                <a:solidFill>
+                  <a:schemeClr val="tx1"/>
+                </a:solidFill>
+                <a:latin typeface="+mn-lt"/>
+                <a:ea typeface="+mn-ea"/>
+                <a:cs typeface="+mn-cs"/>
+              </a:defRPr>
+            </a:lvl5pPr>
+            <a:lvl6pPr marL="2514600" indent="-228600" algn="l" defTabSz="914400" rtl="0" eaLnBrk="1" latinLnBrk="0" hangingPunct="1">
+              <a:lnSpc>
+                <a:spcPct val="120000"/>
+              </a:lnSpc>
+              <a:spcBef>
+                <a:spcPts val="500"/>
+              </a:spcBef>
+              <a:buSzPct val="125000"/>
+              <a:buFont typeface="Arial" panose="020B0604020202020204" pitchFamily="34" charset="0"/>
+              <a:buChar char="•"/>
+              <a:defRPr sz="1400" kern="1200">
+                <a:solidFill>
+                  <a:schemeClr val="tx1"/>
+                </a:solidFill>
+                <a:latin typeface="+mn-lt"/>
+                <a:ea typeface="+mn-ea"/>
+                <a:cs typeface="+mn-cs"/>
+              </a:defRPr>
+            </a:lvl6pPr>
+            <a:lvl7pPr marL="2971800" indent="-228600" algn="l" defTabSz="914400" rtl="0" eaLnBrk="1" latinLnBrk="0" hangingPunct="1">
+              <a:lnSpc>
+                <a:spcPct val="120000"/>
+              </a:lnSpc>
+              <a:spcBef>
+                <a:spcPts val="500"/>
+              </a:spcBef>
+              <a:buSzPct val="125000"/>
+              <a:buFont typeface="Arial" panose="020B0604020202020204" pitchFamily="34" charset="0"/>
+              <a:buChar char="•"/>
+              <a:defRPr sz="1400" kern="1200">
+                <a:solidFill>
+                  <a:schemeClr val="tx1"/>
+                </a:solidFill>
+                <a:latin typeface="+mn-lt"/>
+                <a:ea typeface="+mn-ea"/>
+                <a:cs typeface="+mn-cs"/>
+              </a:defRPr>
+            </a:lvl7pPr>
+            <a:lvl8pPr marL="3429000" indent="-228600" algn="l" defTabSz="914400" rtl="0" eaLnBrk="1" latinLnBrk="0" hangingPunct="1">
+              <a:lnSpc>
+                <a:spcPct val="120000"/>
+              </a:lnSpc>
+              <a:spcBef>
+                <a:spcPts val="500"/>
+              </a:spcBef>
+              <a:buSzPct val="125000"/>
+              <a:buFont typeface="Arial" panose="020B0604020202020204" pitchFamily="34" charset="0"/>
+              <a:buChar char="•"/>
+              <a:defRPr sz="1400" kern="1200">
+                <a:solidFill>
+                  <a:schemeClr val="tx1"/>
+                </a:solidFill>
+                <a:latin typeface="+mn-lt"/>
+                <a:ea typeface="+mn-ea"/>
+                <a:cs typeface="+mn-cs"/>
+              </a:defRPr>
+            </a:lvl8pPr>
+            <a:lvl9pPr marL="3886200" indent="-228600" algn="l" defTabSz="914400" rtl="0" eaLnBrk="1" latinLnBrk="0" hangingPunct="1">
+              <a:lnSpc>
+                <a:spcPct val="120000"/>
+              </a:lnSpc>
+              <a:spcBef>
+                <a:spcPts val="500"/>
+              </a:spcBef>
+              <a:buSzPct val="125000"/>
+              <a:buFont typeface="Arial" panose="020B0604020202020204" pitchFamily="34" charset="0"/>
+              <a:buChar char="•"/>
+              <a:defRPr sz="1400" kern="1200">
+                <a:solidFill>
+                  <a:schemeClr val="tx1"/>
+                </a:solidFill>
+                <a:latin typeface="+mn-lt"/>
+                <a:ea typeface="+mn-ea"/>
+                <a:cs typeface="+mn-cs"/>
+              </a:defRPr>
+            </a:lvl9pPr>
+          </a:lstStyle>
           <a:p>
-            <a:pPr algn="ctr"/>
+            <a:pPr marL="0" indent="0" algn="ctr">
+              <a:buFont typeface="Arial" panose="020B0604020202020204" pitchFamily="34" charset="0"/>
+              <a:buNone/>
+            </a:pPr>
             <a:r>
-              <a:rPr lang="en-US" dirty="0"/>
-              <a:t>Chomsky Hierarchy</a:t>
+              <a:rPr lang="en-US" sz="1800" i="1" dirty="0"/>
+              <a:t>Computational Models</a:t>
             </a:r>
           </a:p>
         </p:txBody>
       </p:sp>
-      <p:pic>
-        <p:nvPicPr>
-          <p:cNvPr id="5" name="Picture 4">
+      <p:sp>
+        <p:nvSpPr>
+          <p:cNvPr id="19" name="Content Placeholder 2">
             <a:extLst>
               <a:ext uri="{FF2B5EF4-FFF2-40B4-BE49-F238E27FC236}">
-                <a16:creationId xmlns:a16="http://schemas.microsoft.com/office/drawing/2014/main" id="{3ECABE5A-1263-244F-9BE2-45D8644ED12D}"/>
+                <a16:creationId xmlns:a16="http://schemas.microsoft.com/office/drawing/2014/main" id="{9BFD617D-5308-6A42-BB36-F123D5525C51}"/>
               </a:ext>
             </a:extLst>
           </p:cNvPr>
-          <p:cNvPicPr>
-            <a:picLocks noChangeAspect="1"/>
-          </p:cNvPicPr>
+          <p:cNvSpPr txBox="1">
+            <a:spLocks/>
+          </p:cNvSpPr>
           <p:nvPr/>
-        </p:nvPicPr>
-        <p:blipFill>
-          <a:blip r:embed="rId2"/>
-          <a:stretch>
-            <a:fillRect/>
-          </a:stretch>
-        </p:blipFill>
+        </p:nvSpPr>
         <p:spPr>
           <a:xfrm>
-            <a:off x="3449868" y="1734014"/>
-            <a:ext cx="5289086" cy="3808142"/>
+            <a:off x="1272210" y="3393205"/>
+            <a:ext cx="1493542" cy="1011817"/>
           </a:xfrm>
           <a:prstGeom prst="rect">
             <a:avLst/>
@@ -15742,13 +15096,204 @@
             </a:schemeClr>
           </a:solidFill>
         </p:spPr>
-      </p:pic>
+        <p:txBody>
+          <a:bodyPr vert="horz" lIns="91440" tIns="45720" rIns="91440" bIns="45720" rtlCol="0">
+            <a:normAutofit/>
+          </a:bodyPr>
+          <a:lstStyle>
+            <a:lvl1pPr marL="228600" indent="-228600" algn="l" defTabSz="914400" rtl="0" eaLnBrk="1" latinLnBrk="0" hangingPunct="1">
+              <a:lnSpc>
+                <a:spcPct val="120000"/>
+              </a:lnSpc>
+              <a:spcBef>
+                <a:spcPts val="1000"/>
+              </a:spcBef>
+              <a:buSzPct val="125000"/>
+              <a:buFont typeface="Arial" panose="020B0604020202020204" pitchFamily="34" charset="0"/>
+              <a:buChar char="•"/>
+              <a:defRPr sz="2400" kern="1200">
+                <a:solidFill>
+                  <a:schemeClr val="tx1"/>
+                </a:solidFill>
+                <a:latin typeface="+mn-lt"/>
+                <a:ea typeface="+mn-ea"/>
+                <a:cs typeface="+mn-cs"/>
+              </a:defRPr>
+            </a:lvl1pPr>
+            <a:lvl2pPr marL="685800" indent="-228600" algn="l" defTabSz="914400" rtl="0" eaLnBrk="1" latinLnBrk="0" hangingPunct="1">
+              <a:lnSpc>
+                <a:spcPct val="120000"/>
+              </a:lnSpc>
+              <a:spcBef>
+                <a:spcPts val="500"/>
+              </a:spcBef>
+              <a:buSzPct val="125000"/>
+              <a:buFont typeface="Arial" panose="020B0604020202020204" pitchFamily="34" charset="0"/>
+              <a:buChar char="•"/>
+              <a:defRPr sz="2000" kern="1200">
+                <a:solidFill>
+                  <a:schemeClr val="tx1"/>
+                </a:solidFill>
+                <a:latin typeface="+mn-lt"/>
+                <a:ea typeface="+mn-ea"/>
+                <a:cs typeface="+mn-cs"/>
+              </a:defRPr>
+            </a:lvl2pPr>
+            <a:lvl3pPr marL="1143000" indent="-228600" algn="l" defTabSz="914400" rtl="0" eaLnBrk="1" latinLnBrk="0" hangingPunct="1">
+              <a:lnSpc>
+                <a:spcPct val="120000"/>
+              </a:lnSpc>
+              <a:spcBef>
+                <a:spcPts val="500"/>
+              </a:spcBef>
+              <a:buSzPct val="125000"/>
+              <a:buFont typeface="Arial" panose="020B0604020202020204" pitchFamily="34" charset="0"/>
+              <a:buChar char="•"/>
+              <a:defRPr sz="1800" kern="1200">
+                <a:solidFill>
+                  <a:schemeClr val="tx1"/>
+                </a:solidFill>
+                <a:latin typeface="+mn-lt"/>
+                <a:ea typeface="+mn-ea"/>
+                <a:cs typeface="+mn-cs"/>
+              </a:defRPr>
+            </a:lvl3pPr>
+            <a:lvl4pPr marL="1600200" indent="-228600" algn="l" defTabSz="914400" rtl="0" eaLnBrk="1" latinLnBrk="0" hangingPunct="1">
+              <a:lnSpc>
+                <a:spcPct val="120000"/>
+              </a:lnSpc>
+              <a:spcBef>
+                <a:spcPts val="500"/>
+              </a:spcBef>
+              <a:buSzPct val="125000"/>
+              <a:buFont typeface="Arial" panose="020B0604020202020204" pitchFamily="34" charset="0"/>
+              <a:buChar char="•"/>
+              <a:defRPr sz="1600" kern="1200">
+                <a:solidFill>
+                  <a:schemeClr val="tx1"/>
+                </a:solidFill>
+                <a:latin typeface="+mn-lt"/>
+                <a:ea typeface="+mn-ea"/>
+                <a:cs typeface="+mn-cs"/>
+              </a:defRPr>
+            </a:lvl4pPr>
+            <a:lvl5pPr marL="2057400" indent="-228600" algn="l" defTabSz="914400" rtl="0" eaLnBrk="1" latinLnBrk="0" hangingPunct="1">
+              <a:lnSpc>
+                <a:spcPct val="120000"/>
+              </a:lnSpc>
+              <a:spcBef>
+                <a:spcPts val="500"/>
+              </a:spcBef>
+              <a:buSzPct val="125000"/>
+              <a:buFont typeface="Arial" panose="020B0604020202020204" pitchFamily="34" charset="0"/>
+              <a:buChar char="•"/>
+              <a:defRPr sz="1600" kern="1200">
+                <a:solidFill>
+                  <a:schemeClr val="tx1"/>
+                </a:solidFill>
+                <a:latin typeface="+mn-lt"/>
+                <a:ea typeface="+mn-ea"/>
+                <a:cs typeface="+mn-cs"/>
+              </a:defRPr>
+            </a:lvl5pPr>
+            <a:lvl6pPr marL="2514600" indent="-228600" algn="l" defTabSz="914400" rtl="0" eaLnBrk="1" latinLnBrk="0" hangingPunct="1">
+              <a:lnSpc>
+                <a:spcPct val="120000"/>
+              </a:lnSpc>
+              <a:spcBef>
+                <a:spcPts val="500"/>
+              </a:spcBef>
+              <a:buSzPct val="125000"/>
+              <a:buFont typeface="Arial" panose="020B0604020202020204" pitchFamily="34" charset="0"/>
+              <a:buChar char="•"/>
+              <a:defRPr sz="1400" kern="1200">
+                <a:solidFill>
+                  <a:schemeClr val="tx1"/>
+                </a:solidFill>
+                <a:latin typeface="+mn-lt"/>
+                <a:ea typeface="+mn-ea"/>
+                <a:cs typeface="+mn-cs"/>
+              </a:defRPr>
+            </a:lvl6pPr>
+            <a:lvl7pPr marL="2971800" indent="-228600" algn="l" defTabSz="914400" rtl="0" eaLnBrk="1" latinLnBrk="0" hangingPunct="1">
+              <a:lnSpc>
+                <a:spcPct val="120000"/>
+              </a:lnSpc>
+              <a:spcBef>
+                <a:spcPts val="500"/>
+              </a:spcBef>
+              <a:buSzPct val="125000"/>
+              <a:buFont typeface="Arial" panose="020B0604020202020204" pitchFamily="34" charset="0"/>
+              <a:buChar char="•"/>
+              <a:defRPr sz="1400" kern="1200">
+                <a:solidFill>
+                  <a:schemeClr val="tx1"/>
+                </a:solidFill>
+                <a:latin typeface="+mn-lt"/>
+                <a:ea typeface="+mn-ea"/>
+                <a:cs typeface="+mn-cs"/>
+              </a:defRPr>
+            </a:lvl7pPr>
+            <a:lvl8pPr marL="3429000" indent="-228600" algn="l" defTabSz="914400" rtl="0" eaLnBrk="1" latinLnBrk="0" hangingPunct="1">
+              <a:lnSpc>
+                <a:spcPct val="120000"/>
+              </a:lnSpc>
+              <a:spcBef>
+                <a:spcPts val="500"/>
+              </a:spcBef>
+              <a:buSzPct val="125000"/>
+              <a:buFont typeface="Arial" panose="020B0604020202020204" pitchFamily="34" charset="0"/>
+              <a:buChar char="•"/>
+              <a:defRPr sz="1400" kern="1200">
+                <a:solidFill>
+                  <a:schemeClr val="tx1"/>
+                </a:solidFill>
+                <a:latin typeface="+mn-lt"/>
+                <a:ea typeface="+mn-ea"/>
+                <a:cs typeface="+mn-cs"/>
+              </a:defRPr>
+            </a:lvl8pPr>
+            <a:lvl9pPr marL="3886200" indent="-228600" algn="l" defTabSz="914400" rtl="0" eaLnBrk="1" latinLnBrk="0" hangingPunct="1">
+              <a:lnSpc>
+                <a:spcPct val="120000"/>
+              </a:lnSpc>
+              <a:spcBef>
+                <a:spcPts val="500"/>
+              </a:spcBef>
+              <a:buSzPct val="125000"/>
+              <a:buFont typeface="Arial" panose="020B0604020202020204" pitchFamily="34" charset="0"/>
+              <a:buChar char="•"/>
+              <a:defRPr sz="1400" kern="1200">
+                <a:solidFill>
+                  <a:schemeClr val="tx1"/>
+                </a:solidFill>
+                <a:latin typeface="+mn-lt"/>
+                <a:ea typeface="+mn-ea"/>
+                <a:cs typeface="+mn-cs"/>
+              </a:defRPr>
+            </a:lvl9pPr>
+          </a:lstStyle>
+          <a:p>
+            <a:pPr marL="0" indent="0" algn="ctr">
+              <a:buNone/>
+            </a:pPr>
+            <a:r>
+              <a:rPr lang="en-US" dirty="0">
+                <a:solidFill>
+                  <a:schemeClr val="bg1"/>
+                </a:solidFill>
+              </a:rPr>
+              <a:t>Circuits</a:t>
+            </a:r>
+          </a:p>
+        </p:txBody>
+      </p:sp>
       <p:sp>
         <p:nvSpPr>
-          <p:cNvPr id="6" name="Content Placeholder 2">
+          <p:cNvPr id="20" name="Content Placeholder 2">
             <a:extLst>
               <a:ext uri="{FF2B5EF4-FFF2-40B4-BE49-F238E27FC236}">
-                <a16:creationId xmlns:a16="http://schemas.microsoft.com/office/drawing/2014/main" id="{BE27FD66-C215-234B-A0F2-933544AD35EE}"/>
+                <a16:creationId xmlns:a16="http://schemas.microsoft.com/office/drawing/2014/main" id="{C85029C7-5808-8E46-8A28-22D5E7D9C1E1}"/>
               </a:ext>
             </a:extLst>
           </p:cNvPr>
@@ -15759,8 +15304,886 @@
         </p:nvSpPr>
         <p:spPr>
           <a:xfrm>
-            <a:off x="698396" y="2170734"/>
-            <a:ext cx="1960766" cy="1241126"/>
+            <a:off x="3307744" y="3393204"/>
+            <a:ext cx="1493542" cy="1011817"/>
+          </a:xfrm>
+          <a:prstGeom prst="rect">
+            <a:avLst/>
+          </a:prstGeom>
+          <a:solidFill>
+            <a:schemeClr val="tx1">
+              <a:lumMod val="95000"/>
+            </a:schemeClr>
+          </a:solidFill>
+        </p:spPr>
+        <p:txBody>
+          <a:bodyPr vert="horz" lIns="91440" tIns="45720" rIns="91440" bIns="45720" rtlCol="0">
+            <a:normAutofit/>
+          </a:bodyPr>
+          <a:lstStyle>
+            <a:lvl1pPr marL="228600" indent="-228600" algn="l" defTabSz="914400" rtl="0" eaLnBrk="1" latinLnBrk="0" hangingPunct="1">
+              <a:lnSpc>
+                <a:spcPct val="120000"/>
+              </a:lnSpc>
+              <a:spcBef>
+                <a:spcPts val="1000"/>
+              </a:spcBef>
+              <a:buSzPct val="125000"/>
+              <a:buFont typeface="Arial" panose="020B0604020202020204" pitchFamily="34" charset="0"/>
+              <a:buChar char="•"/>
+              <a:defRPr sz="2400" kern="1200">
+                <a:solidFill>
+                  <a:schemeClr val="tx1"/>
+                </a:solidFill>
+                <a:latin typeface="+mn-lt"/>
+                <a:ea typeface="+mn-ea"/>
+                <a:cs typeface="+mn-cs"/>
+              </a:defRPr>
+            </a:lvl1pPr>
+            <a:lvl2pPr marL="685800" indent="-228600" algn="l" defTabSz="914400" rtl="0" eaLnBrk="1" latinLnBrk="0" hangingPunct="1">
+              <a:lnSpc>
+                <a:spcPct val="120000"/>
+              </a:lnSpc>
+              <a:spcBef>
+                <a:spcPts val="500"/>
+              </a:spcBef>
+              <a:buSzPct val="125000"/>
+              <a:buFont typeface="Arial" panose="020B0604020202020204" pitchFamily="34" charset="0"/>
+              <a:buChar char="•"/>
+              <a:defRPr sz="2000" kern="1200">
+                <a:solidFill>
+                  <a:schemeClr val="tx1"/>
+                </a:solidFill>
+                <a:latin typeface="+mn-lt"/>
+                <a:ea typeface="+mn-ea"/>
+                <a:cs typeface="+mn-cs"/>
+              </a:defRPr>
+            </a:lvl2pPr>
+            <a:lvl3pPr marL="1143000" indent="-228600" algn="l" defTabSz="914400" rtl="0" eaLnBrk="1" latinLnBrk="0" hangingPunct="1">
+              <a:lnSpc>
+                <a:spcPct val="120000"/>
+              </a:lnSpc>
+              <a:spcBef>
+                <a:spcPts val="500"/>
+              </a:spcBef>
+              <a:buSzPct val="125000"/>
+              <a:buFont typeface="Arial" panose="020B0604020202020204" pitchFamily="34" charset="0"/>
+              <a:buChar char="•"/>
+              <a:defRPr sz="1800" kern="1200">
+                <a:solidFill>
+                  <a:schemeClr val="tx1"/>
+                </a:solidFill>
+                <a:latin typeface="+mn-lt"/>
+                <a:ea typeface="+mn-ea"/>
+                <a:cs typeface="+mn-cs"/>
+              </a:defRPr>
+            </a:lvl3pPr>
+            <a:lvl4pPr marL="1600200" indent="-228600" algn="l" defTabSz="914400" rtl="0" eaLnBrk="1" latinLnBrk="0" hangingPunct="1">
+              <a:lnSpc>
+                <a:spcPct val="120000"/>
+              </a:lnSpc>
+              <a:spcBef>
+                <a:spcPts val="500"/>
+              </a:spcBef>
+              <a:buSzPct val="125000"/>
+              <a:buFont typeface="Arial" panose="020B0604020202020204" pitchFamily="34" charset="0"/>
+              <a:buChar char="•"/>
+              <a:defRPr sz="1600" kern="1200">
+                <a:solidFill>
+                  <a:schemeClr val="tx1"/>
+                </a:solidFill>
+                <a:latin typeface="+mn-lt"/>
+                <a:ea typeface="+mn-ea"/>
+                <a:cs typeface="+mn-cs"/>
+              </a:defRPr>
+            </a:lvl4pPr>
+            <a:lvl5pPr marL="2057400" indent="-228600" algn="l" defTabSz="914400" rtl="0" eaLnBrk="1" latinLnBrk="0" hangingPunct="1">
+              <a:lnSpc>
+                <a:spcPct val="120000"/>
+              </a:lnSpc>
+              <a:spcBef>
+                <a:spcPts val="500"/>
+              </a:spcBef>
+              <a:buSzPct val="125000"/>
+              <a:buFont typeface="Arial" panose="020B0604020202020204" pitchFamily="34" charset="0"/>
+              <a:buChar char="•"/>
+              <a:defRPr sz="1600" kern="1200">
+                <a:solidFill>
+                  <a:schemeClr val="tx1"/>
+                </a:solidFill>
+                <a:latin typeface="+mn-lt"/>
+                <a:ea typeface="+mn-ea"/>
+                <a:cs typeface="+mn-cs"/>
+              </a:defRPr>
+            </a:lvl5pPr>
+            <a:lvl6pPr marL="2514600" indent="-228600" algn="l" defTabSz="914400" rtl="0" eaLnBrk="1" latinLnBrk="0" hangingPunct="1">
+              <a:lnSpc>
+                <a:spcPct val="120000"/>
+              </a:lnSpc>
+              <a:spcBef>
+                <a:spcPts val="500"/>
+              </a:spcBef>
+              <a:buSzPct val="125000"/>
+              <a:buFont typeface="Arial" panose="020B0604020202020204" pitchFamily="34" charset="0"/>
+              <a:buChar char="•"/>
+              <a:defRPr sz="1400" kern="1200">
+                <a:solidFill>
+                  <a:schemeClr val="tx1"/>
+                </a:solidFill>
+                <a:latin typeface="+mn-lt"/>
+                <a:ea typeface="+mn-ea"/>
+                <a:cs typeface="+mn-cs"/>
+              </a:defRPr>
+            </a:lvl6pPr>
+            <a:lvl7pPr marL="2971800" indent="-228600" algn="l" defTabSz="914400" rtl="0" eaLnBrk="1" latinLnBrk="0" hangingPunct="1">
+              <a:lnSpc>
+                <a:spcPct val="120000"/>
+              </a:lnSpc>
+              <a:spcBef>
+                <a:spcPts val="500"/>
+              </a:spcBef>
+              <a:buSzPct val="125000"/>
+              <a:buFont typeface="Arial" panose="020B0604020202020204" pitchFamily="34" charset="0"/>
+              <a:buChar char="•"/>
+              <a:defRPr sz="1400" kern="1200">
+                <a:solidFill>
+                  <a:schemeClr val="tx1"/>
+                </a:solidFill>
+                <a:latin typeface="+mn-lt"/>
+                <a:ea typeface="+mn-ea"/>
+                <a:cs typeface="+mn-cs"/>
+              </a:defRPr>
+            </a:lvl7pPr>
+            <a:lvl8pPr marL="3429000" indent="-228600" algn="l" defTabSz="914400" rtl="0" eaLnBrk="1" latinLnBrk="0" hangingPunct="1">
+              <a:lnSpc>
+                <a:spcPct val="120000"/>
+              </a:lnSpc>
+              <a:spcBef>
+                <a:spcPts val="500"/>
+              </a:spcBef>
+              <a:buSzPct val="125000"/>
+              <a:buFont typeface="Arial" panose="020B0604020202020204" pitchFamily="34" charset="0"/>
+              <a:buChar char="•"/>
+              <a:defRPr sz="1400" kern="1200">
+                <a:solidFill>
+                  <a:schemeClr val="tx1"/>
+                </a:solidFill>
+                <a:latin typeface="+mn-lt"/>
+                <a:ea typeface="+mn-ea"/>
+                <a:cs typeface="+mn-cs"/>
+              </a:defRPr>
+            </a:lvl8pPr>
+            <a:lvl9pPr marL="3886200" indent="-228600" algn="l" defTabSz="914400" rtl="0" eaLnBrk="1" latinLnBrk="0" hangingPunct="1">
+              <a:lnSpc>
+                <a:spcPct val="120000"/>
+              </a:lnSpc>
+              <a:spcBef>
+                <a:spcPts val="500"/>
+              </a:spcBef>
+              <a:buSzPct val="125000"/>
+              <a:buFont typeface="Arial" panose="020B0604020202020204" pitchFamily="34" charset="0"/>
+              <a:buChar char="•"/>
+              <a:defRPr sz="1400" kern="1200">
+                <a:solidFill>
+                  <a:schemeClr val="tx1"/>
+                </a:solidFill>
+                <a:latin typeface="+mn-lt"/>
+                <a:ea typeface="+mn-ea"/>
+                <a:cs typeface="+mn-cs"/>
+              </a:defRPr>
+            </a:lvl9pPr>
+          </a:lstStyle>
+          <a:p>
+            <a:pPr marL="0" indent="0" algn="ctr">
+              <a:buNone/>
+            </a:pPr>
+            <a:r>
+              <a:rPr lang="en-US" dirty="0">
+                <a:solidFill>
+                  <a:schemeClr val="bg1"/>
+                </a:solidFill>
+              </a:rPr>
+              <a:t>Finite Automata</a:t>
+            </a:r>
+          </a:p>
+        </p:txBody>
+      </p:sp>
+      <p:sp>
+        <p:nvSpPr>
+          <p:cNvPr id="21" name="Content Placeholder 2">
+            <a:extLst>
+              <a:ext uri="{FF2B5EF4-FFF2-40B4-BE49-F238E27FC236}">
+                <a16:creationId xmlns:a16="http://schemas.microsoft.com/office/drawing/2014/main" id="{7E8726DC-AD5C-4548-B2B4-66606A267F9E}"/>
+              </a:ext>
+            </a:extLst>
+          </p:cNvPr>
+          <p:cNvSpPr txBox="1">
+            <a:spLocks/>
+          </p:cNvSpPr>
+          <p:nvPr/>
+        </p:nvSpPr>
+        <p:spPr>
+          <a:xfrm>
+            <a:off x="5343278" y="3393204"/>
+            <a:ext cx="1493542" cy="1011817"/>
+          </a:xfrm>
+          <a:prstGeom prst="rect">
+            <a:avLst/>
+          </a:prstGeom>
+          <a:solidFill>
+            <a:schemeClr val="tx1">
+              <a:lumMod val="95000"/>
+            </a:schemeClr>
+          </a:solidFill>
+        </p:spPr>
+        <p:txBody>
+          <a:bodyPr vert="horz" lIns="91440" tIns="45720" rIns="91440" bIns="45720" rtlCol="0">
+            <a:normAutofit/>
+          </a:bodyPr>
+          <a:lstStyle>
+            <a:lvl1pPr marL="228600" indent="-228600" algn="l" defTabSz="914400" rtl="0" eaLnBrk="1" latinLnBrk="0" hangingPunct="1">
+              <a:lnSpc>
+                <a:spcPct val="120000"/>
+              </a:lnSpc>
+              <a:spcBef>
+                <a:spcPts val="1000"/>
+              </a:spcBef>
+              <a:buSzPct val="125000"/>
+              <a:buFont typeface="Arial" panose="020B0604020202020204" pitchFamily="34" charset="0"/>
+              <a:buChar char="•"/>
+              <a:defRPr sz="2400" kern="1200">
+                <a:solidFill>
+                  <a:schemeClr val="tx1"/>
+                </a:solidFill>
+                <a:latin typeface="+mn-lt"/>
+                <a:ea typeface="+mn-ea"/>
+                <a:cs typeface="+mn-cs"/>
+              </a:defRPr>
+            </a:lvl1pPr>
+            <a:lvl2pPr marL="685800" indent="-228600" algn="l" defTabSz="914400" rtl="0" eaLnBrk="1" latinLnBrk="0" hangingPunct="1">
+              <a:lnSpc>
+                <a:spcPct val="120000"/>
+              </a:lnSpc>
+              <a:spcBef>
+                <a:spcPts val="500"/>
+              </a:spcBef>
+              <a:buSzPct val="125000"/>
+              <a:buFont typeface="Arial" panose="020B0604020202020204" pitchFamily="34" charset="0"/>
+              <a:buChar char="•"/>
+              <a:defRPr sz="2000" kern="1200">
+                <a:solidFill>
+                  <a:schemeClr val="tx1"/>
+                </a:solidFill>
+                <a:latin typeface="+mn-lt"/>
+                <a:ea typeface="+mn-ea"/>
+                <a:cs typeface="+mn-cs"/>
+              </a:defRPr>
+            </a:lvl2pPr>
+            <a:lvl3pPr marL="1143000" indent="-228600" algn="l" defTabSz="914400" rtl="0" eaLnBrk="1" latinLnBrk="0" hangingPunct="1">
+              <a:lnSpc>
+                <a:spcPct val="120000"/>
+              </a:lnSpc>
+              <a:spcBef>
+                <a:spcPts val="500"/>
+              </a:spcBef>
+              <a:buSzPct val="125000"/>
+              <a:buFont typeface="Arial" panose="020B0604020202020204" pitchFamily="34" charset="0"/>
+              <a:buChar char="•"/>
+              <a:defRPr sz="1800" kern="1200">
+                <a:solidFill>
+                  <a:schemeClr val="tx1"/>
+                </a:solidFill>
+                <a:latin typeface="+mn-lt"/>
+                <a:ea typeface="+mn-ea"/>
+                <a:cs typeface="+mn-cs"/>
+              </a:defRPr>
+            </a:lvl3pPr>
+            <a:lvl4pPr marL="1600200" indent="-228600" algn="l" defTabSz="914400" rtl="0" eaLnBrk="1" latinLnBrk="0" hangingPunct="1">
+              <a:lnSpc>
+                <a:spcPct val="120000"/>
+              </a:lnSpc>
+              <a:spcBef>
+                <a:spcPts val="500"/>
+              </a:spcBef>
+              <a:buSzPct val="125000"/>
+              <a:buFont typeface="Arial" panose="020B0604020202020204" pitchFamily="34" charset="0"/>
+              <a:buChar char="•"/>
+              <a:defRPr sz="1600" kern="1200">
+                <a:solidFill>
+                  <a:schemeClr val="tx1"/>
+                </a:solidFill>
+                <a:latin typeface="+mn-lt"/>
+                <a:ea typeface="+mn-ea"/>
+                <a:cs typeface="+mn-cs"/>
+              </a:defRPr>
+            </a:lvl4pPr>
+            <a:lvl5pPr marL="2057400" indent="-228600" algn="l" defTabSz="914400" rtl="0" eaLnBrk="1" latinLnBrk="0" hangingPunct="1">
+              <a:lnSpc>
+                <a:spcPct val="120000"/>
+              </a:lnSpc>
+              <a:spcBef>
+                <a:spcPts val="500"/>
+              </a:spcBef>
+              <a:buSzPct val="125000"/>
+              <a:buFont typeface="Arial" panose="020B0604020202020204" pitchFamily="34" charset="0"/>
+              <a:buChar char="•"/>
+              <a:defRPr sz="1600" kern="1200">
+                <a:solidFill>
+                  <a:schemeClr val="tx1"/>
+                </a:solidFill>
+                <a:latin typeface="+mn-lt"/>
+                <a:ea typeface="+mn-ea"/>
+                <a:cs typeface="+mn-cs"/>
+              </a:defRPr>
+            </a:lvl5pPr>
+            <a:lvl6pPr marL="2514600" indent="-228600" algn="l" defTabSz="914400" rtl="0" eaLnBrk="1" latinLnBrk="0" hangingPunct="1">
+              <a:lnSpc>
+                <a:spcPct val="120000"/>
+              </a:lnSpc>
+              <a:spcBef>
+                <a:spcPts val="500"/>
+              </a:spcBef>
+              <a:buSzPct val="125000"/>
+              <a:buFont typeface="Arial" panose="020B0604020202020204" pitchFamily="34" charset="0"/>
+              <a:buChar char="•"/>
+              <a:defRPr sz="1400" kern="1200">
+                <a:solidFill>
+                  <a:schemeClr val="tx1"/>
+                </a:solidFill>
+                <a:latin typeface="+mn-lt"/>
+                <a:ea typeface="+mn-ea"/>
+                <a:cs typeface="+mn-cs"/>
+              </a:defRPr>
+            </a:lvl6pPr>
+            <a:lvl7pPr marL="2971800" indent="-228600" algn="l" defTabSz="914400" rtl="0" eaLnBrk="1" latinLnBrk="0" hangingPunct="1">
+              <a:lnSpc>
+                <a:spcPct val="120000"/>
+              </a:lnSpc>
+              <a:spcBef>
+                <a:spcPts val="500"/>
+              </a:spcBef>
+              <a:buSzPct val="125000"/>
+              <a:buFont typeface="Arial" panose="020B0604020202020204" pitchFamily="34" charset="0"/>
+              <a:buChar char="•"/>
+              <a:defRPr sz="1400" kern="1200">
+                <a:solidFill>
+                  <a:schemeClr val="tx1"/>
+                </a:solidFill>
+                <a:latin typeface="+mn-lt"/>
+                <a:ea typeface="+mn-ea"/>
+                <a:cs typeface="+mn-cs"/>
+              </a:defRPr>
+            </a:lvl7pPr>
+            <a:lvl8pPr marL="3429000" indent="-228600" algn="l" defTabSz="914400" rtl="0" eaLnBrk="1" latinLnBrk="0" hangingPunct="1">
+              <a:lnSpc>
+                <a:spcPct val="120000"/>
+              </a:lnSpc>
+              <a:spcBef>
+                <a:spcPts val="500"/>
+              </a:spcBef>
+              <a:buSzPct val="125000"/>
+              <a:buFont typeface="Arial" panose="020B0604020202020204" pitchFamily="34" charset="0"/>
+              <a:buChar char="•"/>
+              <a:defRPr sz="1400" kern="1200">
+                <a:solidFill>
+                  <a:schemeClr val="tx1"/>
+                </a:solidFill>
+                <a:latin typeface="+mn-lt"/>
+                <a:ea typeface="+mn-ea"/>
+                <a:cs typeface="+mn-cs"/>
+              </a:defRPr>
+            </a:lvl8pPr>
+            <a:lvl9pPr marL="3886200" indent="-228600" algn="l" defTabSz="914400" rtl="0" eaLnBrk="1" latinLnBrk="0" hangingPunct="1">
+              <a:lnSpc>
+                <a:spcPct val="120000"/>
+              </a:lnSpc>
+              <a:spcBef>
+                <a:spcPts val="500"/>
+              </a:spcBef>
+              <a:buSzPct val="125000"/>
+              <a:buFont typeface="Arial" panose="020B0604020202020204" pitchFamily="34" charset="0"/>
+              <a:buChar char="•"/>
+              <a:defRPr sz="1400" kern="1200">
+                <a:solidFill>
+                  <a:schemeClr val="tx1"/>
+                </a:solidFill>
+                <a:latin typeface="+mn-lt"/>
+                <a:ea typeface="+mn-ea"/>
+                <a:cs typeface="+mn-cs"/>
+              </a:defRPr>
+            </a:lvl9pPr>
+          </a:lstStyle>
+          <a:p>
+            <a:pPr marL="0" indent="0" algn="ctr">
+              <a:buNone/>
+            </a:pPr>
+            <a:r>
+              <a:rPr lang="en-US" dirty="0">
+                <a:solidFill>
+                  <a:schemeClr val="bg1"/>
+                </a:solidFill>
+              </a:rPr>
+              <a:t>Pushdown Automata</a:t>
+            </a:r>
+          </a:p>
+        </p:txBody>
+      </p:sp>
+      <p:sp>
+        <p:nvSpPr>
+          <p:cNvPr id="22" name="Content Placeholder 2">
+            <a:extLst>
+              <a:ext uri="{FF2B5EF4-FFF2-40B4-BE49-F238E27FC236}">
+                <a16:creationId xmlns:a16="http://schemas.microsoft.com/office/drawing/2014/main" id="{A7094291-578F-964E-BD57-2AF725369BFD}"/>
+              </a:ext>
+            </a:extLst>
+          </p:cNvPr>
+          <p:cNvSpPr txBox="1">
+            <a:spLocks/>
+          </p:cNvSpPr>
+          <p:nvPr/>
+        </p:nvSpPr>
+        <p:spPr>
+          <a:xfrm>
+            <a:off x="7378812" y="3393204"/>
+            <a:ext cx="1493542" cy="1011817"/>
+          </a:xfrm>
+          <a:prstGeom prst="rect">
+            <a:avLst/>
+          </a:prstGeom>
+          <a:solidFill>
+            <a:schemeClr val="accent1"/>
+          </a:solidFill>
+        </p:spPr>
+        <p:txBody>
+          <a:bodyPr vert="horz" lIns="91440" tIns="45720" rIns="91440" bIns="45720" rtlCol="0">
+            <a:normAutofit/>
+          </a:bodyPr>
+          <a:lstStyle>
+            <a:lvl1pPr marL="228600" indent="-228600" algn="l" defTabSz="914400" rtl="0" eaLnBrk="1" latinLnBrk="0" hangingPunct="1">
+              <a:lnSpc>
+                <a:spcPct val="120000"/>
+              </a:lnSpc>
+              <a:spcBef>
+                <a:spcPts val="1000"/>
+              </a:spcBef>
+              <a:buSzPct val="125000"/>
+              <a:buFont typeface="Arial" panose="020B0604020202020204" pitchFamily="34" charset="0"/>
+              <a:buChar char="•"/>
+              <a:defRPr sz="2400" kern="1200">
+                <a:solidFill>
+                  <a:schemeClr val="tx1"/>
+                </a:solidFill>
+                <a:latin typeface="+mn-lt"/>
+                <a:ea typeface="+mn-ea"/>
+                <a:cs typeface="+mn-cs"/>
+              </a:defRPr>
+            </a:lvl1pPr>
+            <a:lvl2pPr marL="685800" indent="-228600" algn="l" defTabSz="914400" rtl="0" eaLnBrk="1" latinLnBrk="0" hangingPunct="1">
+              <a:lnSpc>
+                <a:spcPct val="120000"/>
+              </a:lnSpc>
+              <a:spcBef>
+                <a:spcPts val="500"/>
+              </a:spcBef>
+              <a:buSzPct val="125000"/>
+              <a:buFont typeface="Arial" panose="020B0604020202020204" pitchFamily="34" charset="0"/>
+              <a:buChar char="•"/>
+              <a:defRPr sz="2000" kern="1200">
+                <a:solidFill>
+                  <a:schemeClr val="tx1"/>
+                </a:solidFill>
+                <a:latin typeface="+mn-lt"/>
+                <a:ea typeface="+mn-ea"/>
+                <a:cs typeface="+mn-cs"/>
+              </a:defRPr>
+            </a:lvl2pPr>
+            <a:lvl3pPr marL="1143000" indent="-228600" algn="l" defTabSz="914400" rtl="0" eaLnBrk="1" latinLnBrk="0" hangingPunct="1">
+              <a:lnSpc>
+                <a:spcPct val="120000"/>
+              </a:lnSpc>
+              <a:spcBef>
+                <a:spcPts val="500"/>
+              </a:spcBef>
+              <a:buSzPct val="125000"/>
+              <a:buFont typeface="Arial" panose="020B0604020202020204" pitchFamily="34" charset="0"/>
+              <a:buChar char="•"/>
+              <a:defRPr sz="1800" kern="1200">
+                <a:solidFill>
+                  <a:schemeClr val="tx1"/>
+                </a:solidFill>
+                <a:latin typeface="+mn-lt"/>
+                <a:ea typeface="+mn-ea"/>
+                <a:cs typeface="+mn-cs"/>
+              </a:defRPr>
+            </a:lvl3pPr>
+            <a:lvl4pPr marL="1600200" indent="-228600" algn="l" defTabSz="914400" rtl="0" eaLnBrk="1" latinLnBrk="0" hangingPunct="1">
+              <a:lnSpc>
+                <a:spcPct val="120000"/>
+              </a:lnSpc>
+              <a:spcBef>
+                <a:spcPts val="500"/>
+              </a:spcBef>
+              <a:buSzPct val="125000"/>
+              <a:buFont typeface="Arial" panose="020B0604020202020204" pitchFamily="34" charset="0"/>
+              <a:buChar char="•"/>
+              <a:defRPr sz="1600" kern="1200">
+                <a:solidFill>
+                  <a:schemeClr val="tx1"/>
+                </a:solidFill>
+                <a:latin typeface="+mn-lt"/>
+                <a:ea typeface="+mn-ea"/>
+                <a:cs typeface="+mn-cs"/>
+              </a:defRPr>
+            </a:lvl4pPr>
+            <a:lvl5pPr marL="2057400" indent="-228600" algn="l" defTabSz="914400" rtl="0" eaLnBrk="1" latinLnBrk="0" hangingPunct="1">
+              <a:lnSpc>
+                <a:spcPct val="120000"/>
+              </a:lnSpc>
+              <a:spcBef>
+                <a:spcPts val="500"/>
+              </a:spcBef>
+              <a:buSzPct val="125000"/>
+              <a:buFont typeface="Arial" panose="020B0604020202020204" pitchFamily="34" charset="0"/>
+              <a:buChar char="•"/>
+              <a:defRPr sz="1600" kern="1200">
+                <a:solidFill>
+                  <a:schemeClr val="tx1"/>
+                </a:solidFill>
+                <a:latin typeface="+mn-lt"/>
+                <a:ea typeface="+mn-ea"/>
+                <a:cs typeface="+mn-cs"/>
+              </a:defRPr>
+            </a:lvl5pPr>
+            <a:lvl6pPr marL="2514600" indent="-228600" algn="l" defTabSz="914400" rtl="0" eaLnBrk="1" latinLnBrk="0" hangingPunct="1">
+              <a:lnSpc>
+                <a:spcPct val="120000"/>
+              </a:lnSpc>
+              <a:spcBef>
+                <a:spcPts val="500"/>
+              </a:spcBef>
+              <a:buSzPct val="125000"/>
+              <a:buFont typeface="Arial" panose="020B0604020202020204" pitchFamily="34" charset="0"/>
+              <a:buChar char="•"/>
+              <a:defRPr sz="1400" kern="1200">
+                <a:solidFill>
+                  <a:schemeClr val="tx1"/>
+                </a:solidFill>
+                <a:latin typeface="+mn-lt"/>
+                <a:ea typeface="+mn-ea"/>
+                <a:cs typeface="+mn-cs"/>
+              </a:defRPr>
+            </a:lvl6pPr>
+            <a:lvl7pPr marL="2971800" indent="-228600" algn="l" defTabSz="914400" rtl="0" eaLnBrk="1" latinLnBrk="0" hangingPunct="1">
+              <a:lnSpc>
+                <a:spcPct val="120000"/>
+              </a:lnSpc>
+              <a:spcBef>
+                <a:spcPts val="500"/>
+              </a:spcBef>
+              <a:buSzPct val="125000"/>
+              <a:buFont typeface="Arial" panose="020B0604020202020204" pitchFamily="34" charset="0"/>
+              <a:buChar char="•"/>
+              <a:defRPr sz="1400" kern="1200">
+                <a:solidFill>
+                  <a:schemeClr val="tx1"/>
+                </a:solidFill>
+                <a:latin typeface="+mn-lt"/>
+                <a:ea typeface="+mn-ea"/>
+                <a:cs typeface="+mn-cs"/>
+              </a:defRPr>
+            </a:lvl7pPr>
+            <a:lvl8pPr marL="3429000" indent="-228600" algn="l" defTabSz="914400" rtl="0" eaLnBrk="1" latinLnBrk="0" hangingPunct="1">
+              <a:lnSpc>
+                <a:spcPct val="120000"/>
+              </a:lnSpc>
+              <a:spcBef>
+                <a:spcPts val="500"/>
+              </a:spcBef>
+              <a:buSzPct val="125000"/>
+              <a:buFont typeface="Arial" panose="020B0604020202020204" pitchFamily="34" charset="0"/>
+              <a:buChar char="•"/>
+              <a:defRPr sz="1400" kern="1200">
+                <a:solidFill>
+                  <a:schemeClr val="tx1"/>
+                </a:solidFill>
+                <a:latin typeface="+mn-lt"/>
+                <a:ea typeface="+mn-ea"/>
+                <a:cs typeface="+mn-cs"/>
+              </a:defRPr>
+            </a:lvl8pPr>
+            <a:lvl9pPr marL="3886200" indent="-228600" algn="l" defTabSz="914400" rtl="0" eaLnBrk="1" latinLnBrk="0" hangingPunct="1">
+              <a:lnSpc>
+                <a:spcPct val="120000"/>
+              </a:lnSpc>
+              <a:spcBef>
+                <a:spcPts val="500"/>
+              </a:spcBef>
+              <a:buSzPct val="125000"/>
+              <a:buFont typeface="Arial" panose="020B0604020202020204" pitchFamily="34" charset="0"/>
+              <a:buChar char="•"/>
+              <a:defRPr sz="1400" kern="1200">
+                <a:solidFill>
+                  <a:schemeClr val="tx1"/>
+                </a:solidFill>
+                <a:latin typeface="+mn-lt"/>
+                <a:ea typeface="+mn-ea"/>
+                <a:cs typeface="+mn-cs"/>
+              </a:defRPr>
+            </a:lvl9pPr>
+          </a:lstStyle>
+          <a:p>
+            <a:pPr marL="0" indent="0" algn="ctr">
+              <a:buNone/>
+            </a:pPr>
+            <a:r>
+              <a:rPr lang="en-US" dirty="0">
+                <a:solidFill>
+                  <a:schemeClr val="bg1"/>
+                </a:solidFill>
+              </a:rPr>
+              <a:t>Turing Machine</a:t>
+            </a:r>
+          </a:p>
+        </p:txBody>
+      </p:sp>
+      <p:sp>
+        <p:nvSpPr>
+          <p:cNvPr id="23" name="Content Placeholder 2">
+            <a:extLst>
+              <a:ext uri="{FF2B5EF4-FFF2-40B4-BE49-F238E27FC236}">
+                <a16:creationId xmlns:a16="http://schemas.microsoft.com/office/drawing/2014/main" id="{A127FA8D-F088-DB41-9ADF-C51E7C219A45}"/>
+              </a:ext>
+            </a:extLst>
+          </p:cNvPr>
+          <p:cNvSpPr txBox="1">
+            <a:spLocks/>
+          </p:cNvSpPr>
+          <p:nvPr/>
+        </p:nvSpPr>
+        <p:spPr>
+          <a:xfrm>
+            <a:off x="9399745" y="3393204"/>
+            <a:ext cx="1493542" cy="1011817"/>
+          </a:xfrm>
+          <a:prstGeom prst="rect">
+            <a:avLst/>
+          </a:prstGeom>
+          <a:solidFill>
+            <a:schemeClr val="tx1">
+              <a:lumMod val="95000"/>
+            </a:schemeClr>
+          </a:solidFill>
+        </p:spPr>
+        <p:txBody>
+          <a:bodyPr vert="horz" lIns="91440" tIns="45720" rIns="91440" bIns="45720" rtlCol="0">
+            <a:normAutofit/>
+          </a:bodyPr>
+          <a:lstStyle>
+            <a:lvl1pPr marL="228600" indent="-228600" algn="l" defTabSz="914400" rtl="0" eaLnBrk="1" latinLnBrk="0" hangingPunct="1">
+              <a:lnSpc>
+                <a:spcPct val="120000"/>
+              </a:lnSpc>
+              <a:spcBef>
+                <a:spcPts val="1000"/>
+              </a:spcBef>
+              <a:buSzPct val="125000"/>
+              <a:buFont typeface="Arial" panose="020B0604020202020204" pitchFamily="34" charset="0"/>
+              <a:buChar char="•"/>
+              <a:defRPr sz="2400" kern="1200">
+                <a:solidFill>
+                  <a:schemeClr val="tx1"/>
+                </a:solidFill>
+                <a:latin typeface="+mn-lt"/>
+                <a:ea typeface="+mn-ea"/>
+                <a:cs typeface="+mn-cs"/>
+              </a:defRPr>
+            </a:lvl1pPr>
+            <a:lvl2pPr marL="685800" indent="-228600" algn="l" defTabSz="914400" rtl="0" eaLnBrk="1" latinLnBrk="0" hangingPunct="1">
+              <a:lnSpc>
+                <a:spcPct val="120000"/>
+              </a:lnSpc>
+              <a:spcBef>
+                <a:spcPts val="500"/>
+              </a:spcBef>
+              <a:buSzPct val="125000"/>
+              <a:buFont typeface="Arial" panose="020B0604020202020204" pitchFamily="34" charset="0"/>
+              <a:buChar char="•"/>
+              <a:defRPr sz="2000" kern="1200">
+                <a:solidFill>
+                  <a:schemeClr val="tx1"/>
+                </a:solidFill>
+                <a:latin typeface="+mn-lt"/>
+                <a:ea typeface="+mn-ea"/>
+                <a:cs typeface="+mn-cs"/>
+              </a:defRPr>
+            </a:lvl2pPr>
+            <a:lvl3pPr marL="1143000" indent="-228600" algn="l" defTabSz="914400" rtl="0" eaLnBrk="1" latinLnBrk="0" hangingPunct="1">
+              <a:lnSpc>
+                <a:spcPct val="120000"/>
+              </a:lnSpc>
+              <a:spcBef>
+                <a:spcPts val="500"/>
+              </a:spcBef>
+              <a:buSzPct val="125000"/>
+              <a:buFont typeface="Arial" panose="020B0604020202020204" pitchFamily="34" charset="0"/>
+              <a:buChar char="•"/>
+              <a:defRPr sz="1800" kern="1200">
+                <a:solidFill>
+                  <a:schemeClr val="tx1"/>
+                </a:solidFill>
+                <a:latin typeface="+mn-lt"/>
+                <a:ea typeface="+mn-ea"/>
+                <a:cs typeface="+mn-cs"/>
+              </a:defRPr>
+            </a:lvl3pPr>
+            <a:lvl4pPr marL="1600200" indent="-228600" algn="l" defTabSz="914400" rtl="0" eaLnBrk="1" latinLnBrk="0" hangingPunct="1">
+              <a:lnSpc>
+                <a:spcPct val="120000"/>
+              </a:lnSpc>
+              <a:spcBef>
+                <a:spcPts val="500"/>
+              </a:spcBef>
+              <a:buSzPct val="125000"/>
+              <a:buFont typeface="Arial" panose="020B0604020202020204" pitchFamily="34" charset="0"/>
+              <a:buChar char="•"/>
+              <a:defRPr sz="1600" kern="1200">
+                <a:solidFill>
+                  <a:schemeClr val="tx1"/>
+                </a:solidFill>
+                <a:latin typeface="+mn-lt"/>
+                <a:ea typeface="+mn-ea"/>
+                <a:cs typeface="+mn-cs"/>
+              </a:defRPr>
+            </a:lvl4pPr>
+            <a:lvl5pPr marL="2057400" indent="-228600" algn="l" defTabSz="914400" rtl="0" eaLnBrk="1" latinLnBrk="0" hangingPunct="1">
+              <a:lnSpc>
+                <a:spcPct val="120000"/>
+              </a:lnSpc>
+              <a:spcBef>
+                <a:spcPts val="500"/>
+              </a:spcBef>
+              <a:buSzPct val="125000"/>
+              <a:buFont typeface="Arial" panose="020B0604020202020204" pitchFamily="34" charset="0"/>
+              <a:buChar char="•"/>
+              <a:defRPr sz="1600" kern="1200">
+                <a:solidFill>
+                  <a:schemeClr val="tx1"/>
+                </a:solidFill>
+                <a:latin typeface="+mn-lt"/>
+                <a:ea typeface="+mn-ea"/>
+                <a:cs typeface="+mn-cs"/>
+              </a:defRPr>
+            </a:lvl5pPr>
+            <a:lvl6pPr marL="2514600" indent="-228600" algn="l" defTabSz="914400" rtl="0" eaLnBrk="1" latinLnBrk="0" hangingPunct="1">
+              <a:lnSpc>
+                <a:spcPct val="120000"/>
+              </a:lnSpc>
+              <a:spcBef>
+                <a:spcPts val="500"/>
+              </a:spcBef>
+              <a:buSzPct val="125000"/>
+              <a:buFont typeface="Arial" panose="020B0604020202020204" pitchFamily="34" charset="0"/>
+              <a:buChar char="•"/>
+              <a:defRPr sz="1400" kern="1200">
+                <a:solidFill>
+                  <a:schemeClr val="tx1"/>
+                </a:solidFill>
+                <a:latin typeface="+mn-lt"/>
+                <a:ea typeface="+mn-ea"/>
+                <a:cs typeface="+mn-cs"/>
+              </a:defRPr>
+            </a:lvl6pPr>
+            <a:lvl7pPr marL="2971800" indent="-228600" algn="l" defTabSz="914400" rtl="0" eaLnBrk="1" latinLnBrk="0" hangingPunct="1">
+              <a:lnSpc>
+                <a:spcPct val="120000"/>
+              </a:lnSpc>
+              <a:spcBef>
+                <a:spcPts val="500"/>
+              </a:spcBef>
+              <a:buSzPct val="125000"/>
+              <a:buFont typeface="Arial" panose="020B0604020202020204" pitchFamily="34" charset="0"/>
+              <a:buChar char="•"/>
+              <a:defRPr sz="1400" kern="1200">
+                <a:solidFill>
+                  <a:schemeClr val="tx1"/>
+                </a:solidFill>
+                <a:latin typeface="+mn-lt"/>
+                <a:ea typeface="+mn-ea"/>
+                <a:cs typeface="+mn-cs"/>
+              </a:defRPr>
+            </a:lvl7pPr>
+            <a:lvl8pPr marL="3429000" indent="-228600" algn="l" defTabSz="914400" rtl="0" eaLnBrk="1" latinLnBrk="0" hangingPunct="1">
+              <a:lnSpc>
+                <a:spcPct val="120000"/>
+              </a:lnSpc>
+              <a:spcBef>
+                <a:spcPts val="500"/>
+              </a:spcBef>
+              <a:buSzPct val="125000"/>
+              <a:buFont typeface="Arial" panose="020B0604020202020204" pitchFamily="34" charset="0"/>
+              <a:buChar char="•"/>
+              <a:defRPr sz="1400" kern="1200">
+                <a:solidFill>
+                  <a:schemeClr val="tx1"/>
+                </a:solidFill>
+                <a:latin typeface="+mn-lt"/>
+                <a:ea typeface="+mn-ea"/>
+                <a:cs typeface="+mn-cs"/>
+              </a:defRPr>
+            </a:lvl8pPr>
+            <a:lvl9pPr marL="3886200" indent="-228600" algn="l" defTabSz="914400" rtl="0" eaLnBrk="1" latinLnBrk="0" hangingPunct="1">
+              <a:lnSpc>
+                <a:spcPct val="120000"/>
+              </a:lnSpc>
+              <a:spcBef>
+                <a:spcPts val="500"/>
+              </a:spcBef>
+              <a:buSzPct val="125000"/>
+              <a:buFont typeface="Arial" panose="020B0604020202020204" pitchFamily="34" charset="0"/>
+              <a:buChar char="•"/>
+              <a:defRPr sz="1400" kern="1200">
+                <a:solidFill>
+                  <a:schemeClr val="tx1"/>
+                </a:solidFill>
+                <a:latin typeface="+mn-lt"/>
+                <a:ea typeface="+mn-ea"/>
+                <a:cs typeface="+mn-cs"/>
+              </a:defRPr>
+            </a:lvl9pPr>
+          </a:lstStyle>
+          <a:p>
+            <a:pPr marL="0" indent="0" algn="ctr">
+              <a:buNone/>
+            </a:pPr>
+            <a:r>
+              <a:rPr lang="en-US" dirty="0">
+                <a:solidFill>
+                  <a:schemeClr val="bg1"/>
+                </a:solidFill>
+              </a:rPr>
+              <a:t>RAM Model</a:t>
+            </a:r>
+          </a:p>
+        </p:txBody>
+      </p:sp>
+      <p:sp>
+        <p:nvSpPr>
+          <p:cNvPr id="24" name="Content Placeholder 2">
+            <a:extLst>
+              <a:ext uri="{FF2B5EF4-FFF2-40B4-BE49-F238E27FC236}">
+                <a16:creationId xmlns:a16="http://schemas.microsoft.com/office/drawing/2014/main" id="{DC47454D-B1B8-AA45-8672-11B05D77EBBC}"/>
+              </a:ext>
+            </a:extLst>
+          </p:cNvPr>
+          <p:cNvSpPr txBox="1">
+            <a:spLocks/>
+          </p:cNvSpPr>
+          <p:nvPr/>
+        </p:nvSpPr>
+        <p:spPr>
+          <a:xfrm>
+            <a:off x="2819075" y="3717229"/>
+            <a:ext cx="435345" cy="389601"/>
           </a:xfrm>
           <a:prstGeom prst="rect">
             <a:avLst/>
@@ -15768,7 +16191,7 @@
         </p:spPr>
         <p:txBody>
           <a:bodyPr vert="horz" lIns="91440" tIns="45720" rIns="91440" bIns="45720" rtlCol="0">
-            <a:normAutofit fontScale="92500" lnSpcReduction="10000"/>
+            <a:normAutofit lnSpcReduction="10000"/>
           </a:bodyPr>
           <a:lstStyle>
             <a:lvl1pPr marL="228600" indent="-228600" algn="l" defTabSz="914400" rtl="0" eaLnBrk="1" latinLnBrk="0" hangingPunct="1">
@@ -15944,24 +16367,1598 @@
             </a:lvl9pPr>
           </a:lstStyle>
           <a:p>
-            <a:pPr marL="0" indent="0">
+            <a:pPr marL="0" indent="0" algn="ctr">
               <a:buFont typeface="Arial" panose="020B0604020202020204" pitchFamily="34" charset="0"/>
               <a:buNone/>
             </a:pPr>
             <a:r>
               <a:rPr lang="en-US" sz="1800" i="1" dirty="0"/>
-              <a:t>A description of languages and their relationship to one another</a:t>
+              <a:t>&lt;</a:t>
             </a:r>
-            <a:endParaRPr lang="en-US" sz="1800" b="1" u="sng" dirty="0"/>
+          </a:p>
+        </p:txBody>
+      </p:sp>
+      <p:sp>
+        <p:nvSpPr>
+          <p:cNvPr id="25" name="Content Placeholder 2">
+            <a:extLst>
+              <a:ext uri="{FF2B5EF4-FFF2-40B4-BE49-F238E27FC236}">
+                <a16:creationId xmlns:a16="http://schemas.microsoft.com/office/drawing/2014/main" id="{D87DDA98-D3F5-EA4E-8F5A-38070C416619}"/>
+              </a:ext>
+            </a:extLst>
+          </p:cNvPr>
+          <p:cNvSpPr txBox="1">
+            <a:spLocks/>
+          </p:cNvSpPr>
+          <p:nvPr/>
+        </p:nvSpPr>
+        <p:spPr>
+          <a:xfrm>
+            <a:off x="4863863" y="3707289"/>
+            <a:ext cx="435345" cy="389601"/>
+          </a:xfrm>
+          <a:prstGeom prst="rect">
+            <a:avLst/>
+          </a:prstGeom>
+        </p:spPr>
+        <p:txBody>
+          <a:bodyPr vert="horz" lIns="91440" tIns="45720" rIns="91440" bIns="45720" rtlCol="0">
+            <a:normAutofit lnSpcReduction="10000"/>
+          </a:bodyPr>
+          <a:lstStyle>
+            <a:lvl1pPr marL="228600" indent="-228600" algn="l" defTabSz="914400" rtl="0" eaLnBrk="1" latinLnBrk="0" hangingPunct="1">
+              <a:lnSpc>
+                <a:spcPct val="120000"/>
+              </a:lnSpc>
+              <a:spcBef>
+                <a:spcPts val="1000"/>
+              </a:spcBef>
+              <a:buSzPct val="125000"/>
+              <a:buFont typeface="Arial" panose="020B0604020202020204" pitchFamily="34" charset="0"/>
+              <a:buChar char="•"/>
+              <a:defRPr sz="2400" kern="1200">
+                <a:solidFill>
+                  <a:schemeClr val="tx1"/>
+                </a:solidFill>
+                <a:latin typeface="+mn-lt"/>
+                <a:ea typeface="+mn-ea"/>
+                <a:cs typeface="+mn-cs"/>
+              </a:defRPr>
+            </a:lvl1pPr>
+            <a:lvl2pPr marL="685800" indent="-228600" algn="l" defTabSz="914400" rtl="0" eaLnBrk="1" latinLnBrk="0" hangingPunct="1">
+              <a:lnSpc>
+                <a:spcPct val="120000"/>
+              </a:lnSpc>
+              <a:spcBef>
+                <a:spcPts val="500"/>
+              </a:spcBef>
+              <a:buSzPct val="125000"/>
+              <a:buFont typeface="Arial" panose="020B0604020202020204" pitchFamily="34" charset="0"/>
+              <a:buChar char="•"/>
+              <a:defRPr sz="2000" kern="1200">
+                <a:solidFill>
+                  <a:schemeClr val="tx1"/>
+                </a:solidFill>
+                <a:latin typeface="+mn-lt"/>
+                <a:ea typeface="+mn-ea"/>
+                <a:cs typeface="+mn-cs"/>
+              </a:defRPr>
+            </a:lvl2pPr>
+            <a:lvl3pPr marL="1143000" indent="-228600" algn="l" defTabSz="914400" rtl="0" eaLnBrk="1" latinLnBrk="0" hangingPunct="1">
+              <a:lnSpc>
+                <a:spcPct val="120000"/>
+              </a:lnSpc>
+              <a:spcBef>
+                <a:spcPts val="500"/>
+              </a:spcBef>
+              <a:buSzPct val="125000"/>
+              <a:buFont typeface="Arial" panose="020B0604020202020204" pitchFamily="34" charset="0"/>
+              <a:buChar char="•"/>
+              <a:defRPr sz="1800" kern="1200">
+                <a:solidFill>
+                  <a:schemeClr val="tx1"/>
+                </a:solidFill>
+                <a:latin typeface="+mn-lt"/>
+                <a:ea typeface="+mn-ea"/>
+                <a:cs typeface="+mn-cs"/>
+              </a:defRPr>
+            </a:lvl3pPr>
+            <a:lvl4pPr marL="1600200" indent="-228600" algn="l" defTabSz="914400" rtl="0" eaLnBrk="1" latinLnBrk="0" hangingPunct="1">
+              <a:lnSpc>
+                <a:spcPct val="120000"/>
+              </a:lnSpc>
+              <a:spcBef>
+                <a:spcPts val="500"/>
+              </a:spcBef>
+              <a:buSzPct val="125000"/>
+              <a:buFont typeface="Arial" panose="020B0604020202020204" pitchFamily="34" charset="0"/>
+              <a:buChar char="•"/>
+              <a:defRPr sz="1600" kern="1200">
+                <a:solidFill>
+                  <a:schemeClr val="tx1"/>
+                </a:solidFill>
+                <a:latin typeface="+mn-lt"/>
+                <a:ea typeface="+mn-ea"/>
+                <a:cs typeface="+mn-cs"/>
+              </a:defRPr>
+            </a:lvl4pPr>
+            <a:lvl5pPr marL="2057400" indent="-228600" algn="l" defTabSz="914400" rtl="0" eaLnBrk="1" latinLnBrk="0" hangingPunct="1">
+              <a:lnSpc>
+                <a:spcPct val="120000"/>
+              </a:lnSpc>
+              <a:spcBef>
+                <a:spcPts val="500"/>
+              </a:spcBef>
+              <a:buSzPct val="125000"/>
+              <a:buFont typeface="Arial" panose="020B0604020202020204" pitchFamily="34" charset="0"/>
+              <a:buChar char="•"/>
+              <a:defRPr sz="1600" kern="1200">
+                <a:solidFill>
+                  <a:schemeClr val="tx1"/>
+                </a:solidFill>
+                <a:latin typeface="+mn-lt"/>
+                <a:ea typeface="+mn-ea"/>
+                <a:cs typeface="+mn-cs"/>
+              </a:defRPr>
+            </a:lvl5pPr>
+            <a:lvl6pPr marL="2514600" indent="-228600" algn="l" defTabSz="914400" rtl="0" eaLnBrk="1" latinLnBrk="0" hangingPunct="1">
+              <a:lnSpc>
+                <a:spcPct val="120000"/>
+              </a:lnSpc>
+              <a:spcBef>
+                <a:spcPts val="500"/>
+              </a:spcBef>
+              <a:buSzPct val="125000"/>
+              <a:buFont typeface="Arial" panose="020B0604020202020204" pitchFamily="34" charset="0"/>
+              <a:buChar char="•"/>
+              <a:defRPr sz="1400" kern="1200">
+                <a:solidFill>
+                  <a:schemeClr val="tx1"/>
+                </a:solidFill>
+                <a:latin typeface="+mn-lt"/>
+                <a:ea typeface="+mn-ea"/>
+                <a:cs typeface="+mn-cs"/>
+              </a:defRPr>
+            </a:lvl6pPr>
+            <a:lvl7pPr marL="2971800" indent="-228600" algn="l" defTabSz="914400" rtl="0" eaLnBrk="1" latinLnBrk="0" hangingPunct="1">
+              <a:lnSpc>
+                <a:spcPct val="120000"/>
+              </a:lnSpc>
+              <a:spcBef>
+                <a:spcPts val="500"/>
+              </a:spcBef>
+              <a:buSzPct val="125000"/>
+              <a:buFont typeface="Arial" panose="020B0604020202020204" pitchFamily="34" charset="0"/>
+              <a:buChar char="•"/>
+              <a:defRPr sz="1400" kern="1200">
+                <a:solidFill>
+                  <a:schemeClr val="tx1"/>
+                </a:solidFill>
+                <a:latin typeface="+mn-lt"/>
+                <a:ea typeface="+mn-ea"/>
+                <a:cs typeface="+mn-cs"/>
+              </a:defRPr>
+            </a:lvl7pPr>
+            <a:lvl8pPr marL="3429000" indent="-228600" algn="l" defTabSz="914400" rtl="0" eaLnBrk="1" latinLnBrk="0" hangingPunct="1">
+              <a:lnSpc>
+                <a:spcPct val="120000"/>
+              </a:lnSpc>
+              <a:spcBef>
+                <a:spcPts val="500"/>
+              </a:spcBef>
+              <a:buSzPct val="125000"/>
+              <a:buFont typeface="Arial" panose="020B0604020202020204" pitchFamily="34" charset="0"/>
+              <a:buChar char="•"/>
+              <a:defRPr sz="1400" kern="1200">
+                <a:solidFill>
+                  <a:schemeClr val="tx1"/>
+                </a:solidFill>
+                <a:latin typeface="+mn-lt"/>
+                <a:ea typeface="+mn-ea"/>
+                <a:cs typeface="+mn-cs"/>
+              </a:defRPr>
+            </a:lvl8pPr>
+            <a:lvl9pPr marL="3886200" indent="-228600" algn="l" defTabSz="914400" rtl="0" eaLnBrk="1" latinLnBrk="0" hangingPunct="1">
+              <a:lnSpc>
+                <a:spcPct val="120000"/>
+              </a:lnSpc>
+              <a:spcBef>
+                <a:spcPts val="500"/>
+              </a:spcBef>
+              <a:buSzPct val="125000"/>
+              <a:buFont typeface="Arial" panose="020B0604020202020204" pitchFamily="34" charset="0"/>
+              <a:buChar char="•"/>
+              <a:defRPr sz="1400" kern="1200">
+                <a:solidFill>
+                  <a:schemeClr val="tx1"/>
+                </a:solidFill>
+                <a:latin typeface="+mn-lt"/>
+                <a:ea typeface="+mn-ea"/>
+                <a:cs typeface="+mn-cs"/>
+              </a:defRPr>
+            </a:lvl9pPr>
+          </a:lstStyle>
+          <a:p>
+            <a:pPr marL="0" indent="0" algn="ctr">
+              <a:buFont typeface="Arial" panose="020B0604020202020204" pitchFamily="34" charset="0"/>
+              <a:buNone/>
+            </a:pPr>
+            <a:r>
+              <a:rPr lang="en-US" sz="1800" i="1" dirty="0"/>
+              <a:t>&lt;</a:t>
+            </a:r>
+          </a:p>
+        </p:txBody>
+      </p:sp>
+      <p:sp>
+        <p:nvSpPr>
+          <p:cNvPr id="26" name="Content Placeholder 2">
+            <a:extLst>
+              <a:ext uri="{FF2B5EF4-FFF2-40B4-BE49-F238E27FC236}">
+                <a16:creationId xmlns:a16="http://schemas.microsoft.com/office/drawing/2014/main" id="{378BFA77-F76B-9C4B-95F5-FFA5EF1C2479}"/>
+              </a:ext>
+            </a:extLst>
+          </p:cNvPr>
+          <p:cNvSpPr txBox="1">
+            <a:spLocks/>
+          </p:cNvSpPr>
+          <p:nvPr/>
+        </p:nvSpPr>
+        <p:spPr>
+          <a:xfrm>
+            <a:off x="6878421" y="3699338"/>
+            <a:ext cx="435345" cy="389601"/>
+          </a:xfrm>
+          <a:prstGeom prst="rect">
+            <a:avLst/>
+          </a:prstGeom>
+        </p:spPr>
+        <p:txBody>
+          <a:bodyPr vert="horz" lIns="91440" tIns="45720" rIns="91440" bIns="45720" rtlCol="0">
+            <a:normAutofit lnSpcReduction="10000"/>
+          </a:bodyPr>
+          <a:lstStyle>
+            <a:lvl1pPr marL="228600" indent="-228600" algn="l" defTabSz="914400" rtl="0" eaLnBrk="1" latinLnBrk="0" hangingPunct="1">
+              <a:lnSpc>
+                <a:spcPct val="120000"/>
+              </a:lnSpc>
+              <a:spcBef>
+                <a:spcPts val="1000"/>
+              </a:spcBef>
+              <a:buSzPct val="125000"/>
+              <a:buFont typeface="Arial" panose="020B0604020202020204" pitchFamily="34" charset="0"/>
+              <a:buChar char="•"/>
+              <a:defRPr sz="2400" kern="1200">
+                <a:solidFill>
+                  <a:schemeClr val="tx1"/>
+                </a:solidFill>
+                <a:latin typeface="+mn-lt"/>
+                <a:ea typeface="+mn-ea"/>
+                <a:cs typeface="+mn-cs"/>
+              </a:defRPr>
+            </a:lvl1pPr>
+            <a:lvl2pPr marL="685800" indent="-228600" algn="l" defTabSz="914400" rtl="0" eaLnBrk="1" latinLnBrk="0" hangingPunct="1">
+              <a:lnSpc>
+                <a:spcPct val="120000"/>
+              </a:lnSpc>
+              <a:spcBef>
+                <a:spcPts val="500"/>
+              </a:spcBef>
+              <a:buSzPct val="125000"/>
+              <a:buFont typeface="Arial" panose="020B0604020202020204" pitchFamily="34" charset="0"/>
+              <a:buChar char="•"/>
+              <a:defRPr sz="2000" kern="1200">
+                <a:solidFill>
+                  <a:schemeClr val="tx1"/>
+                </a:solidFill>
+                <a:latin typeface="+mn-lt"/>
+                <a:ea typeface="+mn-ea"/>
+                <a:cs typeface="+mn-cs"/>
+              </a:defRPr>
+            </a:lvl2pPr>
+            <a:lvl3pPr marL="1143000" indent="-228600" algn="l" defTabSz="914400" rtl="0" eaLnBrk="1" latinLnBrk="0" hangingPunct="1">
+              <a:lnSpc>
+                <a:spcPct val="120000"/>
+              </a:lnSpc>
+              <a:spcBef>
+                <a:spcPts val="500"/>
+              </a:spcBef>
+              <a:buSzPct val="125000"/>
+              <a:buFont typeface="Arial" panose="020B0604020202020204" pitchFamily="34" charset="0"/>
+              <a:buChar char="•"/>
+              <a:defRPr sz="1800" kern="1200">
+                <a:solidFill>
+                  <a:schemeClr val="tx1"/>
+                </a:solidFill>
+                <a:latin typeface="+mn-lt"/>
+                <a:ea typeface="+mn-ea"/>
+                <a:cs typeface="+mn-cs"/>
+              </a:defRPr>
+            </a:lvl3pPr>
+            <a:lvl4pPr marL="1600200" indent="-228600" algn="l" defTabSz="914400" rtl="0" eaLnBrk="1" latinLnBrk="0" hangingPunct="1">
+              <a:lnSpc>
+                <a:spcPct val="120000"/>
+              </a:lnSpc>
+              <a:spcBef>
+                <a:spcPts val="500"/>
+              </a:spcBef>
+              <a:buSzPct val="125000"/>
+              <a:buFont typeface="Arial" panose="020B0604020202020204" pitchFamily="34" charset="0"/>
+              <a:buChar char="•"/>
+              <a:defRPr sz="1600" kern="1200">
+                <a:solidFill>
+                  <a:schemeClr val="tx1"/>
+                </a:solidFill>
+                <a:latin typeface="+mn-lt"/>
+                <a:ea typeface="+mn-ea"/>
+                <a:cs typeface="+mn-cs"/>
+              </a:defRPr>
+            </a:lvl4pPr>
+            <a:lvl5pPr marL="2057400" indent="-228600" algn="l" defTabSz="914400" rtl="0" eaLnBrk="1" latinLnBrk="0" hangingPunct="1">
+              <a:lnSpc>
+                <a:spcPct val="120000"/>
+              </a:lnSpc>
+              <a:spcBef>
+                <a:spcPts val="500"/>
+              </a:spcBef>
+              <a:buSzPct val="125000"/>
+              <a:buFont typeface="Arial" panose="020B0604020202020204" pitchFamily="34" charset="0"/>
+              <a:buChar char="•"/>
+              <a:defRPr sz="1600" kern="1200">
+                <a:solidFill>
+                  <a:schemeClr val="tx1"/>
+                </a:solidFill>
+                <a:latin typeface="+mn-lt"/>
+                <a:ea typeface="+mn-ea"/>
+                <a:cs typeface="+mn-cs"/>
+              </a:defRPr>
+            </a:lvl5pPr>
+            <a:lvl6pPr marL="2514600" indent="-228600" algn="l" defTabSz="914400" rtl="0" eaLnBrk="1" latinLnBrk="0" hangingPunct="1">
+              <a:lnSpc>
+                <a:spcPct val="120000"/>
+              </a:lnSpc>
+              <a:spcBef>
+                <a:spcPts val="500"/>
+              </a:spcBef>
+              <a:buSzPct val="125000"/>
+              <a:buFont typeface="Arial" panose="020B0604020202020204" pitchFamily="34" charset="0"/>
+              <a:buChar char="•"/>
+              <a:defRPr sz="1400" kern="1200">
+                <a:solidFill>
+                  <a:schemeClr val="tx1"/>
+                </a:solidFill>
+                <a:latin typeface="+mn-lt"/>
+                <a:ea typeface="+mn-ea"/>
+                <a:cs typeface="+mn-cs"/>
+              </a:defRPr>
+            </a:lvl6pPr>
+            <a:lvl7pPr marL="2971800" indent="-228600" algn="l" defTabSz="914400" rtl="0" eaLnBrk="1" latinLnBrk="0" hangingPunct="1">
+              <a:lnSpc>
+                <a:spcPct val="120000"/>
+              </a:lnSpc>
+              <a:spcBef>
+                <a:spcPts val="500"/>
+              </a:spcBef>
+              <a:buSzPct val="125000"/>
+              <a:buFont typeface="Arial" panose="020B0604020202020204" pitchFamily="34" charset="0"/>
+              <a:buChar char="•"/>
+              <a:defRPr sz="1400" kern="1200">
+                <a:solidFill>
+                  <a:schemeClr val="tx1"/>
+                </a:solidFill>
+                <a:latin typeface="+mn-lt"/>
+                <a:ea typeface="+mn-ea"/>
+                <a:cs typeface="+mn-cs"/>
+              </a:defRPr>
+            </a:lvl7pPr>
+            <a:lvl8pPr marL="3429000" indent="-228600" algn="l" defTabSz="914400" rtl="0" eaLnBrk="1" latinLnBrk="0" hangingPunct="1">
+              <a:lnSpc>
+                <a:spcPct val="120000"/>
+              </a:lnSpc>
+              <a:spcBef>
+                <a:spcPts val="500"/>
+              </a:spcBef>
+              <a:buSzPct val="125000"/>
+              <a:buFont typeface="Arial" panose="020B0604020202020204" pitchFamily="34" charset="0"/>
+              <a:buChar char="•"/>
+              <a:defRPr sz="1400" kern="1200">
+                <a:solidFill>
+                  <a:schemeClr val="tx1"/>
+                </a:solidFill>
+                <a:latin typeface="+mn-lt"/>
+                <a:ea typeface="+mn-ea"/>
+                <a:cs typeface="+mn-cs"/>
+              </a:defRPr>
+            </a:lvl8pPr>
+            <a:lvl9pPr marL="3886200" indent="-228600" algn="l" defTabSz="914400" rtl="0" eaLnBrk="1" latinLnBrk="0" hangingPunct="1">
+              <a:lnSpc>
+                <a:spcPct val="120000"/>
+              </a:lnSpc>
+              <a:spcBef>
+                <a:spcPts val="500"/>
+              </a:spcBef>
+              <a:buSzPct val="125000"/>
+              <a:buFont typeface="Arial" panose="020B0604020202020204" pitchFamily="34" charset="0"/>
+              <a:buChar char="•"/>
+              <a:defRPr sz="1400" kern="1200">
+                <a:solidFill>
+                  <a:schemeClr val="tx1"/>
+                </a:solidFill>
+                <a:latin typeface="+mn-lt"/>
+                <a:ea typeface="+mn-ea"/>
+                <a:cs typeface="+mn-cs"/>
+              </a:defRPr>
+            </a:lvl9pPr>
+          </a:lstStyle>
+          <a:p>
+            <a:pPr marL="0" indent="0" algn="ctr">
+              <a:buFont typeface="Arial" panose="020B0604020202020204" pitchFamily="34" charset="0"/>
+              <a:buNone/>
+            </a:pPr>
+            <a:r>
+              <a:rPr lang="en-US" sz="1800" i="1" dirty="0"/>
+              <a:t>&lt;</a:t>
+            </a:r>
+          </a:p>
+        </p:txBody>
+      </p:sp>
+      <p:sp>
+        <p:nvSpPr>
+          <p:cNvPr id="27" name="Content Placeholder 2">
+            <a:extLst>
+              <a:ext uri="{FF2B5EF4-FFF2-40B4-BE49-F238E27FC236}">
+                <a16:creationId xmlns:a16="http://schemas.microsoft.com/office/drawing/2014/main" id="{DC80CAB1-0CB3-1D4E-8B04-AD92BBCF1D58}"/>
+              </a:ext>
+            </a:extLst>
+          </p:cNvPr>
+          <p:cNvSpPr txBox="1">
+            <a:spLocks/>
+          </p:cNvSpPr>
+          <p:nvPr/>
+        </p:nvSpPr>
+        <p:spPr>
+          <a:xfrm>
+            <a:off x="8917210" y="3699337"/>
+            <a:ext cx="435345" cy="389601"/>
+          </a:xfrm>
+          <a:prstGeom prst="rect">
+            <a:avLst/>
+          </a:prstGeom>
+        </p:spPr>
+        <p:txBody>
+          <a:bodyPr vert="horz" lIns="91440" tIns="45720" rIns="91440" bIns="45720" rtlCol="0">
+            <a:normAutofit lnSpcReduction="10000"/>
+          </a:bodyPr>
+          <a:lstStyle>
+            <a:lvl1pPr marL="228600" indent="-228600" algn="l" defTabSz="914400" rtl="0" eaLnBrk="1" latinLnBrk="0" hangingPunct="1">
+              <a:lnSpc>
+                <a:spcPct val="120000"/>
+              </a:lnSpc>
+              <a:spcBef>
+                <a:spcPts val="1000"/>
+              </a:spcBef>
+              <a:buSzPct val="125000"/>
+              <a:buFont typeface="Arial" panose="020B0604020202020204" pitchFamily="34" charset="0"/>
+              <a:buChar char="•"/>
+              <a:defRPr sz="2400" kern="1200">
+                <a:solidFill>
+                  <a:schemeClr val="tx1"/>
+                </a:solidFill>
+                <a:latin typeface="+mn-lt"/>
+                <a:ea typeface="+mn-ea"/>
+                <a:cs typeface="+mn-cs"/>
+              </a:defRPr>
+            </a:lvl1pPr>
+            <a:lvl2pPr marL="685800" indent="-228600" algn="l" defTabSz="914400" rtl="0" eaLnBrk="1" latinLnBrk="0" hangingPunct="1">
+              <a:lnSpc>
+                <a:spcPct val="120000"/>
+              </a:lnSpc>
+              <a:spcBef>
+                <a:spcPts val="500"/>
+              </a:spcBef>
+              <a:buSzPct val="125000"/>
+              <a:buFont typeface="Arial" panose="020B0604020202020204" pitchFamily="34" charset="0"/>
+              <a:buChar char="•"/>
+              <a:defRPr sz="2000" kern="1200">
+                <a:solidFill>
+                  <a:schemeClr val="tx1"/>
+                </a:solidFill>
+                <a:latin typeface="+mn-lt"/>
+                <a:ea typeface="+mn-ea"/>
+                <a:cs typeface="+mn-cs"/>
+              </a:defRPr>
+            </a:lvl2pPr>
+            <a:lvl3pPr marL="1143000" indent="-228600" algn="l" defTabSz="914400" rtl="0" eaLnBrk="1" latinLnBrk="0" hangingPunct="1">
+              <a:lnSpc>
+                <a:spcPct val="120000"/>
+              </a:lnSpc>
+              <a:spcBef>
+                <a:spcPts val="500"/>
+              </a:spcBef>
+              <a:buSzPct val="125000"/>
+              <a:buFont typeface="Arial" panose="020B0604020202020204" pitchFamily="34" charset="0"/>
+              <a:buChar char="•"/>
+              <a:defRPr sz="1800" kern="1200">
+                <a:solidFill>
+                  <a:schemeClr val="tx1"/>
+                </a:solidFill>
+                <a:latin typeface="+mn-lt"/>
+                <a:ea typeface="+mn-ea"/>
+                <a:cs typeface="+mn-cs"/>
+              </a:defRPr>
+            </a:lvl3pPr>
+            <a:lvl4pPr marL="1600200" indent="-228600" algn="l" defTabSz="914400" rtl="0" eaLnBrk="1" latinLnBrk="0" hangingPunct="1">
+              <a:lnSpc>
+                <a:spcPct val="120000"/>
+              </a:lnSpc>
+              <a:spcBef>
+                <a:spcPts val="500"/>
+              </a:spcBef>
+              <a:buSzPct val="125000"/>
+              <a:buFont typeface="Arial" panose="020B0604020202020204" pitchFamily="34" charset="0"/>
+              <a:buChar char="•"/>
+              <a:defRPr sz="1600" kern="1200">
+                <a:solidFill>
+                  <a:schemeClr val="tx1"/>
+                </a:solidFill>
+                <a:latin typeface="+mn-lt"/>
+                <a:ea typeface="+mn-ea"/>
+                <a:cs typeface="+mn-cs"/>
+              </a:defRPr>
+            </a:lvl4pPr>
+            <a:lvl5pPr marL="2057400" indent="-228600" algn="l" defTabSz="914400" rtl="0" eaLnBrk="1" latinLnBrk="0" hangingPunct="1">
+              <a:lnSpc>
+                <a:spcPct val="120000"/>
+              </a:lnSpc>
+              <a:spcBef>
+                <a:spcPts val="500"/>
+              </a:spcBef>
+              <a:buSzPct val="125000"/>
+              <a:buFont typeface="Arial" panose="020B0604020202020204" pitchFamily="34" charset="0"/>
+              <a:buChar char="•"/>
+              <a:defRPr sz="1600" kern="1200">
+                <a:solidFill>
+                  <a:schemeClr val="tx1"/>
+                </a:solidFill>
+                <a:latin typeface="+mn-lt"/>
+                <a:ea typeface="+mn-ea"/>
+                <a:cs typeface="+mn-cs"/>
+              </a:defRPr>
+            </a:lvl5pPr>
+            <a:lvl6pPr marL="2514600" indent="-228600" algn="l" defTabSz="914400" rtl="0" eaLnBrk="1" latinLnBrk="0" hangingPunct="1">
+              <a:lnSpc>
+                <a:spcPct val="120000"/>
+              </a:lnSpc>
+              <a:spcBef>
+                <a:spcPts val="500"/>
+              </a:spcBef>
+              <a:buSzPct val="125000"/>
+              <a:buFont typeface="Arial" panose="020B0604020202020204" pitchFamily="34" charset="0"/>
+              <a:buChar char="•"/>
+              <a:defRPr sz="1400" kern="1200">
+                <a:solidFill>
+                  <a:schemeClr val="tx1"/>
+                </a:solidFill>
+                <a:latin typeface="+mn-lt"/>
+                <a:ea typeface="+mn-ea"/>
+                <a:cs typeface="+mn-cs"/>
+              </a:defRPr>
+            </a:lvl6pPr>
+            <a:lvl7pPr marL="2971800" indent="-228600" algn="l" defTabSz="914400" rtl="0" eaLnBrk="1" latinLnBrk="0" hangingPunct="1">
+              <a:lnSpc>
+                <a:spcPct val="120000"/>
+              </a:lnSpc>
+              <a:spcBef>
+                <a:spcPts val="500"/>
+              </a:spcBef>
+              <a:buSzPct val="125000"/>
+              <a:buFont typeface="Arial" panose="020B0604020202020204" pitchFamily="34" charset="0"/>
+              <a:buChar char="•"/>
+              <a:defRPr sz="1400" kern="1200">
+                <a:solidFill>
+                  <a:schemeClr val="tx1"/>
+                </a:solidFill>
+                <a:latin typeface="+mn-lt"/>
+                <a:ea typeface="+mn-ea"/>
+                <a:cs typeface="+mn-cs"/>
+              </a:defRPr>
+            </a:lvl7pPr>
+            <a:lvl8pPr marL="3429000" indent="-228600" algn="l" defTabSz="914400" rtl="0" eaLnBrk="1" latinLnBrk="0" hangingPunct="1">
+              <a:lnSpc>
+                <a:spcPct val="120000"/>
+              </a:lnSpc>
+              <a:spcBef>
+                <a:spcPts val="500"/>
+              </a:spcBef>
+              <a:buSzPct val="125000"/>
+              <a:buFont typeface="Arial" panose="020B0604020202020204" pitchFamily="34" charset="0"/>
+              <a:buChar char="•"/>
+              <a:defRPr sz="1400" kern="1200">
+                <a:solidFill>
+                  <a:schemeClr val="tx1"/>
+                </a:solidFill>
+                <a:latin typeface="+mn-lt"/>
+                <a:ea typeface="+mn-ea"/>
+                <a:cs typeface="+mn-cs"/>
+              </a:defRPr>
+            </a:lvl8pPr>
+            <a:lvl9pPr marL="3886200" indent="-228600" algn="l" defTabSz="914400" rtl="0" eaLnBrk="1" latinLnBrk="0" hangingPunct="1">
+              <a:lnSpc>
+                <a:spcPct val="120000"/>
+              </a:lnSpc>
+              <a:spcBef>
+                <a:spcPts val="500"/>
+              </a:spcBef>
+              <a:buSzPct val="125000"/>
+              <a:buFont typeface="Arial" panose="020B0604020202020204" pitchFamily="34" charset="0"/>
+              <a:buChar char="•"/>
+              <a:defRPr sz="1400" kern="1200">
+                <a:solidFill>
+                  <a:schemeClr val="tx1"/>
+                </a:solidFill>
+                <a:latin typeface="+mn-lt"/>
+                <a:ea typeface="+mn-ea"/>
+                <a:cs typeface="+mn-cs"/>
+              </a:defRPr>
+            </a:lvl9pPr>
+          </a:lstStyle>
+          <a:p>
+            <a:pPr marL="0" indent="0" algn="ctr">
+              <a:buFont typeface="Arial" panose="020B0604020202020204" pitchFamily="34" charset="0"/>
+              <a:buNone/>
+            </a:pPr>
+            <a:r>
+              <a:rPr lang="en-US" sz="1800" i="1" dirty="0"/>
+              <a:t>=</a:t>
+            </a:r>
+          </a:p>
+        </p:txBody>
+      </p:sp>
+      <p:sp>
+        <p:nvSpPr>
+          <p:cNvPr id="28" name="Rectangle 27">
+            <a:extLst>
+              <a:ext uri="{FF2B5EF4-FFF2-40B4-BE49-F238E27FC236}">
+                <a16:creationId xmlns:a16="http://schemas.microsoft.com/office/drawing/2014/main" id="{E607B708-3A3B-9247-B6C1-B9A8DFB87378}"/>
+              </a:ext>
+            </a:extLst>
+          </p:cNvPr>
+          <p:cNvSpPr/>
+          <p:nvPr/>
+        </p:nvSpPr>
+        <p:spPr>
+          <a:xfrm>
+            <a:off x="1113183" y="5033159"/>
+            <a:ext cx="10026594" cy="1327883"/>
+          </a:xfrm>
+          <a:prstGeom prst="rect">
+            <a:avLst/>
+          </a:prstGeom>
+          <a:noFill/>
+          <a:ln>
+            <a:solidFill>
+              <a:schemeClr val="tx1">
+                <a:lumMod val="95000"/>
+              </a:schemeClr>
+            </a:solidFill>
+          </a:ln>
+        </p:spPr>
+        <p:style>
+          <a:lnRef idx="2">
+            <a:schemeClr val="accent1">
+              <a:shade val="50000"/>
+            </a:schemeClr>
+          </a:lnRef>
+          <a:fillRef idx="1">
+            <a:schemeClr val="accent1"/>
+          </a:fillRef>
+          <a:effectRef idx="0">
+            <a:schemeClr val="accent1"/>
+          </a:effectRef>
+          <a:fontRef idx="minor">
+            <a:schemeClr val="lt1"/>
+          </a:fontRef>
+        </p:style>
+        <p:txBody>
+          <a:bodyPr rtlCol="0" anchor="ctr"/>
+          <a:lstStyle/>
+          <a:p>
+            <a:pPr algn="ctr"/>
+            <a:endParaRPr lang="en-US"/>
+          </a:p>
+        </p:txBody>
+      </p:sp>
+      <p:sp>
+        <p:nvSpPr>
+          <p:cNvPr id="29" name="Content Placeholder 2">
+            <a:extLst>
+              <a:ext uri="{FF2B5EF4-FFF2-40B4-BE49-F238E27FC236}">
+                <a16:creationId xmlns:a16="http://schemas.microsoft.com/office/drawing/2014/main" id="{A78AC064-D8D9-E749-AC4D-5EEDF5A48EE2}"/>
+              </a:ext>
+            </a:extLst>
+          </p:cNvPr>
+          <p:cNvSpPr txBox="1">
+            <a:spLocks/>
+          </p:cNvSpPr>
+          <p:nvPr/>
+        </p:nvSpPr>
+        <p:spPr>
+          <a:xfrm>
+            <a:off x="2083904" y="4995399"/>
+            <a:ext cx="8085151" cy="389601"/>
+          </a:xfrm>
+          <a:prstGeom prst="rect">
+            <a:avLst/>
+          </a:prstGeom>
+        </p:spPr>
+        <p:txBody>
+          <a:bodyPr vert="horz" lIns="91440" tIns="45720" rIns="91440" bIns="45720" rtlCol="0">
+            <a:normAutofit lnSpcReduction="10000"/>
+          </a:bodyPr>
+          <a:lstStyle>
+            <a:lvl1pPr marL="228600" indent="-228600" algn="l" defTabSz="914400" rtl="0" eaLnBrk="1" latinLnBrk="0" hangingPunct="1">
+              <a:lnSpc>
+                <a:spcPct val="120000"/>
+              </a:lnSpc>
+              <a:spcBef>
+                <a:spcPts val="1000"/>
+              </a:spcBef>
+              <a:buSzPct val="125000"/>
+              <a:buFont typeface="Arial" panose="020B0604020202020204" pitchFamily="34" charset="0"/>
+              <a:buChar char="•"/>
+              <a:defRPr sz="2400" kern="1200">
+                <a:solidFill>
+                  <a:schemeClr val="tx1"/>
+                </a:solidFill>
+                <a:latin typeface="+mn-lt"/>
+                <a:ea typeface="+mn-ea"/>
+                <a:cs typeface="+mn-cs"/>
+              </a:defRPr>
+            </a:lvl1pPr>
+            <a:lvl2pPr marL="685800" indent="-228600" algn="l" defTabSz="914400" rtl="0" eaLnBrk="1" latinLnBrk="0" hangingPunct="1">
+              <a:lnSpc>
+                <a:spcPct val="120000"/>
+              </a:lnSpc>
+              <a:spcBef>
+                <a:spcPts val="500"/>
+              </a:spcBef>
+              <a:buSzPct val="125000"/>
+              <a:buFont typeface="Arial" panose="020B0604020202020204" pitchFamily="34" charset="0"/>
+              <a:buChar char="•"/>
+              <a:defRPr sz="2000" kern="1200">
+                <a:solidFill>
+                  <a:schemeClr val="tx1"/>
+                </a:solidFill>
+                <a:latin typeface="+mn-lt"/>
+                <a:ea typeface="+mn-ea"/>
+                <a:cs typeface="+mn-cs"/>
+              </a:defRPr>
+            </a:lvl2pPr>
+            <a:lvl3pPr marL="1143000" indent="-228600" algn="l" defTabSz="914400" rtl="0" eaLnBrk="1" latinLnBrk="0" hangingPunct="1">
+              <a:lnSpc>
+                <a:spcPct val="120000"/>
+              </a:lnSpc>
+              <a:spcBef>
+                <a:spcPts val="500"/>
+              </a:spcBef>
+              <a:buSzPct val="125000"/>
+              <a:buFont typeface="Arial" panose="020B0604020202020204" pitchFamily="34" charset="0"/>
+              <a:buChar char="•"/>
+              <a:defRPr sz="1800" kern="1200">
+                <a:solidFill>
+                  <a:schemeClr val="tx1"/>
+                </a:solidFill>
+                <a:latin typeface="+mn-lt"/>
+                <a:ea typeface="+mn-ea"/>
+                <a:cs typeface="+mn-cs"/>
+              </a:defRPr>
+            </a:lvl3pPr>
+            <a:lvl4pPr marL="1600200" indent="-228600" algn="l" defTabSz="914400" rtl="0" eaLnBrk="1" latinLnBrk="0" hangingPunct="1">
+              <a:lnSpc>
+                <a:spcPct val="120000"/>
+              </a:lnSpc>
+              <a:spcBef>
+                <a:spcPts val="500"/>
+              </a:spcBef>
+              <a:buSzPct val="125000"/>
+              <a:buFont typeface="Arial" panose="020B0604020202020204" pitchFamily="34" charset="0"/>
+              <a:buChar char="•"/>
+              <a:defRPr sz="1600" kern="1200">
+                <a:solidFill>
+                  <a:schemeClr val="tx1"/>
+                </a:solidFill>
+                <a:latin typeface="+mn-lt"/>
+                <a:ea typeface="+mn-ea"/>
+                <a:cs typeface="+mn-cs"/>
+              </a:defRPr>
+            </a:lvl4pPr>
+            <a:lvl5pPr marL="2057400" indent="-228600" algn="l" defTabSz="914400" rtl="0" eaLnBrk="1" latinLnBrk="0" hangingPunct="1">
+              <a:lnSpc>
+                <a:spcPct val="120000"/>
+              </a:lnSpc>
+              <a:spcBef>
+                <a:spcPts val="500"/>
+              </a:spcBef>
+              <a:buSzPct val="125000"/>
+              <a:buFont typeface="Arial" panose="020B0604020202020204" pitchFamily="34" charset="0"/>
+              <a:buChar char="•"/>
+              <a:defRPr sz="1600" kern="1200">
+                <a:solidFill>
+                  <a:schemeClr val="tx1"/>
+                </a:solidFill>
+                <a:latin typeface="+mn-lt"/>
+                <a:ea typeface="+mn-ea"/>
+                <a:cs typeface="+mn-cs"/>
+              </a:defRPr>
+            </a:lvl5pPr>
+            <a:lvl6pPr marL="2514600" indent="-228600" algn="l" defTabSz="914400" rtl="0" eaLnBrk="1" latinLnBrk="0" hangingPunct="1">
+              <a:lnSpc>
+                <a:spcPct val="120000"/>
+              </a:lnSpc>
+              <a:spcBef>
+                <a:spcPts val="500"/>
+              </a:spcBef>
+              <a:buSzPct val="125000"/>
+              <a:buFont typeface="Arial" panose="020B0604020202020204" pitchFamily="34" charset="0"/>
+              <a:buChar char="•"/>
+              <a:defRPr sz="1400" kern="1200">
+                <a:solidFill>
+                  <a:schemeClr val="tx1"/>
+                </a:solidFill>
+                <a:latin typeface="+mn-lt"/>
+                <a:ea typeface="+mn-ea"/>
+                <a:cs typeface="+mn-cs"/>
+              </a:defRPr>
+            </a:lvl6pPr>
+            <a:lvl7pPr marL="2971800" indent="-228600" algn="l" defTabSz="914400" rtl="0" eaLnBrk="1" latinLnBrk="0" hangingPunct="1">
+              <a:lnSpc>
+                <a:spcPct val="120000"/>
+              </a:lnSpc>
+              <a:spcBef>
+                <a:spcPts val="500"/>
+              </a:spcBef>
+              <a:buSzPct val="125000"/>
+              <a:buFont typeface="Arial" panose="020B0604020202020204" pitchFamily="34" charset="0"/>
+              <a:buChar char="•"/>
+              <a:defRPr sz="1400" kern="1200">
+                <a:solidFill>
+                  <a:schemeClr val="tx1"/>
+                </a:solidFill>
+                <a:latin typeface="+mn-lt"/>
+                <a:ea typeface="+mn-ea"/>
+                <a:cs typeface="+mn-cs"/>
+              </a:defRPr>
+            </a:lvl7pPr>
+            <a:lvl8pPr marL="3429000" indent="-228600" algn="l" defTabSz="914400" rtl="0" eaLnBrk="1" latinLnBrk="0" hangingPunct="1">
+              <a:lnSpc>
+                <a:spcPct val="120000"/>
+              </a:lnSpc>
+              <a:spcBef>
+                <a:spcPts val="500"/>
+              </a:spcBef>
+              <a:buSzPct val="125000"/>
+              <a:buFont typeface="Arial" panose="020B0604020202020204" pitchFamily="34" charset="0"/>
+              <a:buChar char="•"/>
+              <a:defRPr sz="1400" kern="1200">
+                <a:solidFill>
+                  <a:schemeClr val="tx1"/>
+                </a:solidFill>
+                <a:latin typeface="+mn-lt"/>
+                <a:ea typeface="+mn-ea"/>
+                <a:cs typeface="+mn-cs"/>
+              </a:defRPr>
+            </a:lvl8pPr>
+            <a:lvl9pPr marL="3886200" indent="-228600" algn="l" defTabSz="914400" rtl="0" eaLnBrk="1" latinLnBrk="0" hangingPunct="1">
+              <a:lnSpc>
+                <a:spcPct val="120000"/>
+              </a:lnSpc>
+              <a:spcBef>
+                <a:spcPts val="500"/>
+              </a:spcBef>
+              <a:buSzPct val="125000"/>
+              <a:buFont typeface="Arial" panose="020B0604020202020204" pitchFamily="34" charset="0"/>
+              <a:buChar char="•"/>
+              <a:defRPr sz="1400" kern="1200">
+                <a:solidFill>
+                  <a:schemeClr val="tx1"/>
+                </a:solidFill>
+                <a:latin typeface="+mn-lt"/>
+                <a:ea typeface="+mn-ea"/>
+                <a:cs typeface="+mn-cs"/>
+              </a:defRPr>
+            </a:lvl9pPr>
+          </a:lstStyle>
+          <a:p>
+            <a:pPr marL="0" indent="0" algn="ctr">
+              <a:buFont typeface="Arial" panose="020B0604020202020204" pitchFamily="34" charset="0"/>
+              <a:buNone/>
+            </a:pPr>
+            <a:r>
+              <a:rPr lang="en-US" sz="1800" i="1" dirty="0"/>
+              <a:t>Computational Complexity</a:t>
+            </a:r>
+          </a:p>
+        </p:txBody>
+      </p:sp>
+      <p:sp>
+        <p:nvSpPr>
+          <p:cNvPr id="30" name="Content Placeholder 2">
+            <a:extLst>
+              <a:ext uri="{FF2B5EF4-FFF2-40B4-BE49-F238E27FC236}">
+                <a16:creationId xmlns:a16="http://schemas.microsoft.com/office/drawing/2014/main" id="{CAE212C8-0B13-194B-B3F9-E8D553381C4E}"/>
+              </a:ext>
+            </a:extLst>
+          </p:cNvPr>
+          <p:cNvSpPr txBox="1">
+            <a:spLocks/>
+          </p:cNvSpPr>
+          <p:nvPr/>
+        </p:nvSpPr>
+        <p:spPr>
+          <a:xfrm>
+            <a:off x="3127177" y="5547938"/>
+            <a:ext cx="1773141" cy="544706"/>
+          </a:xfrm>
+          <a:prstGeom prst="rect">
+            <a:avLst/>
+          </a:prstGeom>
+          <a:solidFill>
+            <a:schemeClr val="tx1">
+              <a:lumMod val="95000"/>
+            </a:schemeClr>
+          </a:solidFill>
+        </p:spPr>
+        <p:txBody>
+          <a:bodyPr vert="horz" lIns="91440" tIns="45720" rIns="91440" bIns="45720" rtlCol="0">
+            <a:normAutofit/>
+          </a:bodyPr>
+          <a:lstStyle>
+            <a:lvl1pPr marL="228600" indent="-228600" algn="l" defTabSz="914400" rtl="0" eaLnBrk="1" latinLnBrk="0" hangingPunct="1">
+              <a:lnSpc>
+                <a:spcPct val="120000"/>
+              </a:lnSpc>
+              <a:spcBef>
+                <a:spcPts val="1000"/>
+              </a:spcBef>
+              <a:buSzPct val="125000"/>
+              <a:buFont typeface="Arial" panose="020B0604020202020204" pitchFamily="34" charset="0"/>
+              <a:buChar char="•"/>
+              <a:defRPr sz="2400" kern="1200">
+                <a:solidFill>
+                  <a:schemeClr val="tx1"/>
+                </a:solidFill>
+                <a:latin typeface="+mn-lt"/>
+                <a:ea typeface="+mn-ea"/>
+                <a:cs typeface="+mn-cs"/>
+              </a:defRPr>
+            </a:lvl1pPr>
+            <a:lvl2pPr marL="685800" indent="-228600" algn="l" defTabSz="914400" rtl="0" eaLnBrk="1" latinLnBrk="0" hangingPunct="1">
+              <a:lnSpc>
+                <a:spcPct val="120000"/>
+              </a:lnSpc>
+              <a:spcBef>
+                <a:spcPts val="500"/>
+              </a:spcBef>
+              <a:buSzPct val="125000"/>
+              <a:buFont typeface="Arial" panose="020B0604020202020204" pitchFamily="34" charset="0"/>
+              <a:buChar char="•"/>
+              <a:defRPr sz="2000" kern="1200">
+                <a:solidFill>
+                  <a:schemeClr val="tx1"/>
+                </a:solidFill>
+                <a:latin typeface="+mn-lt"/>
+                <a:ea typeface="+mn-ea"/>
+                <a:cs typeface="+mn-cs"/>
+              </a:defRPr>
+            </a:lvl2pPr>
+            <a:lvl3pPr marL="1143000" indent="-228600" algn="l" defTabSz="914400" rtl="0" eaLnBrk="1" latinLnBrk="0" hangingPunct="1">
+              <a:lnSpc>
+                <a:spcPct val="120000"/>
+              </a:lnSpc>
+              <a:spcBef>
+                <a:spcPts val="500"/>
+              </a:spcBef>
+              <a:buSzPct val="125000"/>
+              <a:buFont typeface="Arial" panose="020B0604020202020204" pitchFamily="34" charset="0"/>
+              <a:buChar char="•"/>
+              <a:defRPr sz="1800" kern="1200">
+                <a:solidFill>
+                  <a:schemeClr val="tx1"/>
+                </a:solidFill>
+                <a:latin typeface="+mn-lt"/>
+                <a:ea typeface="+mn-ea"/>
+                <a:cs typeface="+mn-cs"/>
+              </a:defRPr>
+            </a:lvl3pPr>
+            <a:lvl4pPr marL="1600200" indent="-228600" algn="l" defTabSz="914400" rtl="0" eaLnBrk="1" latinLnBrk="0" hangingPunct="1">
+              <a:lnSpc>
+                <a:spcPct val="120000"/>
+              </a:lnSpc>
+              <a:spcBef>
+                <a:spcPts val="500"/>
+              </a:spcBef>
+              <a:buSzPct val="125000"/>
+              <a:buFont typeface="Arial" panose="020B0604020202020204" pitchFamily="34" charset="0"/>
+              <a:buChar char="•"/>
+              <a:defRPr sz="1600" kern="1200">
+                <a:solidFill>
+                  <a:schemeClr val="tx1"/>
+                </a:solidFill>
+                <a:latin typeface="+mn-lt"/>
+                <a:ea typeface="+mn-ea"/>
+                <a:cs typeface="+mn-cs"/>
+              </a:defRPr>
+            </a:lvl4pPr>
+            <a:lvl5pPr marL="2057400" indent="-228600" algn="l" defTabSz="914400" rtl="0" eaLnBrk="1" latinLnBrk="0" hangingPunct="1">
+              <a:lnSpc>
+                <a:spcPct val="120000"/>
+              </a:lnSpc>
+              <a:spcBef>
+                <a:spcPts val="500"/>
+              </a:spcBef>
+              <a:buSzPct val="125000"/>
+              <a:buFont typeface="Arial" panose="020B0604020202020204" pitchFamily="34" charset="0"/>
+              <a:buChar char="•"/>
+              <a:defRPr sz="1600" kern="1200">
+                <a:solidFill>
+                  <a:schemeClr val="tx1"/>
+                </a:solidFill>
+                <a:latin typeface="+mn-lt"/>
+                <a:ea typeface="+mn-ea"/>
+                <a:cs typeface="+mn-cs"/>
+              </a:defRPr>
+            </a:lvl5pPr>
+            <a:lvl6pPr marL="2514600" indent="-228600" algn="l" defTabSz="914400" rtl="0" eaLnBrk="1" latinLnBrk="0" hangingPunct="1">
+              <a:lnSpc>
+                <a:spcPct val="120000"/>
+              </a:lnSpc>
+              <a:spcBef>
+                <a:spcPts val="500"/>
+              </a:spcBef>
+              <a:buSzPct val="125000"/>
+              <a:buFont typeface="Arial" panose="020B0604020202020204" pitchFamily="34" charset="0"/>
+              <a:buChar char="•"/>
+              <a:defRPr sz="1400" kern="1200">
+                <a:solidFill>
+                  <a:schemeClr val="tx1"/>
+                </a:solidFill>
+                <a:latin typeface="+mn-lt"/>
+                <a:ea typeface="+mn-ea"/>
+                <a:cs typeface="+mn-cs"/>
+              </a:defRPr>
+            </a:lvl6pPr>
+            <a:lvl7pPr marL="2971800" indent="-228600" algn="l" defTabSz="914400" rtl="0" eaLnBrk="1" latinLnBrk="0" hangingPunct="1">
+              <a:lnSpc>
+                <a:spcPct val="120000"/>
+              </a:lnSpc>
+              <a:spcBef>
+                <a:spcPts val="500"/>
+              </a:spcBef>
+              <a:buSzPct val="125000"/>
+              <a:buFont typeface="Arial" panose="020B0604020202020204" pitchFamily="34" charset="0"/>
+              <a:buChar char="•"/>
+              <a:defRPr sz="1400" kern="1200">
+                <a:solidFill>
+                  <a:schemeClr val="tx1"/>
+                </a:solidFill>
+                <a:latin typeface="+mn-lt"/>
+                <a:ea typeface="+mn-ea"/>
+                <a:cs typeface="+mn-cs"/>
+              </a:defRPr>
+            </a:lvl7pPr>
+            <a:lvl8pPr marL="3429000" indent="-228600" algn="l" defTabSz="914400" rtl="0" eaLnBrk="1" latinLnBrk="0" hangingPunct="1">
+              <a:lnSpc>
+                <a:spcPct val="120000"/>
+              </a:lnSpc>
+              <a:spcBef>
+                <a:spcPts val="500"/>
+              </a:spcBef>
+              <a:buSzPct val="125000"/>
+              <a:buFont typeface="Arial" panose="020B0604020202020204" pitchFamily="34" charset="0"/>
+              <a:buChar char="•"/>
+              <a:defRPr sz="1400" kern="1200">
+                <a:solidFill>
+                  <a:schemeClr val="tx1"/>
+                </a:solidFill>
+                <a:latin typeface="+mn-lt"/>
+                <a:ea typeface="+mn-ea"/>
+                <a:cs typeface="+mn-cs"/>
+              </a:defRPr>
+            </a:lvl8pPr>
+            <a:lvl9pPr marL="3886200" indent="-228600" algn="l" defTabSz="914400" rtl="0" eaLnBrk="1" latinLnBrk="0" hangingPunct="1">
+              <a:lnSpc>
+                <a:spcPct val="120000"/>
+              </a:lnSpc>
+              <a:spcBef>
+                <a:spcPts val="500"/>
+              </a:spcBef>
+              <a:buSzPct val="125000"/>
+              <a:buFont typeface="Arial" panose="020B0604020202020204" pitchFamily="34" charset="0"/>
+              <a:buChar char="•"/>
+              <a:defRPr sz="1400" kern="1200">
+                <a:solidFill>
+                  <a:schemeClr val="tx1"/>
+                </a:solidFill>
+                <a:latin typeface="+mn-lt"/>
+                <a:ea typeface="+mn-ea"/>
+                <a:cs typeface="+mn-cs"/>
+              </a:defRPr>
+            </a:lvl9pPr>
+          </a:lstStyle>
+          <a:p>
+            <a:pPr marL="0" indent="0" algn="ctr">
+              <a:buNone/>
+            </a:pPr>
+            <a:r>
+              <a:rPr lang="en-US" dirty="0">
+                <a:solidFill>
+                  <a:schemeClr val="bg1"/>
+                </a:solidFill>
+              </a:rPr>
+              <a:t>Decidability</a:t>
+            </a:r>
+          </a:p>
+        </p:txBody>
+      </p:sp>
+      <p:sp>
+        <p:nvSpPr>
+          <p:cNvPr id="31" name="Content Placeholder 2">
+            <a:extLst>
+              <a:ext uri="{FF2B5EF4-FFF2-40B4-BE49-F238E27FC236}">
+                <a16:creationId xmlns:a16="http://schemas.microsoft.com/office/drawing/2014/main" id="{BD82F965-F282-A14B-8AE4-91D30F287D70}"/>
+              </a:ext>
+            </a:extLst>
+          </p:cNvPr>
+          <p:cNvSpPr txBox="1">
+            <a:spLocks/>
+          </p:cNvSpPr>
+          <p:nvPr/>
+        </p:nvSpPr>
+        <p:spPr>
+          <a:xfrm>
+            <a:off x="5299208" y="5547938"/>
+            <a:ext cx="1773141" cy="544706"/>
+          </a:xfrm>
+          <a:prstGeom prst="rect">
+            <a:avLst/>
+          </a:prstGeom>
+          <a:solidFill>
+            <a:schemeClr val="tx1">
+              <a:lumMod val="95000"/>
+            </a:schemeClr>
+          </a:solidFill>
+        </p:spPr>
+        <p:txBody>
+          <a:bodyPr vert="horz" lIns="91440" tIns="45720" rIns="91440" bIns="45720" rtlCol="0">
+            <a:normAutofit fontScale="85000" lnSpcReduction="10000"/>
+          </a:bodyPr>
+          <a:lstStyle>
+            <a:lvl1pPr marL="228600" indent="-228600" algn="l" defTabSz="914400" rtl="0" eaLnBrk="1" latinLnBrk="0" hangingPunct="1">
+              <a:lnSpc>
+                <a:spcPct val="120000"/>
+              </a:lnSpc>
+              <a:spcBef>
+                <a:spcPts val="1000"/>
+              </a:spcBef>
+              <a:buSzPct val="125000"/>
+              <a:buFont typeface="Arial" panose="020B0604020202020204" pitchFamily="34" charset="0"/>
+              <a:buChar char="•"/>
+              <a:defRPr sz="2400" kern="1200">
+                <a:solidFill>
+                  <a:schemeClr val="tx1"/>
+                </a:solidFill>
+                <a:latin typeface="+mn-lt"/>
+                <a:ea typeface="+mn-ea"/>
+                <a:cs typeface="+mn-cs"/>
+              </a:defRPr>
+            </a:lvl1pPr>
+            <a:lvl2pPr marL="685800" indent="-228600" algn="l" defTabSz="914400" rtl="0" eaLnBrk="1" latinLnBrk="0" hangingPunct="1">
+              <a:lnSpc>
+                <a:spcPct val="120000"/>
+              </a:lnSpc>
+              <a:spcBef>
+                <a:spcPts val="500"/>
+              </a:spcBef>
+              <a:buSzPct val="125000"/>
+              <a:buFont typeface="Arial" panose="020B0604020202020204" pitchFamily="34" charset="0"/>
+              <a:buChar char="•"/>
+              <a:defRPr sz="2000" kern="1200">
+                <a:solidFill>
+                  <a:schemeClr val="tx1"/>
+                </a:solidFill>
+                <a:latin typeface="+mn-lt"/>
+                <a:ea typeface="+mn-ea"/>
+                <a:cs typeface="+mn-cs"/>
+              </a:defRPr>
+            </a:lvl2pPr>
+            <a:lvl3pPr marL="1143000" indent="-228600" algn="l" defTabSz="914400" rtl="0" eaLnBrk="1" latinLnBrk="0" hangingPunct="1">
+              <a:lnSpc>
+                <a:spcPct val="120000"/>
+              </a:lnSpc>
+              <a:spcBef>
+                <a:spcPts val="500"/>
+              </a:spcBef>
+              <a:buSzPct val="125000"/>
+              <a:buFont typeface="Arial" panose="020B0604020202020204" pitchFamily="34" charset="0"/>
+              <a:buChar char="•"/>
+              <a:defRPr sz="1800" kern="1200">
+                <a:solidFill>
+                  <a:schemeClr val="tx1"/>
+                </a:solidFill>
+                <a:latin typeface="+mn-lt"/>
+                <a:ea typeface="+mn-ea"/>
+                <a:cs typeface="+mn-cs"/>
+              </a:defRPr>
+            </a:lvl3pPr>
+            <a:lvl4pPr marL="1600200" indent="-228600" algn="l" defTabSz="914400" rtl="0" eaLnBrk="1" latinLnBrk="0" hangingPunct="1">
+              <a:lnSpc>
+                <a:spcPct val="120000"/>
+              </a:lnSpc>
+              <a:spcBef>
+                <a:spcPts val="500"/>
+              </a:spcBef>
+              <a:buSzPct val="125000"/>
+              <a:buFont typeface="Arial" panose="020B0604020202020204" pitchFamily="34" charset="0"/>
+              <a:buChar char="•"/>
+              <a:defRPr sz="1600" kern="1200">
+                <a:solidFill>
+                  <a:schemeClr val="tx1"/>
+                </a:solidFill>
+                <a:latin typeface="+mn-lt"/>
+                <a:ea typeface="+mn-ea"/>
+                <a:cs typeface="+mn-cs"/>
+              </a:defRPr>
+            </a:lvl4pPr>
+            <a:lvl5pPr marL="2057400" indent="-228600" algn="l" defTabSz="914400" rtl="0" eaLnBrk="1" latinLnBrk="0" hangingPunct="1">
+              <a:lnSpc>
+                <a:spcPct val="120000"/>
+              </a:lnSpc>
+              <a:spcBef>
+                <a:spcPts val="500"/>
+              </a:spcBef>
+              <a:buSzPct val="125000"/>
+              <a:buFont typeface="Arial" panose="020B0604020202020204" pitchFamily="34" charset="0"/>
+              <a:buChar char="•"/>
+              <a:defRPr sz="1600" kern="1200">
+                <a:solidFill>
+                  <a:schemeClr val="tx1"/>
+                </a:solidFill>
+                <a:latin typeface="+mn-lt"/>
+                <a:ea typeface="+mn-ea"/>
+                <a:cs typeface="+mn-cs"/>
+              </a:defRPr>
+            </a:lvl5pPr>
+            <a:lvl6pPr marL="2514600" indent="-228600" algn="l" defTabSz="914400" rtl="0" eaLnBrk="1" latinLnBrk="0" hangingPunct="1">
+              <a:lnSpc>
+                <a:spcPct val="120000"/>
+              </a:lnSpc>
+              <a:spcBef>
+                <a:spcPts val="500"/>
+              </a:spcBef>
+              <a:buSzPct val="125000"/>
+              <a:buFont typeface="Arial" panose="020B0604020202020204" pitchFamily="34" charset="0"/>
+              <a:buChar char="•"/>
+              <a:defRPr sz="1400" kern="1200">
+                <a:solidFill>
+                  <a:schemeClr val="tx1"/>
+                </a:solidFill>
+                <a:latin typeface="+mn-lt"/>
+                <a:ea typeface="+mn-ea"/>
+                <a:cs typeface="+mn-cs"/>
+              </a:defRPr>
+            </a:lvl6pPr>
+            <a:lvl7pPr marL="2971800" indent="-228600" algn="l" defTabSz="914400" rtl="0" eaLnBrk="1" latinLnBrk="0" hangingPunct="1">
+              <a:lnSpc>
+                <a:spcPct val="120000"/>
+              </a:lnSpc>
+              <a:spcBef>
+                <a:spcPts val="500"/>
+              </a:spcBef>
+              <a:buSzPct val="125000"/>
+              <a:buFont typeface="Arial" panose="020B0604020202020204" pitchFamily="34" charset="0"/>
+              <a:buChar char="•"/>
+              <a:defRPr sz="1400" kern="1200">
+                <a:solidFill>
+                  <a:schemeClr val="tx1"/>
+                </a:solidFill>
+                <a:latin typeface="+mn-lt"/>
+                <a:ea typeface="+mn-ea"/>
+                <a:cs typeface="+mn-cs"/>
+              </a:defRPr>
+            </a:lvl7pPr>
+            <a:lvl8pPr marL="3429000" indent="-228600" algn="l" defTabSz="914400" rtl="0" eaLnBrk="1" latinLnBrk="0" hangingPunct="1">
+              <a:lnSpc>
+                <a:spcPct val="120000"/>
+              </a:lnSpc>
+              <a:spcBef>
+                <a:spcPts val="500"/>
+              </a:spcBef>
+              <a:buSzPct val="125000"/>
+              <a:buFont typeface="Arial" panose="020B0604020202020204" pitchFamily="34" charset="0"/>
+              <a:buChar char="•"/>
+              <a:defRPr sz="1400" kern="1200">
+                <a:solidFill>
+                  <a:schemeClr val="tx1"/>
+                </a:solidFill>
+                <a:latin typeface="+mn-lt"/>
+                <a:ea typeface="+mn-ea"/>
+                <a:cs typeface="+mn-cs"/>
+              </a:defRPr>
+            </a:lvl8pPr>
+            <a:lvl9pPr marL="3886200" indent="-228600" algn="l" defTabSz="914400" rtl="0" eaLnBrk="1" latinLnBrk="0" hangingPunct="1">
+              <a:lnSpc>
+                <a:spcPct val="120000"/>
+              </a:lnSpc>
+              <a:spcBef>
+                <a:spcPts val="500"/>
+              </a:spcBef>
+              <a:buSzPct val="125000"/>
+              <a:buFont typeface="Arial" panose="020B0604020202020204" pitchFamily="34" charset="0"/>
+              <a:buChar char="•"/>
+              <a:defRPr sz="1400" kern="1200">
+                <a:solidFill>
+                  <a:schemeClr val="tx1"/>
+                </a:solidFill>
+                <a:latin typeface="+mn-lt"/>
+                <a:ea typeface="+mn-ea"/>
+                <a:cs typeface="+mn-cs"/>
+              </a:defRPr>
+            </a:lvl9pPr>
+          </a:lstStyle>
+          <a:p>
+            <a:pPr marL="0" indent="0" algn="ctr">
+              <a:buNone/>
+            </a:pPr>
+            <a:r>
+              <a:rPr lang="en-US" dirty="0">
+                <a:solidFill>
+                  <a:schemeClr val="bg1"/>
+                </a:solidFill>
+              </a:rPr>
+              <a:t>P, NP, NP-Hard</a:t>
+            </a:r>
+          </a:p>
+        </p:txBody>
+      </p:sp>
+      <p:sp>
+        <p:nvSpPr>
+          <p:cNvPr id="32" name="Content Placeholder 2">
+            <a:extLst>
+              <a:ext uri="{FF2B5EF4-FFF2-40B4-BE49-F238E27FC236}">
+                <a16:creationId xmlns:a16="http://schemas.microsoft.com/office/drawing/2014/main" id="{D9D7E13E-BB4D-E34A-9999-7314CAC43BD9}"/>
+              </a:ext>
+            </a:extLst>
+          </p:cNvPr>
+          <p:cNvSpPr txBox="1">
+            <a:spLocks/>
+          </p:cNvSpPr>
+          <p:nvPr/>
+        </p:nvSpPr>
+        <p:spPr>
+          <a:xfrm>
+            <a:off x="7380015" y="5547938"/>
+            <a:ext cx="1773141" cy="544706"/>
+          </a:xfrm>
+          <a:prstGeom prst="rect">
+            <a:avLst/>
+          </a:prstGeom>
+          <a:solidFill>
+            <a:schemeClr val="tx1">
+              <a:lumMod val="95000"/>
+            </a:schemeClr>
+          </a:solidFill>
+        </p:spPr>
+        <p:txBody>
+          <a:bodyPr vert="horz" lIns="91440" tIns="45720" rIns="91440" bIns="45720" rtlCol="0">
+            <a:normAutofit fontScale="62500" lnSpcReduction="20000"/>
+          </a:bodyPr>
+          <a:lstStyle>
+            <a:lvl1pPr marL="228600" indent="-228600" algn="l" defTabSz="914400" rtl="0" eaLnBrk="1" latinLnBrk="0" hangingPunct="1">
+              <a:lnSpc>
+                <a:spcPct val="120000"/>
+              </a:lnSpc>
+              <a:spcBef>
+                <a:spcPts val="1000"/>
+              </a:spcBef>
+              <a:buSzPct val="125000"/>
+              <a:buFont typeface="Arial" panose="020B0604020202020204" pitchFamily="34" charset="0"/>
+              <a:buChar char="•"/>
+              <a:defRPr sz="2400" kern="1200">
+                <a:solidFill>
+                  <a:schemeClr val="tx1"/>
+                </a:solidFill>
+                <a:latin typeface="+mn-lt"/>
+                <a:ea typeface="+mn-ea"/>
+                <a:cs typeface="+mn-cs"/>
+              </a:defRPr>
+            </a:lvl1pPr>
+            <a:lvl2pPr marL="685800" indent="-228600" algn="l" defTabSz="914400" rtl="0" eaLnBrk="1" latinLnBrk="0" hangingPunct="1">
+              <a:lnSpc>
+                <a:spcPct val="120000"/>
+              </a:lnSpc>
+              <a:spcBef>
+                <a:spcPts val="500"/>
+              </a:spcBef>
+              <a:buSzPct val="125000"/>
+              <a:buFont typeface="Arial" panose="020B0604020202020204" pitchFamily="34" charset="0"/>
+              <a:buChar char="•"/>
+              <a:defRPr sz="2000" kern="1200">
+                <a:solidFill>
+                  <a:schemeClr val="tx1"/>
+                </a:solidFill>
+                <a:latin typeface="+mn-lt"/>
+                <a:ea typeface="+mn-ea"/>
+                <a:cs typeface="+mn-cs"/>
+              </a:defRPr>
+            </a:lvl2pPr>
+            <a:lvl3pPr marL="1143000" indent="-228600" algn="l" defTabSz="914400" rtl="0" eaLnBrk="1" latinLnBrk="0" hangingPunct="1">
+              <a:lnSpc>
+                <a:spcPct val="120000"/>
+              </a:lnSpc>
+              <a:spcBef>
+                <a:spcPts val="500"/>
+              </a:spcBef>
+              <a:buSzPct val="125000"/>
+              <a:buFont typeface="Arial" panose="020B0604020202020204" pitchFamily="34" charset="0"/>
+              <a:buChar char="•"/>
+              <a:defRPr sz="1800" kern="1200">
+                <a:solidFill>
+                  <a:schemeClr val="tx1"/>
+                </a:solidFill>
+                <a:latin typeface="+mn-lt"/>
+                <a:ea typeface="+mn-ea"/>
+                <a:cs typeface="+mn-cs"/>
+              </a:defRPr>
+            </a:lvl3pPr>
+            <a:lvl4pPr marL="1600200" indent="-228600" algn="l" defTabSz="914400" rtl="0" eaLnBrk="1" latinLnBrk="0" hangingPunct="1">
+              <a:lnSpc>
+                <a:spcPct val="120000"/>
+              </a:lnSpc>
+              <a:spcBef>
+                <a:spcPts val="500"/>
+              </a:spcBef>
+              <a:buSzPct val="125000"/>
+              <a:buFont typeface="Arial" panose="020B0604020202020204" pitchFamily="34" charset="0"/>
+              <a:buChar char="•"/>
+              <a:defRPr sz="1600" kern="1200">
+                <a:solidFill>
+                  <a:schemeClr val="tx1"/>
+                </a:solidFill>
+                <a:latin typeface="+mn-lt"/>
+                <a:ea typeface="+mn-ea"/>
+                <a:cs typeface="+mn-cs"/>
+              </a:defRPr>
+            </a:lvl4pPr>
+            <a:lvl5pPr marL="2057400" indent="-228600" algn="l" defTabSz="914400" rtl="0" eaLnBrk="1" latinLnBrk="0" hangingPunct="1">
+              <a:lnSpc>
+                <a:spcPct val="120000"/>
+              </a:lnSpc>
+              <a:spcBef>
+                <a:spcPts val="500"/>
+              </a:spcBef>
+              <a:buSzPct val="125000"/>
+              <a:buFont typeface="Arial" panose="020B0604020202020204" pitchFamily="34" charset="0"/>
+              <a:buChar char="•"/>
+              <a:defRPr sz="1600" kern="1200">
+                <a:solidFill>
+                  <a:schemeClr val="tx1"/>
+                </a:solidFill>
+                <a:latin typeface="+mn-lt"/>
+                <a:ea typeface="+mn-ea"/>
+                <a:cs typeface="+mn-cs"/>
+              </a:defRPr>
+            </a:lvl5pPr>
+            <a:lvl6pPr marL="2514600" indent="-228600" algn="l" defTabSz="914400" rtl="0" eaLnBrk="1" latinLnBrk="0" hangingPunct="1">
+              <a:lnSpc>
+                <a:spcPct val="120000"/>
+              </a:lnSpc>
+              <a:spcBef>
+                <a:spcPts val="500"/>
+              </a:spcBef>
+              <a:buSzPct val="125000"/>
+              <a:buFont typeface="Arial" panose="020B0604020202020204" pitchFamily="34" charset="0"/>
+              <a:buChar char="•"/>
+              <a:defRPr sz="1400" kern="1200">
+                <a:solidFill>
+                  <a:schemeClr val="tx1"/>
+                </a:solidFill>
+                <a:latin typeface="+mn-lt"/>
+                <a:ea typeface="+mn-ea"/>
+                <a:cs typeface="+mn-cs"/>
+              </a:defRPr>
+            </a:lvl6pPr>
+            <a:lvl7pPr marL="2971800" indent="-228600" algn="l" defTabSz="914400" rtl="0" eaLnBrk="1" latinLnBrk="0" hangingPunct="1">
+              <a:lnSpc>
+                <a:spcPct val="120000"/>
+              </a:lnSpc>
+              <a:spcBef>
+                <a:spcPts val="500"/>
+              </a:spcBef>
+              <a:buSzPct val="125000"/>
+              <a:buFont typeface="Arial" panose="020B0604020202020204" pitchFamily="34" charset="0"/>
+              <a:buChar char="•"/>
+              <a:defRPr sz="1400" kern="1200">
+                <a:solidFill>
+                  <a:schemeClr val="tx1"/>
+                </a:solidFill>
+                <a:latin typeface="+mn-lt"/>
+                <a:ea typeface="+mn-ea"/>
+                <a:cs typeface="+mn-cs"/>
+              </a:defRPr>
+            </a:lvl7pPr>
+            <a:lvl8pPr marL="3429000" indent="-228600" algn="l" defTabSz="914400" rtl="0" eaLnBrk="1" latinLnBrk="0" hangingPunct="1">
+              <a:lnSpc>
+                <a:spcPct val="120000"/>
+              </a:lnSpc>
+              <a:spcBef>
+                <a:spcPts val="500"/>
+              </a:spcBef>
+              <a:buSzPct val="125000"/>
+              <a:buFont typeface="Arial" panose="020B0604020202020204" pitchFamily="34" charset="0"/>
+              <a:buChar char="•"/>
+              <a:defRPr sz="1400" kern="1200">
+                <a:solidFill>
+                  <a:schemeClr val="tx1"/>
+                </a:solidFill>
+                <a:latin typeface="+mn-lt"/>
+                <a:ea typeface="+mn-ea"/>
+                <a:cs typeface="+mn-cs"/>
+              </a:defRPr>
+            </a:lvl8pPr>
+            <a:lvl9pPr marL="3886200" indent="-228600" algn="l" defTabSz="914400" rtl="0" eaLnBrk="1" latinLnBrk="0" hangingPunct="1">
+              <a:lnSpc>
+                <a:spcPct val="120000"/>
+              </a:lnSpc>
+              <a:spcBef>
+                <a:spcPts val="500"/>
+              </a:spcBef>
+              <a:buSzPct val="125000"/>
+              <a:buFont typeface="Arial" panose="020B0604020202020204" pitchFamily="34" charset="0"/>
+              <a:buChar char="•"/>
+              <a:defRPr sz="1400" kern="1200">
+                <a:solidFill>
+                  <a:schemeClr val="tx1"/>
+                </a:solidFill>
+                <a:latin typeface="+mn-lt"/>
+                <a:ea typeface="+mn-ea"/>
+                <a:cs typeface="+mn-cs"/>
+              </a:defRPr>
+            </a:lvl9pPr>
+          </a:lstStyle>
+          <a:p>
+            <a:pPr marL="0" indent="0" algn="ctr">
+              <a:buNone/>
+            </a:pPr>
+            <a:r>
+              <a:rPr lang="en-US" dirty="0">
+                <a:solidFill>
+                  <a:schemeClr val="bg1"/>
+                </a:solidFill>
+              </a:rPr>
+              <a:t>P-Space, Co-NP, </a:t>
+            </a:r>
+            <a:r>
+              <a:rPr lang="en-US" dirty="0" err="1">
+                <a:solidFill>
+                  <a:schemeClr val="bg1"/>
+                </a:solidFill>
+              </a:rPr>
+              <a:t>etc</a:t>
+            </a:r>
+            <a:endParaRPr lang="en-US" dirty="0">
+              <a:solidFill>
+                <a:schemeClr val="bg1"/>
+              </a:solidFill>
+            </a:endParaRPr>
           </a:p>
         </p:txBody>
       </p:sp>
       <p:cxnSp>
         <p:nvCxnSpPr>
-          <p:cNvPr id="7" name="Straight Connector 6">
+          <p:cNvPr id="9" name="Straight Connector 8">
             <a:extLst>
               <a:ext uri="{FF2B5EF4-FFF2-40B4-BE49-F238E27FC236}">
-                <a16:creationId xmlns:a16="http://schemas.microsoft.com/office/drawing/2014/main" id="{F4577BB2-C375-184B-A710-698BC15E513C}"/>
+                <a16:creationId xmlns:a16="http://schemas.microsoft.com/office/drawing/2014/main" id="{22E4A26F-EC9C-6A42-B6E5-2AB70D8495CC}"/>
               </a:ext>
             </a:extLst>
           </p:cNvPr>
@@ -15971,9 +17968,9 @@
           <p:nvPr/>
         </p:nvCxnSpPr>
         <p:spPr>
-          <a:xfrm flipH="1" flipV="1">
-            <a:off x="2213688" y="3138319"/>
-            <a:ext cx="921398" cy="273541"/>
+          <a:xfrm flipH="1">
+            <a:off x="3737114" y="2611998"/>
+            <a:ext cx="1940117" cy="274305"/>
           </a:xfrm>
           <a:prstGeom prst="line">
             <a:avLst/>
@@ -16001,225 +17998,12 @@
           </a:fontRef>
         </p:style>
       </p:cxnSp>
-      <p:sp>
-        <p:nvSpPr>
-          <p:cNvPr id="9" name="Content Placeholder 2">
+      <p:cxnSp>
+        <p:nvCxnSpPr>
+          <p:cNvPr id="39" name="Straight Connector 38">
             <a:extLst>
               <a:ext uri="{FF2B5EF4-FFF2-40B4-BE49-F238E27FC236}">
-                <a16:creationId xmlns:a16="http://schemas.microsoft.com/office/drawing/2014/main" id="{15FF3CF6-B257-1444-B03E-9AA4F49B19FD}"/>
-              </a:ext>
-            </a:extLst>
-          </p:cNvPr>
-          <p:cNvSpPr txBox="1">
-            <a:spLocks/>
-          </p:cNvSpPr>
-          <p:nvPr/>
-        </p:nvSpPr>
-        <p:spPr>
-          <a:xfrm>
-            <a:off x="9771654" y="2033963"/>
-            <a:ext cx="1960766" cy="1241126"/>
-          </a:xfrm>
-          <a:prstGeom prst="rect">
-            <a:avLst/>
-          </a:prstGeom>
-        </p:spPr>
-        <p:txBody>
-          <a:bodyPr vert="horz" lIns="91440" tIns="45720" rIns="91440" bIns="45720" rtlCol="0">
-            <a:normAutofit fontScale="92500"/>
-          </a:bodyPr>
-          <a:lstStyle>
-            <a:lvl1pPr marL="228600" indent="-228600" algn="l" defTabSz="914400" rtl="0" eaLnBrk="1" latinLnBrk="0" hangingPunct="1">
-              <a:lnSpc>
-                <a:spcPct val="120000"/>
-              </a:lnSpc>
-              <a:spcBef>
-                <a:spcPts val="1000"/>
-              </a:spcBef>
-              <a:buSzPct val="125000"/>
-              <a:buFont typeface="Arial" panose="020B0604020202020204" pitchFamily="34" charset="0"/>
-              <a:buChar char="•"/>
-              <a:defRPr sz="2400" kern="1200">
-                <a:solidFill>
-                  <a:schemeClr val="tx1"/>
-                </a:solidFill>
-                <a:latin typeface="+mn-lt"/>
-                <a:ea typeface="+mn-ea"/>
-                <a:cs typeface="+mn-cs"/>
-              </a:defRPr>
-            </a:lvl1pPr>
-            <a:lvl2pPr marL="685800" indent="-228600" algn="l" defTabSz="914400" rtl="0" eaLnBrk="1" latinLnBrk="0" hangingPunct="1">
-              <a:lnSpc>
-                <a:spcPct val="120000"/>
-              </a:lnSpc>
-              <a:spcBef>
-                <a:spcPts val="500"/>
-              </a:spcBef>
-              <a:buSzPct val="125000"/>
-              <a:buFont typeface="Arial" panose="020B0604020202020204" pitchFamily="34" charset="0"/>
-              <a:buChar char="•"/>
-              <a:defRPr sz="2000" kern="1200">
-                <a:solidFill>
-                  <a:schemeClr val="tx1"/>
-                </a:solidFill>
-                <a:latin typeface="+mn-lt"/>
-                <a:ea typeface="+mn-ea"/>
-                <a:cs typeface="+mn-cs"/>
-              </a:defRPr>
-            </a:lvl2pPr>
-            <a:lvl3pPr marL="1143000" indent="-228600" algn="l" defTabSz="914400" rtl="0" eaLnBrk="1" latinLnBrk="0" hangingPunct="1">
-              <a:lnSpc>
-                <a:spcPct val="120000"/>
-              </a:lnSpc>
-              <a:spcBef>
-                <a:spcPts val="500"/>
-              </a:spcBef>
-              <a:buSzPct val="125000"/>
-              <a:buFont typeface="Arial" panose="020B0604020202020204" pitchFamily="34" charset="0"/>
-              <a:buChar char="•"/>
-              <a:defRPr sz="1800" kern="1200">
-                <a:solidFill>
-                  <a:schemeClr val="tx1"/>
-                </a:solidFill>
-                <a:latin typeface="+mn-lt"/>
-                <a:ea typeface="+mn-ea"/>
-                <a:cs typeface="+mn-cs"/>
-              </a:defRPr>
-            </a:lvl3pPr>
-            <a:lvl4pPr marL="1600200" indent="-228600" algn="l" defTabSz="914400" rtl="0" eaLnBrk="1" latinLnBrk="0" hangingPunct="1">
-              <a:lnSpc>
-                <a:spcPct val="120000"/>
-              </a:lnSpc>
-              <a:spcBef>
-                <a:spcPts val="500"/>
-              </a:spcBef>
-              <a:buSzPct val="125000"/>
-              <a:buFont typeface="Arial" panose="020B0604020202020204" pitchFamily="34" charset="0"/>
-              <a:buChar char="•"/>
-              <a:defRPr sz="1600" kern="1200">
-                <a:solidFill>
-                  <a:schemeClr val="tx1"/>
-                </a:solidFill>
-                <a:latin typeface="+mn-lt"/>
-                <a:ea typeface="+mn-ea"/>
-                <a:cs typeface="+mn-cs"/>
-              </a:defRPr>
-            </a:lvl4pPr>
-            <a:lvl5pPr marL="2057400" indent="-228600" algn="l" defTabSz="914400" rtl="0" eaLnBrk="1" latinLnBrk="0" hangingPunct="1">
-              <a:lnSpc>
-                <a:spcPct val="120000"/>
-              </a:lnSpc>
-              <a:spcBef>
-                <a:spcPts val="500"/>
-              </a:spcBef>
-              <a:buSzPct val="125000"/>
-              <a:buFont typeface="Arial" panose="020B0604020202020204" pitchFamily="34" charset="0"/>
-              <a:buChar char="•"/>
-              <a:defRPr sz="1600" kern="1200">
-                <a:solidFill>
-                  <a:schemeClr val="tx1"/>
-                </a:solidFill>
-                <a:latin typeface="+mn-lt"/>
-                <a:ea typeface="+mn-ea"/>
-                <a:cs typeface="+mn-cs"/>
-              </a:defRPr>
-            </a:lvl5pPr>
-            <a:lvl6pPr marL="2514600" indent="-228600" algn="l" defTabSz="914400" rtl="0" eaLnBrk="1" latinLnBrk="0" hangingPunct="1">
-              <a:lnSpc>
-                <a:spcPct val="120000"/>
-              </a:lnSpc>
-              <a:spcBef>
-                <a:spcPts val="500"/>
-              </a:spcBef>
-              <a:buSzPct val="125000"/>
-              <a:buFont typeface="Arial" panose="020B0604020202020204" pitchFamily="34" charset="0"/>
-              <a:buChar char="•"/>
-              <a:defRPr sz="1400" kern="1200">
-                <a:solidFill>
-                  <a:schemeClr val="tx1"/>
-                </a:solidFill>
-                <a:latin typeface="+mn-lt"/>
-                <a:ea typeface="+mn-ea"/>
-                <a:cs typeface="+mn-cs"/>
-              </a:defRPr>
-            </a:lvl6pPr>
-            <a:lvl7pPr marL="2971800" indent="-228600" algn="l" defTabSz="914400" rtl="0" eaLnBrk="1" latinLnBrk="0" hangingPunct="1">
-              <a:lnSpc>
-                <a:spcPct val="120000"/>
-              </a:lnSpc>
-              <a:spcBef>
-                <a:spcPts val="500"/>
-              </a:spcBef>
-              <a:buSzPct val="125000"/>
-              <a:buFont typeface="Arial" panose="020B0604020202020204" pitchFamily="34" charset="0"/>
-              <a:buChar char="•"/>
-              <a:defRPr sz="1400" kern="1200">
-                <a:solidFill>
-                  <a:schemeClr val="tx1"/>
-                </a:solidFill>
-                <a:latin typeface="+mn-lt"/>
-                <a:ea typeface="+mn-ea"/>
-                <a:cs typeface="+mn-cs"/>
-              </a:defRPr>
-            </a:lvl7pPr>
-            <a:lvl8pPr marL="3429000" indent="-228600" algn="l" defTabSz="914400" rtl="0" eaLnBrk="1" latinLnBrk="0" hangingPunct="1">
-              <a:lnSpc>
-                <a:spcPct val="120000"/>
-              </a:lnSpc>
-              <a:spcBef>
-                <a:spcPts val="500"/>
-              </a:spcBef>
-              <a:buSzPct val="125000"/>
-              <a:buFont typeface="Arial" panose="020B0604020202020204" pitchFamily="34" charset="0"/>
-              <a:buChar char="•"/>
-              <a:defRPr sz="1400" kern="1200">
-                <a:solidFill>
-                  <a:schemeClr val="tx1"/>
-                </a:solidFill>
-                <a:latin typeface="+mn-lt"/>
-                <a:ea typeface="+mn-ea"/>
-                <a:cs typeface="+mn-cs"/>
-              </a:defRPr>
-            </a:lvl8pPr>
-            <a:lvl9pPr marL="3886200" indent="-228600" algn="l" defTabSz="914400" rtl="0" eaLnBrk="1" latinLnBrk="0" hangingPunct="1">
-              <a:lnSpc>
-                <a:spcPct val="120000"/>
-              </a:lnSpc>
-              <a:spcBef>
-                <a:spcPts val="500"/>
-              </a:spcBef>
-              <a:buSzPct val="125000"/>
-              <a:buFont typeface="Arial" panose="020B0604020202020204" pitchFamily="34" charset="0"/>
-              <a:buChar char="•"/>
-              <a:defRPr sz="1400" kern="1200">
-                <a:solidFill>
-                  <a:schemeClr val="tx1"/>
-                </a:solidFill>
-                <a:latin typeface="+mn-lt"/>
-                <a:ea typeface="+mn-ea"/>
-                <a:cs typeface="+mn-cs"/>
-              </a:defRPr>
-            </a:lvl9pPr>
-          </a:lstStyle>
-          <a:p>
-            <a:pPr marL="0" indent="0">
-              <a:buFont typeface="Arial" panose="020B0604020202020204" pitchFamily="34" charset="0"/>
-              <a:buNone/>
-            </a:pPr>
-            <a:r>
-              <a:rPr lang="en-US" sz="1800" i="1" dirty="0"/>
-              <a:t>Each language has a computational model that recognizes it</a:t>
-            </a:r>
-            <a:endParaRPr lang="en-US" sz="1800" b="1" u="sng" dirty="0"/>
-          </a:p>
-        </p:txBody>
-      </p:sp>
-      <p:cxnSp>
-        <p:nvCxnSpPr>
-          <p:cNvPr id="10" name="Straight Connector 9">
-            <a:extLst>
-              <a:ext uri="{FF2B5EF4-FFF2-40B4-BE49-F238E27FC236}">
-                <a16:creationId xmlns:a16="http://schemas.microsoft.com/office/drawing/2014/main" id="{59A7B9B8-57C5-7341-9DB8-57E3D4EA8317}"/>
+                <a16:creationId xmlns:a16="http://schemas.microsoft.com/office/drawing/2014/main" id="{8A9F70A8-6775-D748-9250-0D75E2C83C4A}"/>
               </a:ext>
             </a:extLst>
           </p:cNvPr>
@@ -16229,9 +18013,9 @@
           <p:nvPr/>
         </p:nvCxnSpPr>
         <p:spPr>
-          <a:xfrm flipH="1" flipV="1">
-            <a:off x="8850256" y="1897193"/>
-            <a:ext cx="921398" cy="273541"/>
+          <a:xfrm flipH="1">
+            <a:off x="4738977" y="2611998"/>
+            <a:ext cx="938254" cy="345891"/>
           </a:xfrm>
           <a:prstGeom prst="line">
             <a:avLst/>
@@ -16259,225 +18043,12 @@
           </a:fontRef>
         </p:style>
       </p:cxnSp>
-      <p:sp>
-        <p:nvSpPr>
-          <p:cNvPr id="11" name="Content Placeholder 2">
+      <p:cxnSp>
+        <p:nvCxnSpPr>
+          <p:cNvPr id="41" name="Straight Connector 40">
             <a:extLst>
               <a:ext uri="{FF2B5EF4-FFF2-40B4-BE49-F238E27FC236}">
-                <a16:creationId xmlns:a16="http://schemas.microsoft.com/office/drawing/2014/main" id="{333480E5-C3B1-2D48-BB27-DE195260E0E7}"/>
-              </a:ext>
-            </a:extLst>
-          </p:cNvPr>
-          <p:cNvSpPr txBox="1">
-            <a:spLocks/>
-          </p:cNvSpPr>
-          <p:nvPr/>
-        </p:nvSpPr>
-        <p:spPr>
-          <a:xfrm>
-            <a:off x="7006676" y="5808617"/>
-            <a:ext cx="3896455" cy="887578"/>
-          </a:xfrm>
-          <a:prstGeom prst="rect">
-            <a:avLst/>
-          </a:prstGeom>
-        </p:spPr>
-        <p:txBody>
-          <a:bodyPr vert="horz" lIns="91440" tIns="45720" rIns="91440" bIns="45720" rtlCol="0">
-            <a:normAutofit fontScale="92500" lnSpcReduction="20000"/>
-          </a:bodyPr>
-          <a:lstStyle>
-            <a:lvl1pPr marL="228600" indent="-228600" algn="l" defTabSz="914400" rtl="0" eaLnBrk="1" latinLnBrk="0" hangingPunct="1">
-              <a:lnSpc>
-                <a:spcPct val="120000"/>
-              </a:lnSpc>
-              <a:spcBef>
-                <a:spcPts val="1000"/>
-              </a:spcBef>
-              <a:buSzPct val="125000"/>
-              <a:buFont typeface="Arial" panose="020B0604020202020204" pitchFamily="34" charset="0"/>
-              <a:buChar char="•"/>
-              <a:defRPr sz="2400" kern="1200">
-                <a:solidFill>
-                  <a:schemeClr val="tx1"/>
-                </a:solidFill>
-                <a:latin typeface="+mn-lt"/>
-                <a:ea typeface="+mn-ea"/>
-                <a:cs typeface="+mn-cs"/>
-              </a:defRPr>
-            </a:lvl1pPr>
-            <a:lvl2pPr marL="685800" indent="-228600" algn="l" defTabSz="914400" rtl="0" eaLnBrk="1" latinLnBrk="0" hangingPunct="1">
-              <a:lnSpc>
-                <a:spcPct val="120000"/>
-              </a:lnSpc>
-              <a:spcBef>
-                <a:spcPts val="500"/>
-              </a:spcBef>
-              <a:buSzPct val="125000"/>
-              <a:buFont typeface="Arial" panose="020B0604020202020204" pitchFamily="34" charset="0"/>
-              <a:buChar char="•"/>
-              <a:defRPr sz="2000" kern="1200">
-                <a:solidFill>
-                  <a:schemeClr val="tx1"/>
-                </a:solidFill>
-                <a:latin typeface="+mn-lt"/>
-                <a:ea typeface="+mn-ea"/>
-                <a:cs typeface="+mn-cs"/>
-              </a:defRPr>
-            </a:lvl2pPr>
-            <a:lvl3pPr marL="1143000" indent="-228600" algn="l" defTabSz="914400" rtl="0" eaLnBrk="1" latinLnBrk="0" hangingPunct="1">
-              <a:lnSpc>
-                <a:spcPct val="120000"/>
-              </a:lnSpc>
-              <a:spcBef>
-                <a:spcPts val="500"/>
-              </a:spcBef>
-              <a:buSzPct val="125000"/>
-              <a:buFont typeface="Arial" panose="020B0604020202020204" pitchFamily="34" charset="0"/>
-              <a:buChar char="•"/>
-              <a:defRPr sz="1800" kern="1200">
-                <a:solidFill>
-                  <a:schemeClr val="tx1"/>
-                </a:solidFill>
-                <a:latin typeface="+mn-lt"/>
-                <a:ea typeface="+mn-ea"/>
-                <a:cs typeface="+mn-cs"/>
-              </a:defRPr>
-            </a:lvl3pPr>
-            <a:lvl4pPr marL="1600200" indent="-228600" algn="l" defTabSz="914400" rtl="0" eaLnBrk="1" latinLnBrk="0" hangingPunct="1">
-              <a:lnSpc>
-                <a:spcPct val="120000"/>
-              </a:lnSpc>
-              <a:spcBef>
-                <a:spcPts val="500"/>
-              </a:spcBef>
-              <a:buSzPct val="125000"/>
-              <a:buFont typeface="Arial" panose="020B0604020202020204" pitchFamily="34" charset="0"/>
-              <a:buChar char="•"/>
-              <a:defRPr sz="1600" kern="1200">
-                <a:solidFill>
-                  <a:schemeClr val="tx1"/>
-                </a:solidFill>
-                <a:latin typeface="+mn-lt"/>
-                <a:ea typeface="+mn-ea"/>
-                <a:cs typeface="+mn-cs"/>
-              </a:defRPr>
-            </a:lvl4pPr>
-            <a:lvl5pPr marL="2057400" indent="-228600" algn="l" defTabSz="914400" rtl="0" eaLnBrk="1" latinLnBrk="0" hangingPunct="1">
-              <a:lnSpc>
-                <a:spcPct val="120000"/>
-              </a:lnSpc>
-              <a:spcBef>
-                <a:spcPts val="500"/>
-              </a:spcBef>
-              <a:buSzPct val="125000"/>
-              <a:buFont typeface="Arial" panose="020B0604020202020204" pitchFamily="34" charset="0"/>
-              <a:buChar char="•"/>
-              <a:defRPr sz="1600" kern="1200">
-                <a:solidFill>
-                  <a:schemeClr val="tx1"/>
-                </a:solidFill>
-                <a:latin typeface="+mn-lt"/>
-                <a:ea typeface="+mn-ea"/>
-                <a:cs typeface="+mn-cs"/>
-              </a:defRPr>
-            </a:lvl5pPr>
-            <a:lvl6pPr marL="2514600" indent="-228600" algn="l" defTabSz="914400" rtl="0" eaLnBrk="1" latinLnBrk="0" hangingPunct="1">
-              <a:lnSpc>
-                <a:spcPct val="120000"/>
-              </a:lnSpc>
-              <a:spcBef>
-                <a:spcPts val="500"/>
-              </a:spcBef>
-              <a:buSzPct val="125000"/>
-              <a:buFont typeface="Arial" panose="020B0604020202020204" pitchFamily="34" charset="0"/>
-              <a:buChar char="•"/>
-              <a:defRPr sz="1400" kern="1200">
-                <a:solidFill>
-                  <a:schemeClr val="tx1"/>
-                </a:solidFill>
-                <a:latin typeface="+mn-lt"/>
-                <a:ea typeface="+mn-ea"/>
-                <a:cs typeface="+mn-cs"/>
-              </a:defRPr>
-            </a:lvl6pPr>
-            <a:lvl7pPr marL="2971800" indent="-228600" algn="l" defTabSz="914400" rtl="0" eaLnBrk="1" latinLnBrk="0" hangingPunct="1">
-              <a:lnSpc>
-                <a:spcPct val="120000"/>
-              </a:lnSpc>
-              <a:spcBef>
-                <a:spcPts val="500"/>
-              </a:spcBef>
-              <a:buSzPct val="125000"/>
-              <a:buFont typeface="Arial" panose="020B0604020202020204" pitchFamily="34" charset="0"/>
-              <a:buChar char="•"/>
-              <a:defRPr sz="1400" kern="1200">
-                <a:solidFill>
-                  <a:schemeClr val="tx1"/>
-                </a:solidFill>
-                <a:latin typeface="+mn-lt"/>
-                <a:ea typeface="+mn-ea"/>
-                <a:cs typeface="+mn-cs"/>
-              </a:defRPr>
-            </a:lvl7pPr>
-            <a:lvl8pPr marL="3429000" indent="-228600" algn="l" defTabSz="914400" rtl="0" eaLnBrk="1" latinLnBrk="0" hangingPunct="1">
-              <a:lnSpc>
-                <a:spcPct val="120000"/>
-              </a:lnSpc>
-              <a:spcBef>
-                <a:spcPts val="500"/>
-              </a:spcBef>
-              <a:buSzPct val="125000"/>
-              <a:buFont typeface="Arial" panose="020B0604020202020204" pitchFamily="34" charset="0"/>
-              <a:buChar char="•"/>
-              <a:defRPr sz="1400" kern="1200">
-                <a:solidFill>
-                  <a:schemeClr val="tx1"/>
-                </a:solidFill>
-                <a:latin typeface="+mn-lt"/>
-                <a:ea typeface="+mn-ea"/>
-                <a:cs typeface="+mn-cs"/>
-              </a:defRPr>
-            </a:lvl8pPr>
-            <a:lvl9pPr marL="3886200" indent="-228600" algn="l" defTabSz="914400" rtl="0" eaLnBrk="1" latinLnBrk="0" hangingPunct="1">
-              <a:lnSpc>
-                <a:spcPct val="120000"/>
-              </a:lnSpc>
-              <a:spcBef>
-                <a:spcPts val="500"/>
-              </a:spcBef>
-              <a:buSzPct val="125000"/>
-              <a:buFont typeface="Arial" panose="020B0604020202020204" pitchFamily="34" charset="0"/>
-              <a:buChar char="•"/>
-              <a:defRPr sz="1400" kern="1200">
-                <a:solidFill>
-                  <a:schemeClr val="tx1"/>
-                </a:solidFill>
-                <a:latin typeface="+mn-lt"/>
-                <a:ea typeface="+mn-ea"/>
-                <a:cs typeface="+mn-cs"/>
-              </a:defRPr>
-            </a:lvl9pPr>
-          </a:lstStyle>
-          <a:p>
-            <a:pPr marL="0" indent="0">
-              <a:buFont typeface="Arial" panose="020B0604020202020204" pitchFamily="34" charset="0"/>
-              <a:buNone/>
-            </a:pPr>
-            <a:r>
-              <a:rPr lang="en-US" sz="1800" i="1" dirty="0"/>
-              <a:t>In this deck, we will see the context-free languages and the machines that recognize them</a:t>
-            </a:r>
-            <a:endParaRPr lang="en-US" sz="1800" b="1" u="sng" dirty="0"/>
-          </a:p>
-        </p:txBody>
-      </p:sp>
-      <p:cxnSp>
-        <p:nvCxnSpPr>
-          <p:cNvPr id="12" name="Straight Connector 11">
-            <a:extLst>
-              <a:ext uri="{FF2B5EF4-FFF2-40B4-BE49-F238E27FC236}">
-                <a16:creationId xmlns:a16="http://schemas.microsoft.com/office/drawing/2014/main" id="{E7862FF3-8295-6A4E-8AE0-66E063B03D1E}"/>
+                <a16:creationId xmlns:a16="http://schemas.microsoft.com/office/drawing/2014/main" id="{87C4C467-E952-8749-B68A-AEACB73338CC}"/>
               </a:ext>
             </a:extLst>
           </p:cNvPr>
@@ -16487,9 +18058,144 @@
           <p:nvPr/>
         </p:nvCxnSpPr>
         <p:spPr>
-          <a:xfrm flipH="1" flipV="1">
-            <a:off x="6085284" y="5681067"/>
-            <a:ext cx="921398" cy="273541"/>
+          <a:xfrm>
+            <a:off x="5677231" y="2611998"/>
+            <a:ext cx="326004" cy="312065"/>
+          </a:xfrm>
+          <a:prstGeom prst="line">
+            <a:avLst/>
+          </a:prstGeom>
+          <a:ln>
+            <a:solidFill>
+              <a:schemeClr val="tx1">
+                <a:lumMod val="95000"/>
+              </a:schemeClr>
+            </a:solidFill>
+          </a:ln>
+        </p:spPr>
+        <p:style>
+          <a:lnRef idx="1">
+            <a:schemeClr val="accent1"/>
+          </a:lnRef>
+          <a:fillRef idx="0">
+            <a:schemeClr val="accent1"/>
+          </a:fillRef>
+          <a:effectRef idx="0">
+            <a:schemeClr val="accent1"/>
+          </a:effectRef>
+          <a:fontRef idx="minor">
+            <a:schemeClr val="tx1"/>
+          </a:fontRef>
+        </p:style>
+      </p:cxnSp>
+      <p:cxnSp>
+        <p:nvCxnSpPr>
+          <p:cNvPr id="45" name="Straight Connector 44">
+            <a:extLst>
+              <a:ext uri="{FF2B5EF4-FFF2-40B4-BE49-F238E27FC236}">
+                <a16:creationId xmlns:a16="http://schemas.microsoft.com/office/drawing/2014/main" id="{810E39D2-A8F4-3F4E-A460-37AAEC00BDD8}"/>
+              </a:ext>
+            </a:extLst>
+          </p:cNvPr>
+          <p:cNvCxnSpPr>
+            <a:cxnSpLocks/>
+          </p:cNvCxnSpPr>
+          <p:nvPr/>
+        </p:nvCxnSpPr>
+        <p:spPr>
+          <a:xfrm>
+            <a:off x="5677231" y="2611998"/>
+            <a:ext cx="2441051" cy="312065"/>
+          </a:xfrm>
+          <a:prstGeom prst="line">
+            <a:avLst/>
+          </a:prstGeom>
+          <a:ln>
+            <a:solidFill>
+              <a:schemeClr val="tx1">
+                <a:lumMod val="95000"/>
+              </a:schemeClr>
+            </a:solidFill>
+          </a:ln>
+        </p:spPr>
+        <p:style>
+          <a:lnRef idx="1">
+            <a:schemeClr val="accent1"/>
+          </a:lnRef>
+          <a:fillRef idx="0">
+            <a:schemeClr val="accent1"/>
+          </a:fillRef>
+          <a:effectRef idx="0">
+            <a:schemeClr val="accent1"/>
+          </a:effectRef>
+          <a:fontRef idx="minor">
+            <a:schemeClr val="tx1"/>
+          </a:fontRef>
+        </p:style>
+      </p:cxnSp>
+      <p:cxnSp>
+        <p:nvCxnSpPr>
+          <p:cNvPr id="48" name="Straight Connector 47">
+            <a:extLst>
+              <a:ext uri="{FF2B5EF4-FFF2-40B4-BE49-F238E27FC236}">
+                <a16:creationId xmlns:a16="http://schemas.microsoft.com/office/drawing/2014/main" id="{FF04D67C-0668-BD4F-9A16-080004563B3D}"/>
+              </a:ext>
+            </a:extLst>
+          </p:cNvPr>
+          <p:cNvCxnSpPr>
+            <a:cxnSpLocks/>
+          </p:cNvCxnSpPr>
+          <p:nvPr/>
+        </p:nvCxnSpPr>
+        <p:spPr>
+          <a:xfrm>
+            <a:off x="5677231" y="2604047"/>
+            <a:ext cx="4491824" cy="353842"/>
+          </a:xfrm>
+          <a:prstGeom prst="line">
+            <a:avLst/>
+          </a:prstGeom>
+          <a:ln>
+            <a:solidFill>
+              <a:schemeClr val="tx1">
+                <a:lumMod val="95000"/>
+              </a:schemeClr>
+            </a:solidFill>
+          </a:ln>
+        </p:spPr>
+        <p:style>
+          <a:lnRef idx="1">
+            <a:schemeClr val="accent1"/>
+          </a:lnRef>
+          <a:fillRef idx="0">
+            <a:schemeClr val="accent1"/>
+          </a:fillRef>
+          <a:effectRef idx="0">
+            <a:schemeClr val="accent1"/>
+          </a:effectRef>
+          <a:fontRef idx="minor">
+            <a:schemeClr val="tx1"/>
+          </a:fontRef>
+        </p:style>
+      </p:cxnSp>
+      <p:cxnSp>
+        <p:nvCxnSpPr>
+          <p:cNvPr id="51" name="Straight Connector 50">
+            <a:extLst>
+              <a:ext uri="{FF2B5EF4-FFF2-40B4-BE49-F238E27FC236}">
+                <a16:creationId xmlns:a16="http://schemas.microsoft.com/office/drawing/2014/main" id="{9C5BE0A7-D209-8A47-81A6-28A4251C55B5}"/>
+              </a:ext>
+            </a:extLst>
+          </p:cNvPr>
+          <p:cNvCxnSpPr>
+            <a:cxnSpLocks/>
+          </p:cNvCxnSpPr>
+          <p:nvPr/>
+        </p:nvCxnSpPr>
+        <p:spPr>
+          <a:xfrm flipV="1">
+            <a:off x="6289482" y="4567959"/>
+            <a:ext cx="1884459" cy="369801"/>
           </a:xfrm>
           <a:prstGeom prst="line">
             <a:avLst/>
@@ -16520,7 +18226,7 @@
     </p:spTree>
     <p:extLst>
       <p:ext uri="{BB962C8B-B14F-4D97-AF65-F5344CB8AC3E}">
-        <p14:creationId xmlns:p14="http://schemas.microsoft.com/office/powerpoint/2010/main" val="2594896917"/>
+        <p14:creationId xmlns:p14="http://schemas.microsoft.com/office/powerpoint/2010/main" val="3504328548"/>
       </p:ext>
     </p:extLst>
   </p:cSld>
@@ -16530,7 +18236,7 @@
 </p:sld>
 </file>
 
-<file path=ppt/slides/slide6.xml><?xml version="1.0" encoding="utf-8"?>
+<file path=ppt/slides/slide5.xml><?xml version="1.0" encoding="utf-8"?>
 <p:sld xmlns:a="http://schemas.openxmlformats.org/drawingml/2006/main" xmlns:r="http://schemas.openxmlformats.org/officeDocument/2006/relationships" xmlns:p="http://schemas.openxmlformats.org/presentationml/2006/main">
   <p:cSld>
     <p:spTree>
@@ -18018,7 +19724,7 @@
 </p:sld>
 </file>
 
-<file path=ppt/slides/slide7.xml><?xml version="1.0" encoding="utf-8"?>
+<file path=ppt/slides/slide6.xml><?xml version="1.0" encoding="utf-8"?>
 <p:sld xmlns:a="http://schemas.openxmlformats.org/drawingml/2006/main" xmlns:r="http://schemas.openxmlformats.org/officeDocument/2006/relationships" xmlns:p="http://schemas.openxmlformats.org/presentationml/2006/main">
   <p:cSld>
     <p:spTree>
@@ -18077,7 +19783,7 @@
 </p:sld>
 </file>
 
-<file path=ppt/slides/slide8.xml><?xml version="1.0" encoding="utf-8"?>
+<file path=ppt/slides/slide7.xml><?xml version="1.0" encoding="utf-8"?>
 <p:sld xmlns:a="http://schemas.openxmlformats.org/drawingml/2006/main" xmlns:r="http://schemas.openxmlformats.org/officeDocument/2006/relationships" xmlns:p="http://schemas.openxmlformats.org/presentationml/2006/main">
   <p:cSld>
     <p:spTree>
